--- a/进程控制.pptx
+++ b/进程控制.pptx
@@ -5,10 +5,10 @@
     <p:sldMasterId id="2147483648" r:id="rId1"/>
   </p:sldMasterIdLst>
   <p:notesMasterIdLst>
-    <p:notesMasterId r:id="rId18"/>
+    <p:notesMasterId r:id="rId20"/>
   </p:notesMasterIdLst>
   <p:handoutMasterIdLst>
-    <p:handoutMasterId r:id="rId19"/>
+    <p:handoutMasterId r:id="rId21"/>
   </p:handoutMasterIdLst>
   <p:sldIdLst>
     <p:sldId id="256" r:id="rId3"/>
@@ -25,7 +25,9 @@
     <p:sldId id="267" r:id="rId14"/>
     <p:sldId id="268" r:id="rId15"/>
     <p:sldId id="269" r:id="rId16"/>
-    <p:sldId id="270" r:id="rId17"/>
+    <p:sldId id="273" r:id="rId17"/>
+    <p:sldId id="270" r:id="rId18"/>
+    <p:sldId id="271" r:id="rId19"/>
   </p:sldIdLst>
   <p:sldSz cx="12192000" cy="6858000"/>
   <p:notesSz cx="7103745" cy="10234295"/>
@@ -5454,6 +5456,105 @@
         </p:nvSpPr>
         <p:spPr>
           <a:xfrm>
+            <a:off x="35560" y="42545"/>
+            <a:ext cx="2484120" cy="337185"/>
+          </a:xfrm>
+          <a:prstGeom prst="rect">
+            <a:avLst/>
+          </a:prstGeom>
+          <a:noFill/>
+        </p:spPr>
+        <p:txBody>
+          <a:bodyPr wrap="square" rtlCol="0">
+            <a:spAutoFit/>
+          </a:bodyPr>
+          <a:p>
+            <a:r>
+              <a:rPr lang="en-US" altLang="zh-CN" sz="1600" b="1">
+                <a:effectLst>
+                  <a:outerShdw blurRad="38100" dist="38100" dir="2700000" algn="tl">
+                    <a:srgbClr val="000000">
+                      <a:alpha val="43137"/>
+                    </a:srgbClr>
+                  </a:outerShdw>
+                </a:effectLst>
+              </a:rPr>
+              <a:t>exec</a:t>
+            </a:r>
+            <a:r>
+              <a:rPr lang="zh-CN" altLang="en-US" sz="1600" b="1">
+                <a:effectLst>
+                  <a:outerShdw blurRad="38100" dist="38100" dir="2700000" algn="tl">
+                    <a:srgbClr val="000000">
+                      <a:alpha val="43137"/>
+                    </a:srgbClr>
+                  </a:outerShdw>
+                </a:effectLst>
+              </a:rPr>
+              <a:t>函数簇</a:t>
+            </a:r>
+            <a:endParaRPr lang="zh-CN" altLang="en-US" sz="1600" b="1">
+              <a:effectLst>
+                <a:outerShdw blurRad="38100" dist="38100" dir="2700000" algn="tl">
+                  <a:srgbClr val="000000">
+                    <a:alpha val="43137"/>
+                  </a:srgbClr>
+                </a:outerShdw>
+              </a:effectLst>
+            </a:endParaRPr>
+          </a:p>
+        </p:txBody>
+      </p:sp>
+      <p:pic>
+        <p:nvPicPr>
+          <p:cNvPr id="3" name="Picture 2" descr="exec_环境变量"/>
+          <p:cNvPicPr>
+            <a:picLocks noChangeAspect="true"/>
+          </p:cNvPicPr>
+          <p:nvPr/>
+        </p:nvPicPr>
+        <p:blipFill>
+          <a:blip r:embed="rId1"/>
+          <a:stretch>
+            <a:fillRect/>
+          </a:stretch>
+        </p:blipFill>
+        <p:spPr>
+          <a:xfrm>
+            <a:off x="1066800" y="553085"/>
+            <a:ext cx="10058400" cy="5751195"/>
+          </a:xfrm>
+          <a:prstGeom prst="rect">
+            <a:avLst/>
+          </a:prstGeom>
+        </p:spPr>
+      </p:pic>
+    </p:spTree>
+  </p:cSld>
+  <p:clrMapOvr>
+    <a:masterClrMapping/>
+  </p:clrMapOvr>
+</p:sld>
+</file>
+
+<file path=ppt/slides/slide16.xml><?xml version="1.0" encoding="utf-8"?>
+<p:sld xmlns:a="http://schemas.openxmlformats.org/drawingml/2006/main" xmlns:r="http://schemas.openxmlformats.org/officeDocument/2006/relationships" xmlns:p="http://schemas.openxmlformats.org/presentationml/2006/main">
+  <p:cSld>
+    <p:spTree>
+      <p:nvGrpSpPr>
+        <p:cNvPr id="1" name=""/>
+        <p:cNvGrpSpPr/>
+        <p:nvPr/>
+      </p:nvGrpSpPr>
+      <p:grpSpPr/>
+      <p:sp>
+        <p:nvSpPr>
+          <p:cNvPr id="2" name="Text Box 1"/>
+          <p:cNvSpPr txBox="true"/>
+          <p:nvPr/>
+        </p:nvSpPr>
+        <p:spPr>
+          <a:xfrm>
             <a:off x="52705" y="51435"/>
             <a:ext cx="4234180" cy="337185"/>
           </a:xfrm>
@@ -6466,6 +6567,278 @@
               <a:t>build path from /proc/self/fd alias</a:t>
             </a:r>
             <a:endParaRPr lang="" sz="1200">
+              <a:latin typeface="Courier New" panose="02070309020205020404" charset="0"/>
+              <a:cs typeface="Courier New" panose="02070309020205020404" charset="0"/>
+            </a:endParaRPr>
+          </a:p>
+        </p:txBody>
+      </p:sp>
+    </p:spTree>
+  </p:cSld>
+  <p:clrMapOvr>
+    <a:masterClrMapping/>
+  </p:clrMapOvr>
+</p:sld>
+</file>
+
+<file path=ppt/slides/slide17.xml><?xml version="1.0" encoding="utf-8"?>
+<p:sld xmlns:a="http://schemas.openxmlformats.org/drawingml/2006/main" xmlns:r="http://schemas.openxmlformats.org/officeDocument/2006/relationships" xmlns:p="http://schemas.openxmlformats.org/presentationml/2006/main">
+  <p:cSld>
+    <p:spTree>
+      <p:nvGrpSpPr>
+        <p:cNvPr id="1" name=""/>
+        <p:cNvGrpSpPr/>
+        <p:nvPr/>
+      </p:nvGrpSpPr>
+      <p:grpSpPr/>
+      <p:sp>
+        <p:nvSpPr>
+          <p:cNvPr id="2" name="Text Box 1"/>
+          <p:cNvSpPr txBox="true"/>
+          <p:nvPr/>
+        </p:nvSpPr>
+        <p:spPr>
+          <a:xfrm>
+            <a:off x="52705" y="51435"/>
+            <a:ext cx="4234180" cy="337185"/>
+          </a:xfrm>
+          <a:prstGeom prst="rect">
+            <a:avLst/>
+          </a:prstGeom>
+          <a:noFill/>
+        </p:spPr>
+        <p:txBody>
+          <a:bodyPr wrap="square" rtlCol="0">
+            <a:spAutoFit/>
+          </a:bodyPr>
+          <a:p>
+            <a:r>
+              <a:rPr lang="zh-CN" altLang="" sz="1600" b="1">
+                <a:effectLst>
+                  <a:outerShdw blurRad="38100" dist="38100" dir="2700000" algn="tl">
+                    <a:srgbClr val="000000">
+                      <a:alpha val="43137"/>
+                    </a:srgbClr>
+                  </a:outerShdw>
+                </a:effectLst>
+              </a:rPr>
+              <a:t>更改用户</a:t>
+            </a:r>
+            <a:r>
+              <a:rPr lang="" altLang="zh-CN" sz="1600" b="1">
+                <a:effectLst>
+                  <a:outerShdw blurRad="38100" dist="38100" dir="2700000" algn="tl">
+                    <a:srgbClr val="000000">
+                      <a:alpha val="43137"/>
+                    </a:srgbClr>
+                  </a:outerShdw>
+                </a:effectLst>
+              </a:rPr>
+              <a:t>id</a:t>
+            </a:r>
+            <a:r>
+              <a:rPr lang="zh-CN" altLang="" sz="1600" b="1">
+                <a:effectLst>
+                  <a:outerShdw blurRad="38100" dist="38100" dir="2700000" algn="tl">
+                    <a:srgbClr val="000000">
+                      <a:alpha val="43137"/>
+                    </a:srgbClr>
+                  </a:outerShdw>
+                </a:effectLst>
+              </a:rPr>
+              <a:t>和更改组</a:t>
+            </a:r>
+            <a:r>
+              <a:rPr lang="" altLang="zh-CN" sz="1600" b="1">
+                <a:effectLst>
+                  <a:outerShdw blurRad="38100" dist="38100" dir="2700000" algn="tl">
+                    <a:srgbClr val="000000">
+                      <a:alpha val="43137"/>
+                    </a:srgbClr>
+                  </a:outerShdw>
+                </a:effectLst>
+              </a:rPr>
+              <a:t>id</a:t>
+            </a:r>
+            <a:endParaRPr lang="" altLang="zh-CN" sz="1600" b="1">
+              <a:effectLst>
+                <a:outerShdw blurRad="38100" dist="38100" dir="2700000" algn="tl">
+                  <a:srgbClr val="000000">
+                    <a:alpha val="43137"/>
+                  </a:srgbClr>
+                </a:outerShdw>
+              </a:effectLst>
+            </a:endParaRPr>
+          </a:p>
+        </p:txBody>
+      </p:sp>
+      <p:sp>
+        <p:nvSpPr>
+          <p:cNvPr id="10" name="Text Box 9"/>
+          <p:cNvSpPr txBox="true"/>
+          <p:nvPr/>
+        </p:nvSpPr>
+        <p:spPr>
+          <a:xfrm>
+            <a:off x="640080" y="1171575"/>
+            <a:ext cx="11456035" cy="737235"/>
+          </a:xfrm>
+          <a:prstGeom prst="rect">
+            <a:avLst/>
+          </a:prstGeom>
+          <a:noFill/>
+        </p:spPr>
+        <p:txBody>
+          <a:bodyPr wrap="square" rtlCol="0">
+            <a:spAutoFit/>
+          </a:bodyPr>
+          <a:p>
+            <a:r>
+              <a:rPr lang="zh-CN" altLang="en-US" sz="1400" u="sng">
+                <a:latin typeface="Courier New" panose="02070309020205020404" charset="0"/>
+                <a:cs typeface="Courier New" panose="02070309020205020404" charset="0"/>
+              </a:rPr>
+              <a:t>如果设置了</a:t>
+            </a:r>
+            <a:r>
+              <a:rPr lang="en-US" altLang="zh-CN" sz="1400" u="sng">
+                <a:latin typeface="Courier New" panose="02070309020205020404" charset="0"/>
+                <a:cs typeface="Courier New" panose="02070309020205020404" charset="0"/>
+              </a:rPr>
+              <a:t>close</a:t>
+            </a:r>
+            <a:r>
+              <a:rPr lang="en-US" altLang="en-US" sz="1400" u="sng">
+                <a:latin typeface="Courier New" panose="02070309020205020404" charset="0"/>
+                <a:cs typeface="Courier New" panose="02070309020205020404" charset="0"/>
+              </a:rPr>
+              <a:t>-on-exev</a:t>
+            </a:r>
+            <a:r>
+              <a:rPr lang="zh-CN" altLang="en-US" sz="1400" u="sng">
+                <a:latin typeface="Courier New" panose="02070309020205020404" charset="0"/>
+                <a:cs typeface="Courier New" panose="02070309020205020404" charset="0"/>
+              </a:rPr>
+              <a:t>位，那么在</a:t>
+            </a:r>
+            <a:r>
+              <a:rPr lang="en-US" altLang="zh-CN" sz="1400" u="sng">
+                <a:latin typeface="Courier New" panose="02070309020205020404" charset="0"/>
+                <a:cs typeface="Courier New" panose="02070309020205020404" charset="0"/>
+              </a:rPr>
+              <a:t>exec</a:t>
+            </a:r>
+            <a:r>
+              <a:rPr lang="zh-CN" altLang="en-US" sz="1400" u="sng">
+                <a:latin typeface="Courier New" panose="02070309020205020404" charset="0"/>
+                <a:cs typeface="Courier New" panose="02070309020205020404" charset="0"/>
+              </a:rPr>
+              <a:t>后，将关闭该文件描述符，否则，不关闭。一般，除非特地使用</a:t>
+            </a:r>
+            <a:r>
+              <a:rPr lang="en-US" altLang="zh-CN" sz="1400" u="sng">
+                <a:latin typeface="Courier New" panose="02070309020205020404" charset="0"/>
+                <a:cs typeface="Courier New" panose="02070309020205020404" charset="0"/>
+              </a:rPr>
+              <a:t>fcntl</a:t>
+            </a:r>
+            <a:r>
+              <a:rPr lang="zh-CN" altLang="en-US" sz="1400" u="sng">
+                <a:latin typeface="Courier New" panose="02070309020205020404" charset="0"/>
+                <a:cs typeface="Courier New" panose="02070309020205020404" charset="0"/>
+              </a:rPr>
+              <a:t>，那么默认的都是不关闭。</a:t>
+            </a:r>
+            <a:endParaRPr lang="zh-CN" altLang="en-US" sz="1400" u="sng">
+              <a:latin typeface="Courier New" panose="02070309020205020404" charset="0"/>
+              <a:cs typeface="Courier New" panose="02070309020205020404" charset="0"/>
+            </a:endParaRPr>
+          </a:p>
+          <a:p>
+            <a:endParaRPr lang="zh-CN" altLang="en-US" sz="1400" u="sng">
+              <a:latin typeface="Courier New" panose="02070309020205020404" charset="0"/>
+              <a:cs typeface="Courier New" panose="02070309020205020404" charset="0"/>
+            </a:endParaRPr>
+          </a:p>
+          <a:p>
+            <a:r>
+              <a:rPr lang="zh-CN" altLang="en-US" sz="1400" u="sng">
+                <a:latin typeface="Courier New" panose="02070309020205020404" charset="0"/>
+                <a:cs typeface="Courier New" panose="02070309020205020404" charset="0"/>
+              </a:rPr>
+              <a:t>在</a:t>
+            </a:r>
+            <a:r>
+              <a:rPr lang="en-US" altLang="zh-CN" sz="1400" u="sng">
+                <a:latin typeface="Courier New" panose="02070309020205020404" charset="0"/>
+                <a:cs typeface="Courier New" panose="02070309020205020404" charset="0"/>
+              </a:rPr>
+              <a:t>exec</a:t>
+            </a:r>
+            <a:r>
+              <a:rPr lang="zh-CN" altLang="en-US" sz="1400" u="sng">
+                <a:latin typeface="Courier New" panose="02070309020205020404" charset="0"/>
+                <a:cs typeface="Courier New" panose="02070309020205020404" charset="0"/>
+              </a:rPr>
+              <a:t>前后实际用户</a:t>
+            </a:r>
+            <a:r>
+              <a:rPr lang="en-US" altLang="zh-CN" sz="1400" u="sng">
+                <a:latin typeface="Courier New" panose="02070309020205020404" charset="0"/>
+                <a:cs typeface="Courier New" panose="02070309020205020404" charset="0"/>
+              </a:rPr>
+              <a:t>id</a:t>
+            </a:r>
+            <a:r>
+              <a:rPr lang="zh-CN" altLang="en-US" sz="1400" u="sng">
+                <a:latin typeface="Courier New" panose="02070309020205020404" charset="0"/>
+                <a:cs typeface="Courier New" panose="02070309020205020404" charset="0"/>
+              </a:rPr>
+              <a:t>和实际组</a:t>
+            </a:r>
+            <a:r>
+              <a:rPr lang="en-US" altLang="zh-CN" sz="1400" u="sng">
+                <a:latin typeface="Courier New" panose="02070309020205020404" charset="0"/>
+                <a:cs typeface="Courier New" panose="02070309020205020404" charset="0"/>
+              </a:rPr>
+              <a:t>id</a:t>
+            </a:r>
+            <a:r>
+              <a:rPr lang="zh-CN" altLang="en-US" sz="1400" u="sng">
+                <a:latin typeface="Courier New" panose="02070309020205020404" charset="0"/>
+                <a:cs typeface="Courier New" panose="02070309020205020404" charset="0"/>
+              </a:rPr>
+              <a:t>保持结束，而有效</a:t>
+            </a:r>
+            <a:r>
+              <a:rPr lang="en-US" altLang="zh-CN" sz="1400" u="sng">
+                <a:latin typeface="Courier New" panose="02070309020205020404" charset="0"/>
+                <a:cs typeface="Courier New" panose="02070309020205020404" charset="0"/>
+              </a:rPr>
+              <a:t>id</a:t>
+            </a:r>
+            <a:r>
+              <a:rPr lang="zh-CN" altLang="en-US" sz="1400" u="sng">
+                <a:latin typeface="Courier New" panose="02070309020205020404" charset="0"/>
+                <a:cs typeface="Courier New" panose="02070309020205020404" charset="0"/>
+              </a:rPr>
+              <a:t>是否改变则取决于所指向程序文件的设置</a:t>
+            </a:r>
+            <a:r>
+              <a:rPr lang="en-US" altLang="zh-CN" sz="1400" u="sng">
+                <a:latin typeface="Courier New" panose="02070309020205020404" charset="0"/>
+                <a:cs typeface="Courier New" panose="02070309020205020404" charset="0"/>
+              </a:rPr>
+              <a:t>id</a:t>
+            </a:r>
+            <a:r>
+              <a:rPr lang="zh-CN" altLang="en-US" sz="1400" u="sng">
+                <a:latin typeface="Courier New" panose="02070309020205020404" charset="0"/>
+                <a:cs typeface="Courier New" panose="02070309020205020404" charset="0"/>
+              </a:rPr>
+              <a:t>位是否设置。</a:t>
+            </a:r>
+            <a:endParaRPr lang="zh-CN" altLang="en-US" sz="1400" u="sng">
               <a:latin typeface="Courier New" panose="02070309020205020404" charset="0"/>
               <a:cs typeface="Courier New" panose="02070309020205020404" charset="0"/>
             </a:endParaRPr>

--- a/进程控制.pptx
+++ b/进程控制.pptx
@@ -5,10 +5,10 @@
     <p:sldMasterId id="2147483648" r:id="rId1"/>
   </p:sldMasterIdLst>
   <p:notesMasterIdLst>
-    <p:notesMasterId r:id="rId20"/>
+    <p:notesMasterId r:id="rId31"/>
   </p:notesMasterIdLst>
   <p:handoutMasterIdLst>
-    <p:handoutMasterId r:id="rId21"/>
+    <p:handoutMasterId r:id="rId32"/>
   </p:handoutMasterIdLst>
   <p:sldIdLst>
     <p:sldId id="256" r:id="rId3"/>
@@ -28,6 +28,17 @@
     <p:sldId id="273" r:id="rId17"/>
     <p:sldId id="270" r:id="rId18"/>
     <p:sldId id="271" r:id="rId19"/>
+    <p:sldId id="274" r:id="rId20"/>
+    <p:sldId id="275" r:id="rId21"/>
+    <p:sldId id="276" r:id="rId22"/>
+    <p:sldId id="277" r:id="rId23"/>
+    <p:sldId id="279" r:id="rId24"/>
+    <p:sldId id="278" r:id="rId25"/>
+    <p:sldId id="280" r:id="rId26"/>
+    <p:sldId id="281" r:id="rId27"/>
+    <p:sldId id="283" r:id="rId28"/>
+    <p:sldId id="284" r:id="rId29"/>
+    <p:sldId id="285" r:id="rId30"/>
   </p:sldIdLst>
   <p:sldSz cx="12192000" cy="6858000"/>
   <p:notesSz cx="7103745" cy="10234295"/>
@@ -6681,7 +6692,7 @@
         <p:spPr>
           <a:xfrm>
             <a:off x="640080" y="1171575"/>
-            <a:ext cx="11456035" cy="737235"/>
+            <a:ext cx="11456035" cy="3538220"/>
           </a:xfrm>
           <a:prstGeom prst="rect">
             <a:avLst/>
@@ -6694,60 +6705,948 @@
           </a:bodyPr>
           <a:p>
             <a:r>
-              <a:rPr lang="zh-CN" altLang="en-US" sz="1400" u="sng">
-                <a:latin typeface="Courier New" panose="02070309020205020404" charset="0"/>
-                <a:cs typeface="Courier New" panose="02070309020205020404" charset="0"/>
-              </a:rPr>
-              <a:t>如果设置了</a:t>
-            </a:r>
-            <a:r>
-              <a:rPr lang="en-US" altLang="zh-CN" sz="1400" u="sng">
-                <a:latin typeface="Courier New" panose="02070309020205020404" charset="0"/>
-                <a:cs typeface="Courier New" panose="02070309020205020404" charset="0"/>
-              </a:rPr>
-              <a:t>close</a:t>
-            </a:r>
+              <a:rPr lang="zh-CN" altLang="" sz="1400" u="sng">
+                <a:latin typeface="Courier New" panose="02070309020205020404" charset="0"/>
+                <a:cs typeface="Courier New" panose="02070309020205020404" charset="0"/>
+              </a:rPr>
+              <a:t>当用户</a:t>
+            </a:r>
+            <a:r>
+              <a:rPr lang="en-US" altLang="zh-CN" sz="1400" u="sng">
+                <a:latin typeface="Courier New" panose="02070309020205020404" charset="0"/>
+                <a:cs typeface="Courier New" panose="02070309020205020404" charset="0"/>
+              </a:rPr>
+              <a:t>A</a:t>
+            </a:r>
+            <a:r>
+              <a:rPr lang="zh-CN" altLang="en-US" sz="1400" u="sng">
+                <a:latin typeface="Courier New" panose="02070309020205020404" charset="0"/>
+                <a:cs typeface="Courier New" panose="02070309020205020404" charset="0"/>
+              </a:rPr>
+              <a:t>创建一个文件的时候，那么文件的实际</a:t>
+            </a:r>
+            <a:r>
+              <a:rPr lang="en-US" altLang="zh-CN" sz="1400" u="sng">
+                <a:latin typeface="Courier New" panose="02070309020205020404" charset="0"/>
+                <a:cs typeface="Courier New" panose="02070309020205020404" charset="0"/>
+              </a:rPr>
+              <a:t>ID</a:t>
+            </a:r>
+            <a:r>
+              <a:rPr lang="zh-CN" altLang="en-US" sz="1400" u="sng">
+                <a:latin typeface="Courier New" panose="02070309020205020404" charset="0"/>
+                <a:cs typeface="Courier New" panose="02070309020205020404" charset="0"/>
+              </a:rPr>
+              <a:t>就是该用户的</a:t>
+            </a:r>
+            <a:r>
+              <a:rPr lang="en-US" altLang="zh-CN" sz="1400" u="sng">
+                <a:latin typeface="Courier New" panose="02070309020205020404" charset="0"/>
+                <a:cs typeface="Courier New" panose="02070309020205020404" charset="0"/>
+              </a:rPr>
+              <a:t>ID</a:t>
+            </a:r>
+            <a:r>
+              <a:rPr lang="zh-CN" altLang="en-US" sz="1400" u="sng">
+                <a:latin typeface="Courier New" panose="02070309020205020404" charset="0"/>
+                <a:cs typeface="Courier New" panose="02070309020205020404" charset="0"/>
+              </a:rPr>
+              <a:t>，文件的有效</a:t>
+            </a:r>
+            <a:r>
+              <a:rPr lang="en-US" altLang="zh-CN" sz="1400" u="sng">
+                <a:latin typeface="Courier New" panose="02070309020205020404" charset="0"/>
+                <a:cs typeface="Courier New" panose="02070309020205020404" charset="0"/>
+              </a:rPr>
+              <a:t>ID</a:t>
+            </a:r>
+            <a:r>
+              <a:rPr lang="zh-CN" altLang="en-US" sz="1400" u="sng">
+                <a:latin typeface="Courier New" panose="02070309020205020404" charset="0"/>
+                <a:cs typeface="Courier New" panose="02070309020205020404" charset="0"/>
+              </a:rPr>
+              <a:t>一般等于实际</a:t>
+            </a:r>
+            <a:r>
+              <a:rPr lang="en-US" altLang="zh-CN" sz="1400" u="sng">
+                <a:latin typeface="Courier New" panose="02070309020205020404" charset="0"/>
+                <a:cs typeface="Courier New" panose="02070309020205020404" charset="0"/>
+              </a:rPr>
+              <a:t>ID</a:t>
+            </a:r>
+            <a:r>
+              <a:rPr lang="zh-CN" altLang="en-US" sz="1400" u="sng">
+                <a:latin typeface="Courier New" panose="02070309020205020404" charset="0"/>
+                <a:cs typeface="Courier New" panose="02070309020205020404" charset="0"/>
+              </a:rPr>
+              <a:t>，但是当调用</a:t>
+            </a:r>
+            <a:r>
+              <a:rPr lang="en-US" altLang="zh-CN" sz="1400" u="sng">
+                <a:latin typeface="Courier New" panose="02070309020205020404" charset="0"/>
+                <a:cs typeface="Courier New" panose="02070309020205020404" charset="0"/>
+              </a:rPr>
+              <a:t>exec</a:t>
+            </a:r>
+            <a:r>
+              <a:rPr lang="zh-CN" altLang="en-US" sz="1400" u="sng">
+                <a:latin typeface="Courier New" panose="02070309020205020404" charset="0"/>
+                <a:cs typeface="Courier New" panose="02070309020205020404" charset="0"/>
+              </a:rPr>
+              <a:t>执行了某些设置了设置用户</a:t>
+            </a:r>
+            <a:r>
+              <a:rPr lang="en-US" altLang="zh-CN" sz="1400" u="sng">
+                <a:latin typeface="Courier New" panose="02070309020205020404" charset="0"/>
+                <a:cs typeface="Courier New" panose="02070309020205020404" charset="0"/>
+              </a:rPr>
+              <a:t>ID</a:t>
+            </a:r>
+            <a:r>
+              <a:rPr lang="zh-CN" altLang="en-US" sz="1400" u="sng">
+                <a:latin typeface="Courier New" panose="02070309020205020404" charset="0"/>
+                <a:cs typeface="Courier New" panose="02070309020205020404" charset="0"/>
+              </a:rPr>
+              <a:t>为的文件后，</a:t>
+            </a:r>
+            <a:r>
+              <a:rPr lang="en-US" altLang="zh-CN" sz="1400" u="sng">
+                <a:latin typeface="Courier New" panose="02070309020205020404" charset="0"/>
+                <a:cs typeface="Courier New" panose="02070309020205020404" charset="0"/>
+              </a:rPr>
+              <a:t>A</a:t>
+            </a:r>
+            <a:r>
+              <a:rPr lang="zh-CN" altLang="en-US" sz="1400" u="sng">
+                <a:latin typeface="Courier New" panose="02070309020205020404" charset="0"/>
+                <a:cs typeface="Courier New" panose="02070309020205020404" charset="0"/>
+              </a:rPr>
+              <a:t>用户的有效</a:t>
+            </a:r>
+            <a:r>
+              <a:rPr lang="en-US" altLang="zh-CN" sz="1400" u="sng">
+                <a:latin typeface="Courier New" panose="02070309020205020404" charset="0"/>
+                <a:cs typeface="Courier New" panose="02070309020205020404" charset="0"/>
+              </a:rPr>
+              <a:t>ID</a:t>
+            </a:r>
+            <a:r>
+              <a:rPr lang="zh-CN" altLang="en-US" sz="1400" u="sng">
+                <a:latin typeface="Courier New" panose="02070309020205020404" charset="0"/>
+                <a:cs typeface="Courier New" panose="02070309020205020404" charset="0"/>
+              </a:rPr>
+              <a:t>会变的和</a:t>
+            </a:r>
+            <a:r>
+              <a:rPr lang="en-US" altLang="zh-CN" sz="1400" u="sng">
+                <a:latin typeface="Courier New" panose="02070309020205020404" charset="0"/>
+                <a:cs typeface="Courier New" panose="02070309020205020404" charset="0"/>
+              </a:rPr>
+              <a:t>exec</a:t>
+            </a:r>
+            <a:r>
+              <a:rPr lang="zh-CN" altLang="en-US" sz="1400" u="sng">
+                <a:latin typeface="Courier New" panose="02070309020205020404" charset="0"/>
+                <a:cs typeface="Courier New" panose="02070309020205020404" charset="0"/>
+              </a:rPr>
+              <a:t>调用的文件的实际</a:t>
+            </a:r>
+            <a:r>
+              <a:rPr lang="en-US" altLang="zh-CN" sz="1400" u="sng">
+                <a:latin typeface="Courier New" panose="02070309020205020404" charset="0"/>
+                <a:cs typeface="Courier New" panose="02070309020205020404" charset="0"/>
+              </a:rPr>
+              <a:t>ID</a:t>
+            </a:r>
+            <a:r>
+              <a:rPr lang="zh-CN" altLang="en-US" sz="1400" u="sng">
+                <a:latin typeface="Courier New" panose="02070309020205020404" charset="0"/>
+                <a:cs typeface="Courier New" panose="02070309020205020404" charset="0"/>
+              </a:rPr>
+              <a:t>一致。</a:t>
+            </a:r>
+            <a:endParaRPr lang="zh-CN" altLang="en-US" sz="1400" u="sng">
+              <a:latin typeface="Courier New" panose="02070309020205020404" charset="0"/>
+              <a:cs typeface="Courier New" panose="02070309020205020404" charset="0"/>
+            </a:endParaRPr>
+          </a:p>
+          <a:p>
+            <a:endParaRPr lang="zh-CN" altLang="en-US" sz="1400" u="sng">
+              <a:latin typeface="Courier New" panose="02070309020205020404" charset="0"/>
+              <a:cs typeface="Courier New" panose="02070309020205020404" charset="0"/>
+            </a:endParaRPr>
+          </a:p>
+          <a:p>
+            <a:r>
+              <a:rPr lang="zh-CN" altLang="en-US" sz="1400" u="sng">
+                <a:latin typeface="Courier New" panose="02070309020205020404" charset="0"/>
+                <a:cs typeface="Courier New" panose="02070309020205020404" charset="0"/>
+              </a:rPr>
+              <a:t>要注意，真正权限检查时看的是有效用户</a:t>
+            </a:r>
+            <a:r>
+              <a:rPr lang="en-US" altLang="zh-CN" sz="1400" u="sng">
+                <a:latin typeface="Courier New" panose="02070309020205020404" charset="0"/>
+                <a:cs typeface="Courier New" panose="02070309020205020404" charset="0"/>
+              </a:rPr>
+              <a:t>ID</a:t>
+            </a:r>
+            <a:endParaRPr lang="en-US" altLang="zh-CN" sz="1400" u="sng">
+              <a:latin typeface="Courier New" panose="02070309020205020404" charset="0"/>
+              <a:cs typeface="Courier New" panose="02070309020205020404" charset="0"/>
+            </a:endParaRPr>
+          </a:p>
+          <a:p>
+            <a:endParaRPr lang="en-US" altLang="zh-CN" sz="1400" u="sng">
+              <a:latin typeface="Courier New" panose="02070309020205020404" charset="0"/>
+              <a:cs typeface="Courier New" panose="02070309020205020404" charset="0"/>
+            </a:endParaRPr>
+          </a:p>
+          <a:p>
+            <a:r>
+              <a:rPr lang="" altLang="en-US" sz="1400" u="sng">
+                <a:latin typeface="Courier New" panose="02070309020205020404" charset="0"/>
+                <a:cs typeface="Courier New" panose="02070309020205020404" charset="0"/>
+              </a:rPr>
+              <a:t>int setuid(uid_t uid);</a:t>
+            </a:r>
+            <a:endParaRPr lang="" altLang="en-US" sz="1400" u="sng">
+              <a:latin typeface="Courier New" panose="02070309020205020404" charset="0"/>
+              <a:cs typeface="Courier New" panose="02070309020205020404" charset="0"/>
+            </a:endParaRPr>
+          </a:p>
+          <a:p>
+            <a:endParaRPr lang="" altLang="en-US" sz="1400" u="sng">
+              <a:latin typeface="Courier New" panose="02070309020205020404" charset="0"/>
+              <a:cs typeface="Courier New" panose="02070309020205020404" charset="0"/>
+            </a:endParaRPr>
+          </a:p>
+          <a:p>
+            <a:r>
+              <a:rPr lang="" altLang="en-US" sz="1400" u="sng">
+                <a:latin typeface="Courier New" panose="02070309020205020404" charset="0"/>
+                <a:cs typeface="Courier New" panose="02070309020205020404" charset="0"/>
+              </a:rPr>
+              <a:t>int setgid(gid_t gid);</a:t>
+            </a:r>
+            <a:endParaRPr lang="" altLang="en-US" sz="1400" u="sng">
+              <a:latin typeface="Courier New" panose="02070309020205020404" charset="0"/>
+              <a:cs typeface="Courier New" panose="02070309020205020404" charset="0"/>
+            </a:endParaRPr>
+          </a:p>
+          <a:p>
+            <a:endParaRPr lang="" altLang="en-US" sz="1400" u="sng">
+              <a:latin typeface="Courier New" panose="02070309020205020404" charset="0"/>
+              <a:cs typeface="Courier New" panose="02070309020205020404" charset="0"/>
+            </a:endParaRPr>
+          </a:p>
+          <a:p>
+            <a:r>
+              <a:rPr lang="" altLang="zh-CN" sz="1400" u="sng">
+                <a:latin typeface="Courier New" panose="02070309020205020404" charset="0"/>
+                <a:cs typeface="Courier New" panose="02070309020205020404" charset="0"/>
+              </a:rPr>
+              <a:t>//</a:t>
+            </a:r>
+            <a:r>
+              <a:rPr lang="zh-CN" altLang="" sz="1400" u="sng">
+                <a:latin typeface="Courier New" panose="02070309020205020404" charset="0"/>
+                <a:cs typeface="Courier New" panose="02070309020205020404" charset="0"/>
+              </a:rPr>
+              <a:t>更改用户的实际和有效</a:t>
+            </a:r>
+            <a:r>
+              <a:rPr lang="en-US" altLang="zh-CN" sz="1400" u="sng">
+                <a:latin typeface="Courier New" panose="02070309020205020404" charset="0"/>
+                <a:cs typeface="Courier New" panose="02070309020205020404" charset="0"/>
+              </a:rPr>
+              <a:t>id</a:t>
+            </a:r>
+            <a:r>
+              <a:rPr lang="zh-CN" altLang="en-US" sz="1400" u="sng">
+                <a:latin typeface="Courier New" panose="02070309020205020404" charset="0"/>
+                <a:cs typeface="Courier New" panose="02070309020205020404" charset="0"/>
+              </a:rPr>
+              <a:t>，</a:t>
+            </a:r>
+            <a:r>
+              <a:rPr lang="en-US" altLang="zh-CN" sz="1400" u="sng">
+                <a:latin typeface="Courier New" panose="02070309020205020404" charset="0"/>
+                <a:cs typeface="Courier New" panose="02070309020205020404" charset="0"/>
+              </a:rPr>
+              <a:t> </a:t>
+            </a:r>
+            <a:r>
+              <a:rPr lang="zh-CN" altLang="en-US" sz="1400" u="sng">
+                <a:latin typeface="Courier New" panose="02070309020205020404" charset="0"/>
+                <a:cs typeface="Courier New" panose="02070309020205020404" charset="0"/>
+              </a:rPr>
+              <a:t>成功，返回</a:t>
+            </a:r>
+            <a:r>
+              <a:rPr lang="en-US" altLang="zh-CN" sz="1400" u="sng">
+                <a:latin typeface="Courier New" panose="02070309020205020404" charset="0"/>
+                <a:cs typeface="Courier New" panose="02070309020205020404" charset="0"/>
+              </a:rPr>
+              <a:t>0</a:t>
+            </a:r>
+            <a:r>
+              <a:rPr lang="zh-CN" altLang="en-US" sz="1400" u="sng">
+                <a:latin typeface="Courier New" panose="02070309020205020404" charset="0"/>
+                <a:cs typeface="Courier New" panose="02070309020205020404" charset="0"/>
+              </a:rPr>
+              <a:t>，出错，返回</a:t>
+            </a:r>
+            <a:r>
+              <a:rPr lang="" altLang="zh-CN" sz="1400" u="sng">
+                <a:latin typeface="Courier New" panose="02070309020205020404" charset="0"/>
+                <a:cs typeface="Courier New" panose="02070309020205020404" charset="0"/>
+              </a:rPr>
+              <a:t>-1</a:t>
+            </a:r>
+            <a:endParaRPr lang="" altLang="zh-CN" sz="1400" u="sng">
+              <a:latin typeface="Courier New" panose="02070309020205020404" charset="0"/>
+              <a:cs typeface="Courier New" panose="02070309020205020404" charset="0"/>
+            </a:endParaRPr>
+          </a:p>
+          <a:p>
+            <a:endParaRPr lang="" altLang="zh-CN" sz="1400" u="sng">
+              <a:latin typeface="Courier New" panose="02070309020205020404" charset="0"/>
+              <a:cs typeface="Courier New" panose="02070309020205020404" charset="0"/>
+            </a:endParaRPr>
+          </a:p>
+          <a:p>
+            <a:endParaRPr lang="" altLang="zh-CN" sz="1400" u="sng">
+              <a:latin typeface="Courier New" panose="02070309020205020404" charset="0"/>
+              <a:cs typeface="Courier New" panose="02070309020205020404" charset="0"/>
+            </a:endParaRPr>
+          </a:p>
+          <a:p>
+            <a:r>
+              <a:rPr lang="zh-CN" altLang="" sz="1400" u="sng">
+                <a:latin typeface="Courier New" panose="02070309020205020404" charset="0"/>
+                <a:cs typeface="Courier New" panose="02070309020205020404" charset="0"/>
+              </a:rPr>
+              <a:t>注意：</a:t>
+            </a:r>
+            <a:endParaRPr lang="zh-CN" altLang="" sz="1400" u="sng">
+              <a:latin typeface="Courier New" panose="02070309020205020404" charset="0"/>
+              <a:cs typeface="Courier New" panose="02070309020205020404" charset="0"/>
+            </a:endParaRPr>
+          </a:p>
+          <a:p>
+            <a:r>
+              <a:rPr lang="en-US" altLang="zh-CN" sz="1400" u="sng">
+                <a:latin typeface="Courier New" panose="02070309020205020404" charset="0"/>
+                <a:cs typeface="Courier New" panose="02070309020205020404" charset="0"/>
+              </a:rPr>
+              <a:t>	</a:t>
+            </a:r>
+            <a:r>
+              <a:rPr lang="zh-CN" altLang="en-US" sz="1400" u="sng">
+                <a:latin typeface="Courier New" panose="02070309020205020404" charset="0"/>
+                <a:cs typeface="Courier New" panose="02070309020205020404" charset="0"/>
+              </a:rPr>
+              <a:t>如果进程是超级用户，则</a:t>
+            </a:r>
+            <a:r>
+              <a:rPr lang="en-US" altLang="zh-CN" sz="1400" u="sng">
+                <a:latin typeface="Courier New" panose="02070309020205020404" charset="0"/>
+                <a:cs typeface="Courier New" panose="02070309020205020404" charset="0"/>
+              </a:rPr>
+              <a:t>set</a:t>
+            </a:r>
+            <a:r>
+              <a:rPr lang="" altLang="en-US" sz="1400" u="sng">
+                <a:latin typeface="Courier New" panose="02070309020205020404" charset="0"/>
+                <a:cs typeface="Courier New" panose="02070309020205020404" charset="0"/>
+              </a:rPr>
+              <a:t>uid</a:t>
+            </a:r>
+            <a:r>
+              <a:rPr lang="zh-CN" altLang="" sz="1400" u="sng">
+                <a:latin typeface="Courier New" panose="02070309020205020404" charset="0"/>
+                <a:cs typeface="Courier New" panose="02070309020205020404" charset="0"/>
+              </a:rPr>
+              <a:t>将实际用户</a:t>
+            </a:r>
+            <a:r>
+              <a:rPr lang="" altLang="zh-CN" sz="1400" u="sng">
+                <a:latin typeface="Courier New" panose="02070309020205020404" charset="0"/>
+                <a:cs typeface="Courier New" panose="02070309020205020404" charset="0"/>
+              </a:rPr>
+              <a:t>id,</a:t>
+            </a:r>
+            <a:r>
+              <a:rPr lang="zh-CN" altLang="" sz="1400" u="sng">
+                <a:latin typeface="Courier New" panose="02070309020205020404" charset="0"/>
+                <a:cs typeface="Courier New" panose="02070309020205020404" charset="0"/>
+              </a:rPr>
+              <a:t>有效用户</a:t>
+            </a:r>
+            <a:r>
+              <a:rPr lang="" altLang="zh-CN" sz="1400" u="sng">
+                <a:latin typeface="Courier New" panose="02070309020205020404" charset="0"/>
+                <a:cs typeface="Courier New" panose="02070309020205020404" charset="0"/>
+              </a:rPr>
+              <a:t>id</a:t>
+            </a:r>
+            <a:r>
+              <a:rPr lang="zh-CN" altLang="" sz="1400" u="sng">
+                <a:latin typeface="Courier New" panose="02070309020205020404" charset="0"/>
+                <a:cs typeface="Courier New" panose="02070309020205020404" charset="0"/>
+              </a:rPr>
+              <a:t>和保存的设置用户</a:t>
+            </a:r>
+            <a:r>
+              <a:rPr lang="en-US" altLang="zh-CN" sz="1400" u="sng">
+                <a:latin typeface="Courier New" panose="02070309020205020404" charset="0"/>
+                <a:cs typeface="Courier New" panose="02070309020205020404" charset="0"/>
+              </a:rPr>
+              <a:t>id</a:t>
+            </a:r>
+            <a:r>
+              <a:rPr lang="zh-CN" altLang="en-US" sz="1400" u="sng">
+                <a:latin typeface="Courier New" panose="02070309020205020404" charset="0"/>
+                <a:cs typeface="Courier New" panose="02070309020205020404" charset="0"/>
+              </a:rPr>
+              <a:t>设置为</a:t>
+            </a:r>
+            <a:r>
+              <a:rPr lang="" altLang="zh-CN" sz="1400" u="sng">
+                <a:latin typeface="Courier New" panose="02070309020205020404" charset="0"/>
+                <a:cs typeface="Courier New" panose="02070309020205020404" charset="0"/>
+              </a:rPr>
+              <a:t>uid</a:t>
+            </a:r>
+            <a:endParaRPr lang="" altLang="zh-CN" sz="1400" u="sng">
+              <a:latin typeface="Courier New" panose="02070309020205020404" charset="0"/>
+              <a:cs typeface="Courier New" panose="02070309020205020404" charset="0"/>
+            </a:endParaRPr>
+          </a:p>
+          <a:p>
+            <a:r>
+              <a:rPr lang="" altLang="zh-CN" sz="1400" u="sng">
+                <a:latin typeface="Courier New" panose="02070309020205020404" charset="0"/>
+                <a:cs typeface="Courier New" panose="02070309020205020404" charset="0"/>
+              </a:rPr>
+              <a:t>	</a:t>
+            </a:r>
+            <a:r>
+              <a:rPr lang="zh-CN" altLang="" sz="1400" u="sng">
+                <a:latin typeface="Courier New" panose="02070309020205020404" charset="0"/>
+                <a:cs typeface="Courier New" panose="02070309020205020404" charset="0"/>
+              </a:rPr>
+              <a:t>如果进程不是超级用户，但是</a:t>
+            </a:r>
+            <a:r>
+              <a:rPr lang="en-US" altLang="zh-CN" sz="1400" u="sng">
+                <a:latin typeface="Courier New" panose="02070309020205020404" charset="0"/>
+                <a:cs typeface="Courier New" panose="02070309020205020404" charset="0"/>
+              </a:rPr>
+              <a:t>uid</a:t>
+            </a:r>
+            <a:r>
+              <a:rPr lang="zh-CN" altLang="en-US" sz="1400" u="sng">
+                <a:latin typeface="Courier New" panose="02070309020205020404" charset="0"/>
+                <a:cs typeface="Courier New" panose="02070309020205020404" charset="0"/>
+              </a:rPr>
+              <a:t>等于实际用户</a:t>
+            </a:r>
+            <a:r>
+              <a:rPr lang="en-US" altLang="zh-CN" sz="1400" u="sng">
+                <a:latin typeface="Courier New" panose="02070309020205020404" charset="0"/>
+                <a:cs typeface="Courier New" panose="02070309020205020404" charset="0"/>
+              </a:rPr>
+              <a:t>ID</a:t>
+            </a:r>
+            <a:r>
+              <a:rPr lang="zh-CN" altLang="en-US" sz="1400" u="sng">
+                <a:latin typeface="Courier New" panose="02070309020205020404" charset="0"/>
+                <a:cs typeface="Courier New" panose="02070309020205020404" charset="0"/>
+              </a:rPr>
+              <a:t>或者保存的设置用户</a:t>
+            </a:r>
+            <a:r>
+              <a:rPr lang="en-US" altLang="zh-CN" sz="1400" u="sng">
+                <a:latin typeface="Courier New" panose="02070309020205020404" charset="0"/>
+                <a:cs typeface="Courier New" panose="02070309020205020404" charset="0"/>
+              </a:rPr>
+              <a:t>id</a:t>
+            </a:r>
+            <a:r>
+              <a:rPr lang="zh-CN" altLang="en-US" sz="1400" u="sng">
+                <a:latin typeface="Courier New" panose="02070309020205020404" charset="0"/>
+                <a:cs typeface="Courier New" panose="02070309020205020404" charset="0"/>
+              </a:rPr>
+              <a:t>，函数将有效用户</a:t>
+            </a:r>
+            <a:r>
+              <a:rPr lang="en-US" altLang="zh-CN" sz="1400" u="sng">
+                <a:latin typeface="Courier New" panose="02070309020205020404" charset="0"/>
+                <a:cs typeface="Courier New" panose="02070309020205020404" charset="0"/>
+              </a:rPr>
+              <a:t>id</a:t>
+            </a:r>
+            <a:r>
+              <a:rPr lang="zh-CN" altLang="en-US" sz="1400" u="sng">
+                <a:latin typeface="Courier New" panose="02070309020205020404" charset="0"/>
+                <a:cs typeface="Courier New" panose="02070309020205020404" charset="0"/>
+              </a:rPr>
+              <a:t>设置为</a:t>
+            </a:r>
+            <a:r>
+              <a:rPr lang="en-US" altLang="zh-CN" sz="1400" u="sng">
+                <a:latin typeface="Courier New" panose="02070309020205020404" charset="0"/>
+                <a:cs typeface="Courier New" panose="02070309020205020404" charset="0"/>
+              </a:rPr>
+              <a:t>uid</a:t>
+            </a:r>
+            <a:endParaRPr lang="en-US" altLang="zh-CN" sz="1400" u="sng">
+              <a:latin typeface="Courier New" panose="02070309020205020404" charset="0"/>
+              <a:cs typeface="Courier New" panose="02070309020205020404" charset="0"/>
+            </a:endParaRPr>
+          </a:p>
+          <a:p>
+            <a:r>
+              <a:rPr lang="en-US" altLang="zh-CN" sz="1400" u="sng">
+                <a:latin typeface="Courier New" panose="02070309020205020404" charset="0"/>
+                <a:cs typeface="Courier New" panose="02070309020205020404" charset="0"/>
+              </a:rPr>
+              <a:t>	</a:t>
+            </a:r>
+            <a:r>
+              <a:rPr lang="zh-CN" altLang="en-US" sz="1400" u="sng">
+                <a:latin typeface="Courier New" panose="02070309020205020404" charset="0"/>
+                <a:cs typeface="Courier New" panose="02070309020205020404" charset="0"/>
+              </a:rPr>
+              <a:t>如果上不满足，出错，设置</a:t>
+            </a:r>
+            <a:r>
+              <a:rPr lang="en-US" altLang="zh-CN" sz="1400" u="sng">
+                <a:latin typeface="Courier New" panose="02070309020205020404" charset="0"/>
+                <a:cs typeface="Courier New" panose="02070309020205020404" charset="0"/>
+              </a:rPr>
+              <a:t>errno</a:t>
+            </a:r>
+            <a:r>
+              <a:rPr lang="zh-CN" altLang="en-US" sz="1400" u="sng">
+                <a:latin typeface="Courier New" panose="02070309020205020404" charset="0"/>
+                <a:cs typeface="Courier New" panose="02070309020205020404" charset="0"/>
+              </a:rPr>
+              <a:t>为</a:t>
+            </a:r>
+            <a:r>
+              <a:rPr lang="en-US" altLang="zh-CN" sz="1400" u="sng">
+                <a:latin typeface="Courier New" panose="02070309020205020404" charset="0"/>
+                <a:cs typeface="Courier New" panose="02070309020205020404" charset="0"/>
+              </a:rPr>
+              <a:t>EPERM</a:t>
+            </a:r>
+            <a:r>
+              <a:rPr lang="zh-CN" altLang="en-US" sz="1400" u="sng">
+                <a:latin typeface="Courier New" panose="02070309020205020404" charset="0"/>
+                <a:cs typeface="Courier New" panose="02070309020205020404" charset="0"/>
+              </a:rPr>
+              <a:t>，并返回</a:t>
+            </a:r>
+            <a:r>
+              <a:rPr lang="en-US" altLang="zh-CN" sz="1400" u="sng">
+                <a:latin typeface="Courier New" panose="02070309020205020404" charset="0"/>
+                <a:cs typeface="Courier New" panose="02070309020205020404" charset="0"/>
+              </a:rPr>
+              <a:t>-1</a:t>
+            </a:r>
+            <a:endParaRPr lang="en-US" altLang="zh-CN" sz="1400" u="sng">
+              <a:latin typeface="Courier New" panose="02070309020205020404" charset="0"/>
+              <a:cs typeface="Courier New" panose="02070309020205020404" charset="0"/>
+            </a:endParaRPr>
+          </a:p>
+        </p:txBody>
+      </p:sp>
+      <p:sp>
+        <p:nvSpPr>
+          <p:cNvPr id="9" name="Rectangle 8"/>
+          <p:cNvSpPr/>
+          <p:nvPr/>
+        </p:nvSpPr>
+        <p:spPr>
+          <a:xfrm>
+            <a:off x="655955" y="2276475"/>
+            <a:ext cx="4968875" cy="1173480"/>
+          </a:xfrm>
+          <a:prstGeom prst="rect">
+            <a:avLst/>
+          </a:prstGeom>
+          <a:noFill/>
+          <a:ln w="38100">
+            <a:solidFill>
+              <a:schemeClr val="tx1"/>
+            </a:solidFill>
+          </a:ln>
+          <a:extLst>
+            <a:ext uri="{909E8E84-426E-40DD-AFC4-6F175D3DCCD1}">
+              <a14:hiddenFill xmlns:a14="http://schemas.microsoft.com/office/drawing/2010/main">
+                <a:solidFill>
+                  <a:schemeClr val="accent1"/>
+                </a:solidFill>
+              </a14:hiddenFill>
+            </a:ext>
+          </a:extLst>
+        </p:spPr>
+        <p:style>
+          <a:lnRef idx="2">
+            <a:schemeClr val="accent1">
+              <a:shade val="50000"/>
+            </a:schemeClr>
+          </a:lnRef>
+          <a:fillRef idx="1">
+            <a:schemeClr val="accent1"/>
+          </a:fillRef>
+          <a:effectRef idx="0">
+            <a:schemeClr val="accent1"/>
+          </a:effectRef>
+          <a:fontRef idx="minor">
+            <a:schemeClr val="lt1"/>
+          </a:fontRef>
+        </p:style>
+        <p:txBody>
+          <a:bodyPr rtlCol="0" anchor="ctr"/>
+          <a:p>
+            <a:pPr algn="ctr"/>
+            <a:endParaRPr lang="en-US"/>
+          </a:p>
+        </p:txBody>
+      </p:sp>
+    </p:spTree>
+  </p:cSld>
+  <p:clrMapOvr>
+    <a:masterClrMapping/>
+  </p:clrMapOvr>
+</p:sld>
+</file>
+
+<file path=ppt/slides/slide18.xml><?xml version="1.0" encoding="utf-8"?>
+<p:sld xmlns:a="http://schemas.openxmlformats.org/drawingml/2006/main" xmlns:r="http://schemas.openxmlformats.org/officeDocument/2006/relationships" xmlns:p="http://schemas.openxmlformats.org/presentationml/2006/main">
+  <p:cSld>
+    <p:spTree>
+      <p:nvGrpSpPr>
+        <p:cNvPr id="1" name=""/>
+        <p:cNvGrpSpPr/>
+        <p:nvPr/>
+      </p:nvGrpSpPr>
+      <p:grpSpPr/>
+      <p:sp>
+        <p:nvSpPr>
+          <p:cNvPr id="2" name="Text Box 1"/>
+          <p:cNvSpPr txBox="true"/>
+          <p:nvPr/>
+        </p:nvSpPr>
+        <p:spPr>
+          <a:xfrm>
+            <a:off x="52705" y="51435"/>
+            <a:ext cx="4234180" cy="337185"/>
+          </a:xfrm>
+          <a:prstGeom prst="rect">
+            <a:avLst/>
+          </a:prstGeom>
+          <a:noFill/>
+        </p:spPr>
+        <p:txBody>
+          <a:bodyPr wrap="square" rtlCol="0">
+            <a:spAutoFit/>
+          </a:bodyPr>
+          <a:p>
+            <a:r>
+              <a:rPr lang="zh-CN" altLang="en-US" sz="1600" b="1">
+                <a:effectLst>
+                  <a:outerShdw blurRad="38100" dist="38100" dir="2700000" algn="tl">
+                    <a:srgbClr val="000000">
+                      <a:alpha val="43137"/>
+                    </a:srgbClr>
+                  </a:outerShdw>
+                </a:effectLst>
+              </a:rPr>
+              <a:t>更改用户</a:t>
+            </a:r>
+            <a:r>
+              <a:rPr lang="en-US" altLang="zh-CN" sz="1600" b="1">
+                <a:effectLst>
+                  <a:outerShdw blurRad="38100" dist="38100" dir="2700000" algn="tl">
+                    <a:srgbClr val="000000">
+                      <a:alpha val="43137"/>
+                    </a:srgbClr>
+                  </a:outerShdw>
+                </a:effectLst>
+              </a:rPr>
+              <a:t>id</a:t>
+            </a:r>
+            <a:r>
+              <a:rPr lang="zh-CN" altLang="en-US" sz="1600" b="1">
+                <a:effectLst>
+                  <a:outerShdw blurRad="38100" dist="38100" dir="2700000" algn="tl">
+                    <a:srgbClr val="000000">
+                      <a:alpha val="43137"/>
+                    </a:srgbClr>
+                  </a:outerShdw>
+                </a:effectLst>
+              </a:rPr>
+              <a:t>和更改组</a:t>
+            </a:r>
+            <a:r>
+              <a:rPr lang="en-US" altLang="zh-CN" sz="1600" b="1">
+                <a:effectLst>
+                  <a:outerShdw blurRad="38100" dist="38100" dir="2700000" algn="tl">
+                    <a:srgbClr val="000000">
+                      <a:alpha val="43137"/>
+                    </a:srgbClr>
+                  </a:outerShdw>
+                </a:effectLst>
+              </a:rPr>
+              <a:t>id</a:t>
+            </a:r>
+            <a:endParaRPr lang="en-US" altLang="zh-CN" sz="1600" b="1">
+              <a:effectLst>
+                <a:outerShdw blurRad="38100" dist="38100" dir="2700000" algn="tl">
+                  <a:srgbClr val="000000">
+                    <a:alpha val="43137"/>
+                  </a:srgbClr>
+                </a:outerShdw>
+              </a:effectLst>
+            </a:endParaRPr>
+          </a:p>
+        </p:txBody>
+      </p:sp>
+      <p:sp>
+        <p:nvSpPr>
+          <p:cNvPr id="10" name="Text Box 9"/>
+          <p:cNvSpPr txBox="true"/>
+          <p:nvPr/>
+        </p:nvSpPr>
+        <p:spPr>
+          <a:xfrm>
+            <a:off x="1028065" y="2533650"/>
+            <a:ext cx="11456035" cy="2030095"/>
+          </a:xfrm>
+          <a:prstGeom prst="rect">
+            <a:avLst/>
+          </a:prstGeom>
+          <a:noFill/>
+        </p:spPr>
+        <p:txBody>
+          <a:bodyPr wrap="square" rtlCol="0">
+            <a:spAutoFit/>
+          </a:bodyPr>
+          <a:p>
             <a:r>
               <a:rPr lang="en-US" altLang="en-US" sz="1400" u="sng">
                 <a:latin typeface="Courier New" panose="02070309020205020404" charset="0"/>
                 <a:cs typeface="Courier New" panose="02070309020205020404" charset="0"/>
               </a:rPr>
-              <a:t>-on-exev</a:t>
-            </a:r>
-            <a:r>
-              <a:rPr lang="zh-CN" altLang="en-US" sz="1400" u="sng">
-                <a:latin typeface="Courier New" panose="02070309020205020404" charset="0"/>
-                <a:cs typeface="Courier New" panose="02070309020205020404" charset="0"/>
-              </a:rPr>
-              <a:t>位，那么在</a:t>
-            </a:r>
-            <a:r>
-              <a:rPr lang="en-US" altLang="zh-CN" sz="1400" u="sng">
-                <a:latin typeface="Courier New" panose="02070309020205020404" charset="0"/>
-                <a:cs typeface="Courier New" panose="02070309020205020404" charset="0"/>
-              </a:rPr>
-              <a:t>exec</a:t>
-            </a:r>
-            <a:r>
-              <a:rPr lang="zh-CN" altLang="en-US" sz="1400" u="sng">
-                <a:latin typeface="Courier New" panose="02070309020205020404" charset="0"/>
-                <a:cs typeface="Courier New" panose="02070309020205020404" charset="0"/>
-              </a:rPr>
-              <a:t>后，将关闭该文件描述符，否则，不关闭。一般，除非特地使用</a:t>
-            </a:r>
-            <a:r>
-              <a:rPr lang="en-US" altLang="zh-CN" sz="1400" u="sng">
-                <a:latin typeface="Courier New" panose="02070309020205020404" charset="0"/>
-                <a:cs typeface="Courier New" panose="02070309020205020404" charset="0"/>
-              </a:rPr>
-              <a:t>fcntl</a:t>
-            </a:r>
-            <a:r>
-              <a:rPr lang="zh-CN" altLang="en-US" sz="1400" u="sng">
-                <a:latin typeface="Courier New" panose="02070309020205020404" charset="0"/>
-                <a:cs typeface="Courier New" panose="02070309020205020404" charset="0"/>
-              </a:rPr>
-              <a:t>，那么默认的都是不关闭。</a:t>
+              <a:t>int setreuid(uid_t </a:t>
+            </a:r>
+            <a:r>
+              <a:rPr lang="" altLang="en-US" sz="1400" u="sng">
+                <a:latin typeface="Courier New" panose="02070309020205020404" charset="0"/>
+                <a:cs typeface="Courier New" panose="02070309020205020404" charset="0"/>
+              </a:rPr>
+              <a:t>r</a:t>
+            </a:r>
+            <a:r>
+              <a:rPr lang="en-US" altLang="en-US" sz="1400" u="sng">
+                <a:latin typeface="Courier New" panose="02070309020205020404" charset="0"/>
+                <a:cs typeface="Courier New" panose="02070309020205020404" charset="0"/>
+              </a:rPr>
+              <a:t>uid</a:t>
+            </a:r>
+            <a:r>
+              <a:rPr lang="" altLang="en-US" sz="1400" u="sng">
+                <a:latin typeface="Courier New" panose="02070309020205020404" charset="0"/>
+                <a:cs typeface="Courier New" panose="02070309020205020404" charset="0"/>
+              </a:rPr>
+              <a:t>, uid_t euid</a:t>
+            </a:r>
+            <a:r>
+              <a:rPr lang="en-US" altLang="en-US" sz="1400" u="sng">
+                <a:latin typeface="Courier New" panose="02070309020205020404" charset="0"/>
+                <a:cs typeface="Courier New" panose="02070309020205020404" charset="0"/>
+              </a:rPr>
+              <a:t>);</a:t>
+            </a:r>
+            <a:endParaRPr lang="en-US" altLang="en-US" sz="1400" u="sng">
+              <a:latin typeface="Courier New" panose="02070309020205020404" charset="0"/>
+              <a:cs typeface="Courier New" panose="02070309020205020404" charset="0"/>
+            </a:endParaRPr>
+          </a:p>
+          <a:p>
+            <a:endParaRPr lang="en-US" altLang="en-US" sz="1400" u="sng">
+              <a:latin typeface="Courier New" panose="02070309020205020404" charset="0"/>
+              <a:cs typeface="Courier New" panose="02070309020205020404" charset="0"/>
+            </a:endParaRPr>
+          </a:p>
+          <a:p>
+            <a:r>
+              <a:rPr lang="en-US" altLang="en-US" sz="1400" u="sng">
+                <a:latin typeface="Courier New" panose="02070309020205020404" charset="0"/>
+                <a:cs typeface="Courier New" panose="02070309020205020404" charset="0"/>
+              </a:rPr>
+              <a:t>int set</a:t>
+            </a:r>
+            <a:r>
+              <a:rPr lang="" altLang="en-US" sz="1400" u="sng">
+                <a:latin typeface="Courier New" panose="02070309020205020404" charset="0"/>
+                <a:cs typeface="Courier New" panose="02070309020205020404" charset="0"/>
+              </a:rPr>
+              <a:t>re</a:t>
+            </a:r>
+            <a:r>
+              <a:rPr lang="en-US" altLang="en-US" sz="1400" u="sng">
+                <a:latin typeface="Courier New" panose="02070309020205020404" charset="0"/>
+                <a:cs typeface="Courier New" panose="02070309020205020404" charset="0"/>
+              </a:rPr>
+              <a:t>gid(gid_t </a:t>
+            </a:r>
+            <a:r>
+              <a:rPr lang="" altLang="en-US" sz="1400" u="sng">
+                <a:latin typeface="Courier New" panose="02070309020205020404" charset="0"/>
+                <a:cs typeface="Courier New" panose="02070309020205020404" charset="0"/>
+              </a:rPr>
+              <a:t>r</a:t>
+            </a:r>
+            <a:r>
+              <a:rPr lang="en-US" altLang="en-US" sz="1400" u="sng">
+                <a:latin typeface="Courier New" panose="02070309020205020404" charset="0"/>
+                <a:cs typeface="Courier New" panose="02070309020205020404" charset="0"/>
+              </a:rPr>
+              <a:t>gid</a:t>
+            </a:r>
+            <a:r>
+              <a:rPr lang="" altLang="en-US" sz="1400" u="sng">
+                <a:latin typeface="Courier New" panose="02070309020205020404" charset="0"/>
+                <a:cs typeface="Courier New" panose="02070309020205020404" charset="0"/>
+              </a:rPr>
+              <a:t>, gid_t egid</a:t>
+            </a:r>
+            <a:r>
+              <a:rPr lang="en-US" altLang="en-US" sz="1400" u="sng">
+                <a:latin typeface="Courier New" panose="02070309020205020404" charset="0"/>
+                <a:cs typeface="Courier New" panose="02070309020205020404" charset="0"/>
+              </a:rPr>
+              <a:t>);</a:t>
+            </a:r>
+            <a:endParaRPr lang="en-US" altLang="en-US" sz="1400" u="sng">
+              <a:latin typeface="Courier New" panose="02070309020205020404" charset="0"/>
+              <a:cs typeface="Courier New" panose="02070309020205020404" charset="0"/>
+            </a:endParaRPr>
+          </a:p>
+          <a:p>
+            <a:endParaRPr lang="en-US" altLang="en-US" sz="1400" u="sng">
+              <a:latin typeface="Courier New" panose="02070309020205020404" charset="0"/>
+              <a:cs typeface="Courier New" panose="02070309020205020404" charset="0"/>
+            </a:endParaRPr>
+          </a:p>
+          <a:p>
+            <a:r>
+              <a:rPr lang="en-US" altLang="zh-CN" sz="1400" u="sng">
+                <a:latin typeface="Courier New" panose="02070309020205020404" charset="0"/>
+                <a:cs typeface="Courier New" panose="02070309020205020404" charset="0"/>
+              </a:rPr>
+              <a:t>//</a:t>
+            </a:r>
+            <a:r>
+              <a:rPr lang="zh-CN" sz="1400" u="sng">
+                <a:latin typeface="Courier New" panose="02070309020205020404" charset="0"/>
+                <a:cs typeface="Courier New" panose="02070309020205020404" charset="0"/>
+              </a:rPr>
+              <a:t>设置实际</a:t>
+            </a:r>
+            <a:r>
+              <a:rPr lang="en-US" altLang="zh-CN" sz="1400" u="sng">
+                <a:latin typeface="Courier New" panose="02070309020205020404" charset="0"/>
+                <a:cs typeface="Courier New" panose="02070309020205020404" charset="0"/>
+              </a:rPr>
+              <a:t>id</a:t>
+            </a:r>
+            <a:r>
+              <a:rPr lang="zh-CN" altLang="en-US" sz="1400" u="sng">
+                <a:latin typeface="Courier New" panose="02070309020205020404" charset="0"/>
+                <a:cs typeface="Courier New" panose="02070309020205020404" charset="0"/>
+              </a:rPr>
+              <a:t>和有效</a:t>
+            </a:r>
+            <a:r>
+              <a:rPr lang="en-US" altLang="zh-CN" sz="1400" u="sng">
+                <a:latin typeface="Courier New" panose="02070309020205020404" charset="0"/>
+                <a:cs typeface="Courier New" panose="02070309020205020404" charset="0"/>
+              </a:rPr>
+              <a:t>id</a:t>
+            </a:r>
+            <a:r>
+              <a:rPr lang="zh-CN" altLang="en-US" sz="1400" u="sng">
+                <a:latin typeface="Courier New" panose="02070309020205020404" charset="0"/>
+                <a:cs typeface="Courier New" panose="02070309020205020404" charset="0"/>
+              </a:rPr>
+              <a:t>，</a:t>
+            </a:r>
+            <a:r>
+              <a:rPr lang="en-US" altLang="zh-CN" sz="1400" u="sng">
+                <a:latin typeface="Courier New" panose="02070309020205020404" charset="0"/>
+                <a:cs typeface="Courier New" panose="02070309020205020404" charset="0"/>
+              </a:rPr>
+              <a:t> </a:t>
+            </a:r>
+            <a:r>
+              <a:rPr lang="zh-CN" altLang="en-US" sz="1400" u="sng">
+                <a:latin typeface="Courier New" panose="02070309020205020404" charset="0"/>
+                <a:cs typeface="Courier New" panose="02070309020205020404" charset="0"/>
+              </a:rPr>
+              <a:t>成功，返回</a:t>
+            </a:r>
+            <a:r>
+              <a:rPr lang="en-US" altLang="zh-CN" sz="1400" u="sng">
+                <a:latin typeface="Courier New" panose="02070309020205020404" charset="0"/>
+                <a:cs typeface="Courier New" panose="02070309020205020404" charset="0"/>
+              </a:rPr>
+              <a:t>0</a:t>
+            </a:r>
+            <a:r>
+              <a:rPr lang="zh-CN" altLang="en-US" sz="1400" u="sng">
+                <a:latin typeface="Courier New" panose="02070309020205020404" charset="0"/>
+                <a:cs typeface="Courier New" panose="02070309020205020404" charset="0"/>
+              </a:rPr>
+              <a:t>，出错，返回</a:t>
+            </a:r>
+            <a:r>
+              <a:rPr lang="en-US" altLang="zh-CN" sz="1400" u="sng">
+                <a:latin typeface="Courier New" panose="02070309020205020404" charset="0"/>
+                <a:cs typeface="Courier New" panose="02070309020205020404" charset="0"/>
+              </a:rPr>
+              <a:t>-1</a:t>
+            </a:r>
+            <a:endParaRPr lang="en-US" altLang="zh-CN" sz="1400" u="sng">
+              <a:latin typeface="Courier New" panose="02070309020205020404" charset="0"/>
+              <a:cs typeface="Courier New" panose="02070309020205020404" charset="0"/>
+            </a:endParaRPr>
+          </a:p>
+          <a:p>
+            <a:endParaRPr lang="en-US" altLang="zh-CN" sz="1400" u="sng">
+              <a:latin typeface="Courier New" panose="02070309020205020404" charset="0"/>
+              <a:cs typeface="Courier New" panose="02070309020205020404" charset="0"/>
+            </a:endParaRPr>
+          </a:p>
+          <a:p>
+            <a:endParaRPr lang="en-US" altLang="zh-CN" sz="1400" u="sng">
+              <a:latin typeface="Courier New" panose="02070309020205020404" charset="0"/>
+              <a:cs typeface="Courier New" panose="02070309020205020404" charset="0"/>
+            </a:endParaRPr>
+          </a:p>
+          <a:p>
+            <a:r>
+              <a:rPr lang="zh-CN" altLang="en-US" sz="1400" u="sng">
+                <a:latin typeface="Courier New" panose="02070309020205020404" charset="0"/>
+                <a:cs typeface="Courier New" panose="02070309020205020404" charset="0"/>
+              </a:rPr>
+              <a:t>注意：</a:t>
             </a:r>
             <a:endParaRPr lang="zh-CN" altLang="en-US" sz="1400" u="sng">
               <a:latin typeface="Courier New" panose="02070309020205020404" charset="0"/>
@@ -6755,6 +7654,369 @@
             </a:endParaRPr>
           </a:p>
           <a:p>
+            <a:r>
+              <a:rPr lang="en-US" altLang="zh-CN" sz="1400" u="sng">
+                <a:latin typeface="Courier New" panose="02070309020205020404" charset="0"/>
+                <a:cs typeface="Courier New" panose="02070309020205020404" charset="0"/>
+              </a:rPr>
+              <a:t>	</a:t>
+            </a:r>
+            <a:r>
+              <a:rPr lang="zh-CN" altLang="en-US" sz="1400" u="sng">
+                <a:latin typeface="Courier New" panose="02070309020205020404" charset="0"/>
+                <a:cs typeface="Courier New" panose="02070309020205020404" charset="0"/>
+              </a:rPr>
+              <a:t>非特权用户可以交换实际用户</a:t>
+            </a:r>
+            <a:r>
+              <a:rPr lang="en-US" altLang="zh-CN" sz="1400" u="sng">
+                <a:latin typeface="Courier New" panose="02070309020205020404" charset="0"/>
+                <a:cs typeface="Courier New" panose="02070309020205020404" charset="0"/>
+              </a:rPr>
+              <a:t>id</a:t>
+            </a:r>
+            <a:r>
+              <a:rPr lang="zh-CN" altLang="en-US" sz="1400" u="sng">
+                <a:latin typeface="Courier New" panose="02070309020205020404" charset="0"/>
+                <a:cs typeface="Courier New" panose="02070309020205020404" charset="0"/>
+              </a:rPr>
+              <a:t>和有效用户</a:t>
+            </a:r>
+            <a:r>
+              <a:rPr lang="en-US" altLang="zh-CN" sz="1400" u="sng">
+                <a:latin typeface="Courier New" panose="02070309020205020404" charset="0"/>
+                <a:cs typeface="Courier New" panose="02070309020205020404" charset="0"/>
+              </a:rPr>
+              <a:t>id</a:t>
+            </a:r>
+            <a:endParaRPr lang="en-US" altLang="zh-CN" sz="1400" u="sng">
+              <a:latin typeface="Courier New" panose="02070309020205020404" charset="0"/>
+              <a:cs typeface="Courier New" panose="02070309020205020404" charset="0"/>
+            </a:endParaRPr>
+          </a:p>
+        </p:txBody>
+      </p:sp>
+      <p:sp>
+        <p:nvSpPr>
+          <p:cNvPr id="9" name="Rectangle 8"/>
+          <p:cNvSpPr/>
+          <p:nvPr/>
+        </p:nvSpPr>
+        <p:spPr>
+          <a:xfrm>
+            <a:off x="1028065" y="2533650"/>
+            <a:ext cx="4968875" cy="1173480"/>
+          </a:xfrm>
+          <a:prstGeom prst="rect">
+            <a:avLst/>
+          </a:prstGeom>
+          <a:noFill/>
+          <a:ln w="38100">
+            <a:solidFill>
+              <a:schemeClr val="tx1"/>
+            </a:solidFill>
+          </a:ln>
+          <a:extLst>
+            <a:ext uri="{909E8E84-426E-40DD-AFC4-6F175D3DCCD1}">
+              <a14:hiddenFill xmlns:a14="http://schemas.microsoft.com/office/drawing/2010/main">
+                <a:solidFill>
+                  <a:schemeClr val="accent1"/>
+                </a:solidFill>
+              </a14:hiddenFill>
+            </a:ext>
+          </a:extLst>
+        </p:spPr>
+        <p:style>
+          <a:lnRef idx="2">
+            <a:schemeClr val="accent1">
+              <a:shade val="50000"/>
+            </a:schemeClr>
+          </a:lnRef>
+          <a:fillRef idx="1">
+            <a:schemeClr val="accent1"/>
+          </a:fillRef>
+          <a:effectRef idx="0">
+            <a:schemeClr val="accent1"/>
+          </a:effectRef>
+          <a:fontRef idx="minor">
+            <a:schemeClr val="lt1"/>
+          </a:fontRef>
+        </p:style>
+        <p:txBody>
+          <a:bodyPr rtlCol="0" anchor="ctr"/>
+          <a:p>
+            <a:pPr algn="ctr"/>
+            <a:endParaRPr lang="en-US"/>
+          </a:p>
+        </p:txBody>
+      </p:sp>
+    </p:spTree>
+  </p:cSld>
+  <p:clrMapOvr>
+    <a:masterClrMapping/>
+  </p:clrMapOvr>
+</p:sld>
+</file>
+
+<file path=ppt/slides/slide19.xml><?xml version="1.0" encoding="utf-8"?>
+<p:sld xmlns:a="http://schemas.openxmlformats.org/drawingml/2006/main" xmlns:r="http://schemas.openxmlformats.org/officeDocument/2006/relationships" xmlns:p="http://schemas.openxmlformats.org/presentationml/2006/main">
+  <p:cSld>
+    <p:spTree>
+      <p:nvGrpSpPr>
+        <p:cNvPr id="1" name=""/>
+        <p:cNvGrpSpPr/>
+        <p:nvPr/>
+      </p:nvGrpSpPr>
+      <p:grpSpPr/>
+      <p:sp>
+        <p:nvSpPr>
+          <p:cNvPr id="2" name="Text Box 1"/>
+          <p:cNvSpPr txBox="true"/>
+          <p:nvPr/>
+        </p:nvSpPr>
+        <p:spPr>
+          <a:xfrm>
+            <a:off x="52705" y="51435"/>
+            <a:ext cx="4234180" cy="337185"/>
+          </a:xfrm>
+          <a:prstGeom prst="rect">
+            <a:avLst/>
+          </a:prstGeom>
+          <a:noFill/>
+        </p:spPr>
+        <p:txBody>
+          <a:bodyPr wrap="square" rtlCol="0">
+            <a:spAutoFit/>
+          </a:bodyPr>
+          <a:p>
+            <a:r>
+              <a:rPr lang="zh-CN" altLang="en-US" sz="1600" b="1">
+                <a:effectLst>
+                  <a:outerShdw blurRad="38100" dist="38100" dir="2700000" algn="tl">
+                    <a:srgbClr val="000000">
+                      <a:alpha val="43137"/>
+                    </a:srgbClr>
+                  </a:outerShdw>
+                </a:effectLst>
+              </a:rPr>
+              <a:t>更改用户</a:t>
+            </a:r>
+            <a:r>
+              <a:rPr lang="en-US" altLang="zh-CN" sz="1600" b="1">
+                <a:effectLst>
+                  <a:outerShdw blurRad="38100" dist="38100" dir="2700000" algn="tl">
+                    <a:srgbClr val="000000">
+                      <a:alpha val="43137"/>
+                    </a:srgbClr>
+                  </a:outerShdw>
+                </a:effectLst>
+              </a:rPr>
+              <a:t>id</a:t>
+            </a:r>
+            <a:r>
+              <a:rPr lang="zh-CN" altLang="en-US" sz="1600" b="1">
+                <a:effectLst>
+                  <a:outerShdw blurRad="38100" dist="38100" dir="2700000" algn="tl">
+                    <a:srgbClr val="000000">
+                      <a:alpha val="43137"/>
+                    </a:srgbClr>
+                  </a:outerShdw>
+                </a:effectLst>
+              </a:rPr>
+              <a:t>和更改组</a:t>
+            </a:r>
+            <a:r>
+              <a:rPr lang="en-US" altLang="zh-CN" sz="1600" b="1">
+                <a:effectLst>
+                  <a:outerShdw blurRad="38100" dist="38100" dir="2700000" algn="tl">
+                    <a:srgbClr val="000000">
+                      <a:alpha val="43137"/>
+                    </a:srgbClr>
+                  </a:outerShdw>
+                </a:effectLst>
+              </a:rPr>
+              <a:t>id</a:t>
+            </a:r>
+            <a:endParaRPr lang="en-US" altLang="zh-CN" sz="1600" b="1">
+              <a:effectLst>
+                <a:outerShdw blurRad="38100" dist="38100" dir="2700000" algn="tl">
+                  <a:srgbClr val="000000">
+                    <a:alpha val="43137"/>
+                  </a:srgbClr>
+                </a:outerShdw>
+              </a:effectLst>
+            </a:endParaRPr>
+          </a:p>
+        </p:txBody>
+      </p:sp>
+      <p:sp>
+        <p:nvSpPr>
+          <p:cNvPr id="10" name="Text Box 9"/>
+          <p:cNvSpPr txBox="true"/>
+          <p:nvPr/>
+        </p:nvSpPr>
+        <p:spPr>
+          <a:xfrm>
+            <a:off x="1028065" y="1024255"/>
+            <a:ext cx="11456035" cy="2030095"/>
+          </a:xfrm>
+          <a:prstGeom prst="rect">
+            <a:avLst/>
+          </a:prstGeom>
+          <a:noFill/>
+        </p:spPr>
+        <p:txBody>
+          <a:bodyPr wrap="square" rtlCol="0">
+            <a:spAutoFit/>
+          </a:bodyPr>
+          <a:p>
+            <a:r>
+              <a:rPr lang="en-US" altLang="en-US" sz="1400" u="sng">
+                <a:latin typeface="Courier New" panose="02070309020205020404" charset="0"/>
+                <a:cs typeface="Courier New" panose="02070309020205020404" charset="0"/>
+              </a:rPr>
+              <a:t>int</a:t>
+            </a:r>
+            <a:r>
+              <a:rPr lang="" altLang="en-US" sz="1400" u="sng">
+                <a:latin typeface="Courier New" panose="02070309020205020404" charset="0"/>
+                <a:cs typeface="Courier New" panose="02070309020205020404" charset="0"/>
+              </a:rPr>
+              <a:t> seteuid(uid_t uid)</a:t>
+            </a:r>
+            <a:r>
+              <a:rPr lang="en-US" altLang="en-US" sz="1400" u="sng">
+                <a:latin typeface="Courier New" panose="02070309020205020404" charset="0"/>
+                <a:cs typeface="Courier New" panose="02070309020205020404" charset="0"/>
+              </a:rPr>
+              <a:t>;</a:t>
+            </a:r>
+            <a:endParaRPr lang="en-US" altLang="en-US" sz="1400" u="sng">
+              <a:latin typeface="Courier New" panose="02070309020205020404" charset="0"/>
+              <a:cs typeface="Courier New" panose="02070309020205020404" charset="0"/>
+            </a:endParaRPr>
+          </a:p>
+          <a:p>
+            <a:endParaRPr lang="en-US" altLang="en-US" sz="1400" u="sng">
+              <a:latin typeface="Courier New" panose="02070309020205020404" charset="0"/>
+              <a:cs typeface="Courier New" panose="02070309020205020404" charset="0"/>
+            </a:endParaRPr>
+          </a:p>
+          <a:p>
+            <a:r>
+              <a:rPr lang="en-US" altLang="en-US" sz="1400" u="sng">
+                <a:latin typeface="Courier New" panose="02070309020205020404" charset="0"/>
+                <a:cs typeface="Courier New" panose="02070309020205020404" charset="0"/>
+              </a:rPr>
+              <a:t>int setegid(gid_t gid);</a:t>
+            </a:r>
+            <a:endParaRPr lang="en-US" altLang="en-US" sz="1400" u="sng">
+              <a:latin typeface="Courier New" panose="02070309020205020404" charset="0"/>
+              <a:cs typeface="Courier New" panose="02070309020205020404" charset="0"/>
+            </a:endParaRPr>
+          </a:p>
+          <a:p>
+            <a:endParaRPr lang="en-US" altLang="en-US" sz="1400" u="sng">
+              <a:latin typeface="Courier New" panose="02070309020205020404" charset="0"/>
+              <a:cs typeface="Courier New" panose="02070309020205020404" charset="0"/>
+            </a:endParaRPr>
+          </a:p>
+          <a:p>
+            <a:r>
+              <a:rPr lang="en-US" altLang="zh-CN" sz="1400" u="sng">
+                <a:latin typeface="Courier New" panose="02070309020205020404" charset="0"/>
+                <a:cs typeface="Courier New" panose="02070309020205020404" charset="0"/>
+              </a:rPr>
+              <a:t>//</a:t>
+            </a:r>
+            <a:r>
+              <a:rPr lang="zh-CN" sz="1400" u="sng">
+                <a:latin typeface="Courier New" panose="02070309020205020404" charset="0"/>
+                <a:cs typeface="Courier New" panose="02070309020205020404" charset="0"/>
+              </a:rPr>
+              <a:t>设置</a:t>
+            </a:r>
+            <a:r>
+              <a:rPr lang="zh-CN" altLang="en-US" sz="1400" u="sng">
+                <a:latin typeface="Courier New" panose="02070309020205020404" charset="0"/>
+                <a:cs typeface="Courier New" panose="02070309020205020404" charset="0"/>
+              </a:rPr>
+              <a:t>有效</a:t>
+            </a:r>
+            <a:r>
+              <a:rPr lang="en-US" altLang="zh-CN" sz="1400" u="sng">
+                <a:latin typeface="Courier New" panose="02070309020205020404" charset="0"/>
+                <a:cs typeface="Courier New" panose="02070309020205020404" charset="0"/>
+              </a:rPr>
+              <a:t>id</a:t>
+            </a:r>
+            <a:r>
+              <a:rPr lang="zh-CN" altLang="en-US" sz="1400" u="sng">
+                <a:latin typeface="Courier New" panose="02070309020205020404" charset="0"/>
+                <a:cs typeface="Courier New" panose="02070309020205020404" charset="0"/>
+              </a:rPr>
+              <a:t>，</a:t>
+            </a:r>
+            <a:r>
+              <a:rPr lang="en-US" altLang="zh-CN" sz="1400" u="sng">
+                <a:latin typeface="Courier New" panose="02070309020205020404" charset="0"/>
+                <a:cs typeface="Courier New" panose="02070309020205020404" charset="0"/>
+              </a:rPr>
+              <a:t> </a:t>
+            </a:r>
+            <a:r>
+              <a:rPr lang="zh-CN" altLang="en-US" sz="1400" u="sng">
+                <a:latin typeface="Courier New" panose="02070309020205020404" charset="0"/>
+                <a:cs typeface="Courier New" panose="02070309020205020404" charset="0"/>
+              </a:rPr>
+              <a:t>成功，返回</a:t>
+            </a:r>
+            <a:r>
+              <a:rPr lang="en-US" altLang="zh-CN" sz="1400" u="sng">
+                <a:latin typeface="Courier New" panose="02070309020205020404" charset="0"/>
+                <a:cs typeface="Courier New" panose="02070309020205020404" charset="0"/>
+              </a:rPr>
+              <a:t>0</a:t>
+            </a:r>
+            <a:r>
+              <a:rPr lang="zh-CN" altLang="en-US" sz="1400" u="sng">
+                <a:latin typeface="Courier New" panose="02070309020205020404" charset="0"/>
+                <a:cs typeface="Courier New" panose="02070309020205020404" charset="0"/>
+              </a:rPr>
+              <a:t>，出错，返回</a:t>
+            </a:r>
+            <a:r>
+              <a:rPr lang="en-US" altLang="zh-CN" sz="1400" u="sng">
+                <a:latin typeface="Courier New" panose="02070309020205020404" charset="0"/>
+                <a:cs typeface="Courier New" panose="02070309020205020404" charset="0"/>
+              </a:rPr>
+              <a:t>-1</a:t>
+            </a:r>
+            <a:endParaRPr lang="en-US" altLang="zh-CN" sz="1400" u="sng">
+              <a:latin typeface="Courier New" panose="02070309020205020404" charset="0"/>
+              <a:cs typeface="Courier New" panose="02070309020205020404" charset="0"/>
+            </a:endParaRPr>
+          </a:p>
+          <a:p>
+            <a:endParaRPr lang="en-US" altLang="zh-CN" sz="1400" u="sng">
+              <a:latin typeface="Courier New" panose="02070309020205020404" charset="0"/>
+              <a:cs typeface="Courier New" panose="02070309020205020404" charset="0"/>
+            </a:endParaRPr>
+          </a:p>
+          <a:p>
+            <a:endParaRPr lang="en-US" altLang="zh-CN" sz="1400" u="sng">
+              <a:latin typeface="Courier New" panose="02070309020205020404" charset="0"/>
+              <a:cs typeface="Courier New" panose="02070309020205020404" charset="0"/>
+            </a:endParaRPr>
+          </a:p>
+          <a:p>
+            <a:r>
+              <a:rPr lang="zh-CN" altLang="en-US" sz="1400" u="sng">
+                <a:latin typeface="Courier New" panose="02070309020205020404" charset="0"/>
+                <a:cs typeface="Courier New" panose="02070309020205020404" charset="0"/>
+              </a:rPr>
+              <a:t>注意：</a:t>
+            </a:r>
             <a:endParaRPr lang="zh-CN" altLang="en-US" sz="1400" u="sng">
               <a:latin typeface="Courier New" panose="02070309020205020404" charset="0"/>
               <a:cs typeface="Courier New" panose="02070309020205020404" charset="0"/>
@@ -6762,25 +8024,18 @@
           </a:p>
           <a:p>
             <a:r>
-              <a:rPr lang="zh-CN" altLang="en-US" sz="1400" u="sng">
-                <a:latin typeface="Courier New" panose="02070309020205020404" charset="0"/>
-                <a:cs typeface="Courier New" panose="02070309020205020404" charset="0"/>
-              </a:rPr>
-              <a:t>在</a:t>
-            </a:r>
-            <a:r>
-              <a:rPr lang="en-US" altLang="zh-CN" sz="1400" u="sng">
-                <a:latin typeface="Courier New" panose="02070309020205020404" charset="0"/>
-                <a:cs typeface="Courier New" panose="02070309020205020404" charset="0"/>
-              </a:rPr>
-              <a:t>exec</a:t>
-            </a:r>
-            <a:r>
-              <a:rPr lang="zh-CN" altLang="en-US" sz="1400" u="sng">
-                <a:latin typeface="Courier New" panose="02070309020205020404" charset="0"/>
-                <a:cs typeface="Courier New" panose="02070309020205020404" charset="0"/>
-              </a:rPr>
-              <a:t>前后实际用户</a:t>
+              <a:rPr lang="en-US" altLang="zh-CN" sz="1400" u="sng">
+                <a:latin typeface="Courier New" panose="02070309020205020404" charset="0"/>
+                <a:cs typeface="Courier New" panose="02070309020205020404" charset="0"/>
+              </a:rPr>
+              <a:t>	</a:t>
+            </a:r>
+            <a:r>
+              <a:rPr lang="zh-CN" altLang="en-US" sz="1400" u="sng">
+                <a:latin typeface="Courier New" panose="02070309020205020404" charset="0"/>
+                <a:cs typeface="Courier New" panose="02070309020205020404" charset="0"/>
+              </a:rPr>
+              <a:t>非特权用户可以设置其有效</a:t>
             </a:r>
             <a:r>
               <a:rPr lang="en-US" altLang="zh-CN" sz="1400" u="sng">
@@ -6794,7 +8049,7 @@
                 <a:latin typeface="Courier New" panose="02070309020205020404" charset="0"/>
                 <a:cs typeface="Courier New" panose="02070309020205020404" charset="0"/>
               </a:rPr>
-              <a:t>和实际组</a:t>
+              <a:t>位实际</a:t>
             </a:r>
             <a:r>
               <a:rPr lang="en-US" altLang="zh-CN" sz="1400" u="sng">
@@ -6808,7 +8063,7 @@
                 <a:latin typeface="Courier New" panose="02070309020205020404" charset="0"/>
                 <a:cs typeface="Courier New" panose="02070309020205020404" charset="0"/>
               </a:rPr>
-              <a:t>保持结束，而有效</a:t>
+              <a:t>或者保存的设置</a:t>
             </a:r>
             <a:r>
               <a:rPr lang="en-US" altLang="zh-CN" sz="1400" u="sng">
@@ -6817,31 +8072,64 @@
               </a:rPr>
               <a:t>id</a:t>
             </a:r>
-            <a:r>
-              <a:rPr lang="zh-CN" altLang="en-US" sz="1400" u="sng">
-                <a:latin typeface="Courier New" panose="02070309020205020404" charset="0"/>
-                <a:cs typeface="Courier New" panose="02070309020205020404" charset="0"/>
-              </a:rPr>
-              <a:t>是否改变则取决于所指向程序文件的设置</a:t>
-            </a:r>
-            <a:r>
-              <a:rPr lang="en-US" altLang="zh-CN" sz="1400" u="sng">
-                <a:latin typeface="Courier New" panose="02070309020205020404" charset="0"/>
-                <a:cs typeface="Courier New" panose="02070309020205020404" charset="0"/>
-              </a:rPr>
-              <a:t>id</a:t>
-            </a:r>
-            <a:r>
-              <a:rPr lang="zh-CN" altLang="en-US" sz="1400" u="sng">
-                <a:latin typeface="Courier New" panose="02070309020205020404" charset="0"/>
-                <a:cs typeface="Courier New" panose="02070309020205020404" charset="0"/>
-              </a:rPr>
-              <a:t>位是否设置。</a:t>
-            </a:r>
-            <a:endParaRPr lang="zh-CN" altLang="en-US" sz="1400" u="sng">
-              <a:latin typeface="Courier New" panose="02070309020205020404" charset="0"/>
-              <a:cs typeface="Courier New" panose="02070309020205020404" charset="0"/>
-            </a:endParaRPr>
+            <a:endParaRPr lang="en-US" altLang="zh-CN" sz="1400" u="sng">
+              <a:latin typeface="Courier New" panose="02070309020205020404" charset="0"/>
+              <a:cs typeface="Courier New" panose="02070309020205020404" charset="0"/>
+            </a:endParaRPr>
+          </a:p>
+        </p:txBody>
+      </p:sp>
+      <p:sp>
+        <p:nvSpPr>
+          <p:cNvPr id="9" name="Rectangle 8"/>
+          <p:cNvSpPr/>
+          <p:nvPr/>
+        </p:nvSpPr>
+        <p:spPr>
+          <a:xfrm>
+            <a:off x="1028065" y="1024255"/>
+            <a:ext cx="4968875" cy="1173480"/>
+          </a:xfrm>
+          <a:prstGeom prst="rect">
+            <a:avLst/>
+          </a:prstGeom>
+          <a:noFill/>
+          <a:ln w="38100">
+            <a:solidFill>
+              <a:schemeClr val="tx1"/>
+            </a:solidFill>
+          </a:ln>
+          <a:extLst>
+            <a:ext uri="{909E8E84-426E-40DD-AFC4-6F175D3DCCD1}">
+              <a14:hiddenFill xmlns:a14="http://schemas.microsoft.com/office/drawing/2010/main">
+                <a:solidFill>
+                  <a:schemeClr val="accent1"/>
+                </a:solidFill>
+              </a14:hiddenFill>
+            </a:ext>
+          </a:extLst>
+        </p:spPr>
+        <p:style>
+          <a:lnRef idx="2">
+            <a:schemeClr val="accent1">
+              <a:shade val="50000"/>
+            </a:schemeClr>
+          </a:lnRef>
+          <a:fillRef idx="1">
+            <a:schemeClr val="accent1"/>
+          </a:fillRef>
+          <a:effectRef idx="0">
+            <a:schemeClr val="accent1"/>
+          </a:effectRef>
+          <a:fontRef idx="minor">
+            <a:schemeClr val="lt1"/>
+          </a:fontRef>
+        </p:style>
+        <p:txBody>
+          <a:bodyPr rtlCol="0" anchor="ctr"/>
+          <a:p>
+            <a:pPr algn="ctr"/>
+            <a:endParaRPr lang="en-US"/>
           </a:p>
         </p:txBody>
       </p:sp>
@@ -7102,6 +8390,2649 @@
           <a:xfrm>
             <a:off x="779145" y="3302000"/>
             <a:ext cx="4267200" cy="2514600"/>
+          </a:xfrm>
+          <a:prstGeom prst="rect">
+            <a:avLst/>
+          </a:prstGeom>
+        </p:spPr>
+      </p:pic>
+    </p:spTree>
+  </p:cSld>
+  <p:clrMapOvr>
+    <a:masterClrMapping/>
+  </p:clrMapOvr>
+</p:sld>
+</file>
+
+<file path=ppt/slides/slide20.xml><?xml version="1.0" encoding="utf-8"?>
+<p:sld xmlns:a="http://schemas.openxmlformats.org/drawingml/2006/main" xmlns:r="http://schemas.openxmlformats.org/officeDocument/2006/relationships" xmlns:p="http://schemas.openxmlformats.org/presentationml/2006/main">
+  <p:cSld>
+    <p:spTree>
+      <p:nvGrpSpPr>
+        <p:cNvPr id="1" name=""/>
+        <p:cNvGrpSpPr/>
+        <p:nvPr/>
+      </p:nvGrpSpPr>
+      <p:grpSpPr/>
+      <p:sp>
+        <p:nvSpPr>
+          <p:cNvPr id="2" name="Text Box 1"/>
+          <p:cNvSpPr txBox="true"/>
+          <p:nvPr/>
+        </p:nvSpPr>
+        <p:spPr>
+          <a:xfrm>
+            <a:off x="52705" y="51435"/>
+            <a:ext cx="4234180" cy="337185"/>
+          </a:xfrm>
+          <a:prstGeom prst="rect">
+            <a:avLst/>
+          </a:prstGeom>
+          <a:noFill/>
+        </p:spPr>
+        <p:txBody>
+          <a:bodyPr wrap="square" rtlCol="0">
+            <a:spAutoFit/>
+          </a:bodyPr>
+          <a:p>
+            <a:r>
+              <a:rPr lang="zh-CN" altLang="en-US" sz="1600" b="1">
+                <a:effectLst>
+                  <a:outerShdw blurRad="38100" dist="38100" dir="2700000" algn="tl">
+                    <a:srgbClr val="000000">
+                      <a:alpha val="43137"/>
+                    </a:srgbClr>
+                  </a:outerShdw>
+                </a:effectLst>
+              </a:rPr>
+              <a:t>更改用户</a:t>
+            </a:r>
+            <a:r>
+              <a:rPr lang="en-US" altLang="zh-CN" sz="1600" b="1">
+                <a:effectLst>
+                  <a:outerShdw blurRad="38100" dist="38100" dir="2700000" algn="tl">
+                    <a:srgbClr val="000000">
+                      <a:alpha val="43137"/>
+                    </a:srgbClr>
+                  </a:outerShdw>
+                </a:effectLst>
+              </a:rPr>
+              <a:t>id</a:t>
+            </a:r>
+            <a:r>
+              <a:rPr lang="zh-CN" altLang="en-US" sz="1600" b="1">
+                <a:effectLst>
+                  <a:outerShdw blurRad="38100" dist="38100" dir="2700000" algn="tl">
+                    <a:srgbClr val="000000">
+                      <a:alpha val="43137"/>
+                    </a:srgbClr>
+                  </a:outerShdw>
+                </a:effectLst>
+              </a:rPr>
+              <a:t>和更改组</a:t>
+            </a:r>
+            <a:r>
+              <a:rPr lang="en-US" altLang="zh-CN" sz="1600" b="1">
+                <a:effectLst>
+                  <a:outerShdw blurRad="38100" dist="38100" dir="2700000" algn="tl">
+                    <a:srgbClr val="000000">
+                      <a:alpha val="43137"/>
+                    </a:srgbClr>
+                  </a:outerShdw>
+                </a:effectLst>
+              </a:rPr>
+              <a:t>id</a:t>
+            </a:r>
+            <a:endParaRPr lang="en-US" altLang="zh-CN" sz="1600" b="1">
+              <a:effectLst>
+                <a:outerShdw blurRad="38100" dist="38100" dir="2700000" algn="tl">
+                  <a:srgbClr val="000000">
+                    <a:alpha val="43137"/>
+                  </a:srgbClr>
+                </a:outerShdw>
+              </a:effectLst>
+            </a:endParaRPr>
+          </a:p>
+        </p:txBody>
+      </p:sp>
+      <p:pic>
+        <p:nvPicPr>
+          <p:cNvPr id="3" name="Picture 2"/>
+          <p:cNvPicPr>
+            <a:picLocks noChangeAspect="true"/>
+          </p:cNvPicPr>
+          <p:nvPr/>
+        </p:nvPicPr>
+        <p:blipFill>
+          <a:blip r:embed="rId1"/>
+          <a:srcRect r="2053" b="2265"/>
+          <a:stretch>
+            <a:fillRect/>
+          </a:stretch>
+        </p:blipFill>
+        <p:spPr>
+          <a:xfrm>
+            <a:off x="2966720" y="1356995"/>
+            <a:ext cx="6179820" cy="4083050"/>
+          </a:xfrm>
+          <a:prstGeom prst="rect">
+            <a:avLst/>
+          </a:prstGeom>
+        </p:spPr>
+      </p:pic>
+    </p:spTree>
+  </p:cSld>
+  <p:clrMapOvr>
+    <a:masterClrMapping/>
+  </p:clrMapOvr>
+</p:sld>
+</file>
+
+<file path=ppt/slides/slide21.xml><?xml version="1.0" encoding="utf-8"?>
+<p:sld xmlns:a="http://schemas.openxmlformats.org/drawingml/2006/main" xmlns:r="http://schemas.openxmlformats.org/officeDocument/2006/relationships" xmlns:p="http://schemas.openxmlformats.org/presentationml/2006/main">
+  <p:cSld>
+    <p:spTree>
+      <p:nvGrpSpPr>
+        <p:cNvPr id="1" name=""/>
+        <p:cNvGrpSpPr/>
+        <p:nvPr/>
+      </p:nvGrpSpPr>
+      <p:grpSpPr/>
+      <p:sp>
+        <p:nvSpPr>
+          <p:cNvPr id="2" name="Text Box 1"/>
+          <p:cNvSpPr txBox="true"/>
+          <p:nvPr/>
+        </p:nvSpPr>
+        <p:spPr>
+          <a:xfrm>
+            <a:off x="52705" y="51435"/>
+            <a:ext cx="4234180" cy="337185"/>
+          </a:xfrm>
+          <a:prstGeom prst="rect">
+            <a:avLst/>
+          </a:prstGeom>
+          <a:noFill/>
+        </p:spPr>
+        <p:txBody>
+          <a:bodyPr wrap="square" rtlCol="0">
+            <a:spAutoFit/>
+          </a:bodyPr>
+          <a:p>
+            <a:r>
+              <a:rPr lang="zh-CN" sz="1600" b="1">
+                <a:effectLst>
+                  <a:outerShdw blurRad="38100" dist="38100" dir="2700000" algn="tl">
+                    <a:srgbClr val="000000">
+                      <a:alpha val="43137"/>
+                    </a:srgbClr>
+                  </a:outerShdw>
+                </a:effectLst>
+              </a:rPr>
+              <a:t>解释器文件</a:t>
+            </a:r>
+            <a:endParaRPr lang="zh-CN" sz="1600" b="1">
+              <a:effectLst>
+                <a:outerShdw blurRad="38100" dist="38100" dir="2700000" algn="tl">
+                  <a:srgbClr val="000000">
+                    <a:alpha val="43137"/>
+                  </a:srgbClr>
+                </a:outerShdw>
+              </a:effectLst>
+            </a:endParaRPr>
+          </a:p>
+        </p:txBody>
+      </p:sp>
+      <p:sp>
+        <p:nvSpPr>
+          <p:cNvPr id="10" name="Text Box 9"/>
+          <p:cNvSpPr txBox="true"/>
+          <p:nvPr/>
+        </p:nvSpPr>
+        <p:spPr>
+          <a:xfrm>
+            <a:off x="286385" y="1300480"/>
+            <a:ext cx="11456035" cy="3538220"/>
+          </a:xfrm>
+          <a:prstGeom prst="rect">
+            <a:avLst/>
+          </a:prstGeom>
+          <a:noFill/>
+        </p:spPr>
+        <p:txBody>
+          <a:bodyPr wrap="square" rtlCol="0">
+            <a:spAutoFit/>
+          </a:bodyPr>
+          <a:p>
+            <a:r>
+              <a:rPr lang="zh-CN" altLang="en-US" sz="1400" u="sng">
+                <a:latin typeface="Courier New" panose="02070309020205020404" charset="0"/>
+                <a:cs typeface="Courier New" panose="02070309020205020404" charset="0"/>
+              </a:rPr>
+              <a:t>解释器文件是一个文本文件，</a:t>
+            </a:r>
+            <a:r>
+              <a:rPr lang="en-US" altLang="zh-CN" sz="1400" u="sng">
+                <a:latin typeface="Courier New" panose="02070309020205020404" charset="0"/>
+                <a:cs typeface="Courier New" panose="02070309020205020404" charset="0"/>
+              </a:rPr>
+              <a:t> </a:t>
+            </a:r>
+            <a:r>
+              <a:rPr lang="zh-CN" altLang="en-US" sz="1400" u="sng">
+                <a:latin typeface="Courier New" panose="02070309020205020404" charset="0"/>
+                <a:cs typeface="Courier New" panose="02070309020205020404" charset="0"/>
+              </a:rPr>
+              <a:t>其开始的参数为</a:t>
+            </a:r>
+            <a:endParaRPr lang="zh-CN" altLang="en-US" sz="1400" u="sng">
+              <a:latin typeface="Courier New" panose="02070309020205020404" charset="0"/>
+              <a:cs typeface="Courier New" panose="02070309020205020404" charset="0"/>
+            </a:endParaRPr>
+          </a:p>
+          <a:p>
+            <a:r>
+              <a:rPr lang="en-US" altLang="zh-CN" sz="1400" u="sng">
+                <a:latin typeface="Courier New" panose="02070309020205020404" charset="0"/>
+                <a:cs typeface="Courier New" panose="02070309020205020404" charset="0"/>
+              </a:rPr>
+              <a:t>	</a:t>
+            </a:r>
+            <a:r>
+              <a:rPr lang="" altLang="en-US" sz="1400" u="sng">
+                <a:latin typeface="Courier New" panose="02070309020205020404" charset="0"/>
+                <a:cs typeface="Courier New" panose="02070309020205020404" charset="0"/>
+              </a:rPr>
+              <a:t>#! pathname[option-argument]</a:t>
+            </a:r>
+            <a:endParaRPr lang="" altLang="en-US" sz="1400" u="sng">
+              <a:latin typeface="Courier New" panose="02070309020205020404" charset="0"/>
+              <a:cs typeface="Courier New" panose="02070309020205020404" charset="0"/>
+            </a:endParaRPr>
+          </a:p>
+          <a:p>
+            <a:endParaRPr lang="" altLang="en-US" sz="1400" u="sng">
+              <a:latin typeface="Courier New" panose="02070309020205020404" charset="0"/>
+              <a:cs typeface="Courier New" panose="02070309020205020404" charset="0"/>
+            </a:endParaRPr>
+          </a:p>
+          <a:p>
+            <a:endParaRPr lang="" altLang="en-US" sz="1400" u="sng">
+              <a:latin typeface="Courier New" panose="02070309020205020404" charset="0"/>
+              <a:cs typeface="Courier New" panose="02070309020205020404" charset="0"/>
+            </a:endParaRPr>
+          </a:p>
+          <a:p>
+            <a:endParaRPr lang="" altLang="en-US" sz="1400" u="sng">
+              <a:latin typeface="Courier New" panose="02070309020205020404" charset="0"/>
+              <a:cs typeface="Courier New" panose="02070309020205020404" charset="0"/>
+            </a:endParaRPr>
+          </a:p>
+          <a:p>
+            <a:endParaRPr lang="" altLang="en-US" sz="1400" u="sng">
+              <a:latin typeface="Courier New" panose="02070309020205020404" charset="0"/>
+              <a:cs typeface="Courier New" panose="02070309020205020404" charset="0"/>
+            </a:endParaRPr>
+          </a:p>
+          <a:p>
+            <a:endParaRPr lang="" altLang="en-US" sz="1400" u="sng">
+              <a:latin typeface="Courier New" panose="02070309020205020404" charset="0"/>
+              <a:cs typeface="Courier New" panose="02070309020205020404" charset="0"/>
+            </a:endParaRPr>
+          </a:p>
+          <a:p>
+            <a:r>
+              <a:rPr lang="zh-CN" altLang="" sz="1400" u="sng">
+                <a:latin typeface="Courier New" panose="02070309020205020404" charset="0"/>
+                <a:cs typeface="Courier New" panose="02070309020205020404" charset="0"/>
+              </a:rPr>
+              <a:t>内核执行的不是解释器文件本身，而是第一行</a:t>
+            </a:r>
+            <a:r>
+              <a:rPr lang="en-US" altLang="zh-CN" sz="1400" u="sng">
+                <a:latin typeface="Courier New" panose="02070309020205020404" charset="0"/>
+                <a:cs typeface="Courier New" panose="02070309020205020404" charset="0"/>
+              </a:rPr>
+              <a:t>pathname</a:t>
+            </a:r>
+            <a:r>
+              <a:rPr lang="zh-CN" altLang="en-US" sz="1400" u="sng">
+                <a:latin typeface="Courier New" panose="02070309020205020404" charset="0"/>
+                <a:cs typeface="Courier New" panose="02070309020205020404" charset="0"/>
+              </a:rPr>
+              <a:t>指定的解释器</a:t>
+            </a:r>
+            <a:endParaRPr lang="zh-CN" altLang="en-US" sz="1400" u="sng">
+              <a:latin typeface="Courier New" panose="02070309020205020404" charset="0"/>
+              <a:cs typeface="Courier New" panose="02070309020205020404" charset="0"/>
+            </a:endParaRPr>
+          </a:p>
+          <a:p>
+            <a:endParaRPr lang="zh-CN" altLang="en-US" sz="1400" u="sng">
+              <a:latin typeface="Courier New" panose="02070309020205020404" charset="0"/>
+              <a:cs typeface="Courier New" panose="02070309020205020404" charset="0"/>
+            </a:endParaRPr>
+          </a:p>
+          <a:p>
+            <a:endParaRPr lang="zh-CN" altLang="en-US" sz="1400" u="sng">
+              <a:latin typeface="Courier New" panose="02070309020205020404" charset="0"/>
+              <a:cs typeface="Courier New" panose="02070309020205020404" charset="0"/>
+            </a:endParaRPr>
+          </a:p>
+          <a:p>
+            <a:r>
+              <a:rPr lang="zh-CN" altLang="" sz="1400" u="sng">
+                <a:latin typeface="Courier New" panose="02070309020205020404" charset="0"/>
+                <a:cs typeface="Courier New" panose="02070309020205020404" charset="0"/>
+              </a:rPr>
+              <a:t>当一个进程调用</a:t>
+            </a:r>
+            <a:r>
+              <a:rPr lang="en-US" altLang="zh-CN" sz="1400" u="sng">
+                <a:latin typeface="Courier New" panose="02070309020205020404" charset="0"/>
+                <a:cs typeface="Courier New" panose="02070309020205020404" charset="0"/>
+              </a:rPr>
+              <a:t>exec</a:t>
+            </a:r>
+            <a:r>
+              <a:rPr lang="zh-CN" altLang="en-US" sz="1400" u="sng">
+                <a:latin typeface="Courier New" panose="02070309020205020404" charset="0"/>
+                <a:cs typeface="Courier New" panose="02070309020205020404" charset="0"/>
+              </a:rPr>
+              <a:t>去执行某个解释器文件的时候：</a:t>
+            </a:r>
+            <a:endParaRPr lang="zh-CN" altLang="en-US" sz="1400" u="sng">
+              <a:latin typeface="Courier New" panose="02070309020205020404" charset="0"/>
+              <a:cs typeface="Courier New" panose="02070309020205020404" charset="0"/>
+            </a:endParaRPr>
+          </a:p>
+          <a:p>
+            <a:r>
+              <a:rPr lang="en-US" altLang="zh-CN" sz="1400" u="sng">
+                <a:latin typeface="Courier New" panose="02070309020205020404" charset="0"/>
+                <a:cs typeface="Courier New" panose="02070309020205020404" charset="0"/>
+              </a:rPr>
+              <a:t>	1.</a:t>
+            </a:r>
+            <a:r>
+              <a:rPr lang="zh-CN" altLang="en-US" sz="1400" u="sng">
+                <a:latin typeface="Courier New" panose="02070309020205020404" charset="0"/>
+                <a:cs typeface="Courier New" panose="02070309020205020404" charset="0"/>
+              </a:rPr>
+              <a:t>解释器文件需要有可执行权限</a:t>
+            </a:r>
+            <a:endParaRPr lang="zh-CN" altLang="en-US" sz="1400" u="sng">
+              <a:latin typeface="Courier New" panose="02070309020205020404" charset="0"/>
+              <a:cs typeface="Courier New" panose="02070309020205020404" charset="0"/>
+            </a:endParaRPr>
+          </a:p>
+          <a:p>
+            <a:r>
+              <a:rPr lang="en-US" altLang="zh-CN" sz="1400" u="sng">
+                <a:latin typeface="Courier New" panose="02070309020205020404" charset="0"/>
+                <a:cs typeface="Courier New" panose="02070309020205020404" charset="0"/>
+              </a:rPr>
+              <a:t>	2.</a:t>
+            </a:r>
+            <a:r>
+              <a:rPr lang="zh-CN" altLang="en-US" sz="1400" u="sng">
+                <a:latin typeface="Courier New" panose="02070309020205020404" charset="0"/>
+                <a:cs typeface="Courier New" panose="02070309020205020404" charset="0"/>
+              </a:rPr>
+              <a:t>系统会先把解释器文件当成机器文件去执行，发现格式不符合，就认为是一个解释器文件，去第一行寻找</a:t>
+            </a:r>
+            <a:r>
+              <a:rPr lang="en-US" altLang="zh-CN" sz="1400" u="sng">
+                <a:latin typeface="Courier New" panose="02070309020205020404" charset="0"/>
+                <a:cs typeface="Courier New" panose="02070309020205020404" charset="0"/>
+              </a:rPr>
+              <a:t>pathname</a:t>
+            </a:r>
+            <a:r>
+              <a:rPr lang="zh-CN" altLang="en-US" sz="1400" u="sng">
+                <a:latin typeface="Courier New" panose="02070309020205020404" charset="0"/>
+                <a:cs typeface="Courier New" panose="02070309020205020404" charset="0"/>
+              </a:rPr>
+              <a:t>，进一步调用解释器</a:t>
+            </a:r>
+            <a:endParaRPr lang="zh-CN" altLang="en-US" sz="1400" u="sng">
+              <a:latin typeface="Courier New" panose="02070309020205020404" charset="0"/>
+              <a:cs typeface="Courier New" panose="02070309020205020404" charset="0"/>
+            </a:endParaRPr>
+          </a:p>
+          <a:p>
+            <a:r>
+              <a:rPr lang="en-US" altLang="zh-CN" sz="1400" u="sng">
+                <a:latin typeface="Courier New" panose="02070309020205020404" charset="0"/>
+                <a:cs typeface="Courier New" panose="02070309020205020404" charset="0"/>
+              </a:rPr>
+              <a:t>	3.</a:t>
+            </a:r>
+            <a:r>
+              <a:rPr lang="zh-CN" altLang="en-US" sz="1400" u="sng">
+                <a:latin typeface="Courier New" panose="02070309020205020404" charset="0"/>
+                <a:cs typeface="Courier New" panose="02070309020205020404" charset="0"/>
+              </a:rPr>
+              <a:t>调用解释器后，将解释器文件的路径作为</a:t>
+            </a:r>
+            <a:r>
+              <a:rPr lang="" altLang="zh-CN" sz="1400" u="sng">
+                <a:latin typeface="Courier New" panose="02070309020205020404" charset="0"/>
+                <a:cs typeface="Courier New" panose="02070309020205020404" charset="0"/>
+              </a:rPr>
+              <a:t>argv[</a:t>
+            </a:r>
+            <a:r>
+              <a:rPr lang="en-US" altLang="" sz="1400" u="sng">
+                <a:latin typeface="Courier New" panose="02070309020205020404" charset="0"/>
+                <a:cs typeface="Courier New" panose="02070309020205020404" charset="0"/>
+              </a:rPr>
+              <a:t>2</a:t>
+            </a:r>
+            <a:r>
+              <a:rPr lang="" altLang="zh-CN" sz="1400" u="sng">
+                <a:latin typeface="Courier New" panose="02070309020205020404" charset="0"/>
+                <a:cs typeface="Courier New" panose="02070309020205020404" charset="0"/>
+              </a:rPr>
+              <a:t>], </a:t>
+            </a:r>
+            <a:r>
+              <a:rPr lang="zh-CN" altLang="" sz="1400" u="sng">
+                <a:latin typeface="Courier New" panose="02070309020205020404" charset="0"/>
+                <a:cs typeface="Courier New" panose="02070309020205020404" charset="0"/>
+              </a:rPr>
+              <a:t>将解释器文件第一行的解释器参数作为</a:t>
+            </a:r>
+            <a:r>
+              <a:rPr lang="en-US" altLang="zh-CN" sz="1400" u="sng">
+                <a:latin typeface="Courier New" panose="02070309020205020404" charset="0"/>
+                <a:cs typeface="Courier New" panose="02070309020205020404" charset="0"/>
+              </a:rPr>
+              <a:t>argv</a:t>
+            </a:r>
+            <a:r>
+              <a:rPr lang="" altLang="en-US" sz="1400" u="sng">
+                <a:latin typeface="Courier New" panose="02070309020205020404" charset="0"/>
+                <a:cs typeface="Courier New" panose="02070309020205020404" charset="0"/>
+              </a:rPr>
+              <a:t>[1], </a:t>
+            </a:r>
+            <a:r>
+              <a:rPr lang="zh-CN" altLang="" sz="1400" u="sng">
+                <a:latin typeface="Courier New" panose="02070309020205020404" charset="0"/>
+                <a:cs typeface="Courier New" panose="02070309020205020404" charset="0"/>
+              </a:rPr>
+              <a:t>将</a:t>
+            </a:r>
+            <a:r>
+              <a:rPr lang="en-US" altLang="zh-CN" sz="1400" u="sng">
+                <a:latin typeface="Courier New" panose="02070309020205020404" charset="0"/>
+                <a:cs typeface="Courier New" panose="02070309020205020404" charset="0"/>
+              </a:rPr>
+              <a:t>exec</a:t>
+            </a:r>
+            <a:r>
+              <a:rPr lang="zh-CN" altLang="en-US" sz="1400" u="sng">
+                <a:latin typeface="Courier New" panose="02070309020205020404" charset="0"/>
+                <a:cs typeface="Courier New" panose="02070309020205020404" charset="0"/>
+              </a:rPr>
+              <a:t>函数的参数列表的第二个开始作为</a:t>
+            </a:r>
+            <a:r>
+              <a:rPr lang="en-US" altLang="zh-CN" sz="1400" u="sng">
+                <a:latin typeface="Courier New" panose="02070309020205020404" charset="0"/>
+                <a:cs typeface="Courier New" panose="02070309020205020404" charset="0"/>
+              </a:rPr>
+              <a:t>argv</a:t>
+            </a:r>
+            <a:r>
+              <a:rPr lang="" altLang="en-US" sz="1400" u="sng">
+                <a:latin typeface="Courier New" panose="02070309020205020404" charset="0"/>
+                <a:cs typeface="Courier New" panose="02070309020205020404" charset="0"/>
+              </a:rPr>
+              <a:t>[2+]</a:t>
+            </a:r>
+            <a:r>
+              <a:rPr lang="zh-CN" altLang="" sz="1400" u="sng">
+                <a:latin typeface="Courier New" panose="02070309020205020404" charset="0"/>
+                <a:cs typeface="Courier New" panose="02070309020205020404" charset="0"/>
+              </a:rPr>
+              <a:t>的参数，</a:t>
+            </a:r>
+            <a:r>
+              <a:rPr lang="en-US" altLang="zh-CN" sz="1400" u="sng">
+                <a:latin typeface="Courier New" panose="02070309020205020404" charset="0"/>
+                <a:cs typeface="Courier New" panose="02070309020205020404" charset="0"/>
+              </a:rPr>
+              <a:t>argv</a:t>
+            </a:r>
+            <a:r>
+              <a:rPr lang="" altLang="en-US" sz="1400" u="sng">
+                <a:latin typeface="Courier New" panose="02070309020205020404" charset="0"/>
+                <a:cs typeface="Courier New" panose="02070309020205020404" charset="0"/>
+              </a:rPr>
+              <a:t>[0]</a:t>
+            </a:r>
+            <a:r>
+              <a:rPr lang="zh-CN" altLang="en-US" sz="1400" u="sng">
+                <a:latin typeface="Courier New" panose="02070309020205020404" charset="0"/>
+                <a:cs typeface="Courier New" panose="02070309020205020404" charset="0"/>
+                <a:sym typeface="+mn-ea"/>
+              </a:rPr>
+              <a:t>和一般的调用保持一致</a:t>
+            </a:r>
+            <a:r>
+              <a:rPr lang="zh-CN" altLang="" sz="1400" u="sng">
+                <a:latin typeface="Courier New" panose="02070309020205020404" charset="0"/>
+                <a:cs typeface="Courier New" panose="02070309020205020404" charset="0"/>
+              </a:rPr>
+              <a:t>是解释器（可执行二进制文件）路径。</a:t>
+            </a:r>
+            <a:endParaRPr lang="zh-CN" altLang="" sz="1400" u="sng">
+              <a:latin typeface="Courier New" panose="02070309020205020404" charset="0"/>
+              <a:cs typeface="Courier New" panose="02070309020205020404" charset="0"/>
+            </a:endParaRPr>
+          </a:p>
+        </p:txBody>
+      </p:sp>
+      <p:sp>
+        <p:nvSpPr>
+          <p:cNvPr id="3" name="Rectangle 2"/>
+          <p:cNvSpPr/>
+          <p:nvPr/>
+        </p:nvSpPr>
+        <p:spPr>
+          <a:xfrm>
+            <a:off x="1570355" y="1569085"/>
+            <a:ext cx="914400" cy="215900"/>
+          </a:xfrm>
+          <a:prstGeom prst="rect">
+            <a:avLst/>
+          </a:prstGeom>
+          <a:noFill/>
+          <a:ln w="28575">
+            <a:solidFill>
+              <a:schemeClr val="tx1"/>
+            </a:solidFill>
+          </a:ln>
+          <a:extLst>
+            <a:ext uri="{909E8E84-426E-40DD-AFC4-6F175D3DCCD1}">
+              <a14:hiddenFill xmlns:a14="http://schemas.microsoft.com/office/drawing/2010/main">
+                <a:solidFill>
+                  <a:schemeClr val="accent1"/>
+                </a:solidFill>
+              </a14:hiddenFill>
+            </a:ext>
+          </a:extLst>
+        </p:spPr>
+        <p:style>
+          <a:lnRef idx="2">
+            <a:schemeClr val="accent1">
+              <a:shade val="50000"/>
+            </a:schemeClr>
+          </a:lnRef>
+          <a:fillRef idx="1">
+            <a:schemeClr val="accent1"/>
+          </a:fillRef>
+          <a:effectRef idx="0">
+            <a:schemeClr val="accent1"/>
+          </a:effectRef>
+          <a:fontRef idx="minor">
+            <a:schemeClr val="lt1"/>
+          </a:fontRef>
+        </p:style>
+        <p:txBody>
+          <a:bodyPr rtlCol="0" anchor="ctr"/>
+          <a:p>
+            <a:pPr algn="ctr"/>
+            <a:endParaRPr lang="en-US"/>
+          </a:p>
+        </p:txBody>
+      </p:sp>
+      <p:sp>
+        <p:nvSpPr>
+          <p:cNvPr id="4" name="Text Box 3"/>
+          <p:cNvSpPr txBox="true"/>
+          <p:nvPr/>
+        </p:nvSpPr>
+        <p:spPr>
+          <a:xfrm>
+            <a:off x="1329055" y="2259965"/>
+            <a:ext cx="1396365" cy="275590"/>
+          </a:xfrm>
+          <a:prstGeom prst="rect">
+            <a:avLst/>
+          </a:prstGeom>
+          <a:noFill/>
+        </p:spPr>
+        <p:txBody>
+          <a:bodyPr wrap="square" rtlCol="0">
+            <a:spAutoFit/>
+          </a:bodyPr>
+          <a:p>
+            <a:r>
+              <a:rPr lang="zh-CN" altLang="en-US" sz="1200" b="1" u="sng"/>
+              <a:t>解释器名称</a:t>
+            </a:r>
+            <a:endParaRPr lang="zh-CN" altLang="en-US" sz="1200" b="1" u="sng"/>
+          </a:p>
+        </p:txBody>
+      </p:sp>
+      <p:cxnSp>
+        <p:nvCxnSpPr>
+          <p:cNvPr id="5" name="Straight Arrow Connector 4"/>
+          <p:cNvCxnSpPr>
+            <a:stCxn id="3" idx="2"/>
+            <a:endCxn id="4" idx="0"/>
+          </p:cNvCxnSpPr>
+          <p:nvPr/>
+        </p:nvCxnSpPr>
+        <p:spPr>
+          <a:xfrm>
+            <a:off x="2027555" y="1784985"/>
+            <a:ext cx="0" cy="474980"/>
+          </a:xfrm>
+          <a:prstGeom prst="straightConnector1">
+            <a:avLst/>
+          </a:prstGeom>
+          <a:ln w="28575">
+            <a:solidFill>
+              <a:schemeClr val="tx1"/>
+            </a:solidFill>
+            <a:tailEnd type="arrow"/>
+          </a:ln>
+        </p:spPr>
+        <p:style>
+          <a:lnRef idx="1">
+            <a:schemeClr val="accent1"/>
+          </a:lnRef>
+          <a:fillRef idx="0">
+            <a:schemeClr val="accent1"/>
+          </a:fillRef>
+          <a:effectRef idx="0">
+            <a:schemeClr val="accent1"/>
+          </a:effectRef>
+          <a:fontRef idx="minor">
+            <a:schemeClr val="tx1"/>
+          </a:fontRef>
+        </p:style>
+      </p:cxnSp>
+      <p:sp>
+        <p:nvSpPr>
+          <p:cNvPr id="6" name="Rectangle 5"/>
+          <p:cNvSpPr/>
+          <p:nvPr/>
+        </p:nvSpPr>
+        <p:spPr>
+          <a:xfrm>
+            <a:off x="2484755" y="1569085"/>
+            <a:ext cx="1802130" cy="215900"/>
+          </a:xfrm>
+          <a:prstGeom prst="rect">
+            <a:avLst/>
+          </a:prstGeom>
+          <a:noFill/>
+          <a:ln w="28575">
+            <a:solidFill>
+              <a:schemeClr val="tx1"/>
+            </a:solidFill>
+          </a:ln>
+          <a:extLst>
+            <a:ext uri="{909E8E84-426E-40DD-AFC4-6F175D3DCCD1}">
+              <a14:hiddenFill xmlns:a14="http://schemas.microsoft.com/office/drawing/2010/main">
+                <a:solidFill>
+                  <a:schemeClr val="accent1"/>
+                </a:solidFill>
+              </a14:hiddenFill>
+            </a:ext>
+          </a:extLst>
+        </p:spPr>
+        <p:style>
+          <a:lnRef idx="2">
+            <a:schemeClr val="accent1">
+              <a:shade val="50000"/>
+            </a:schemeClr>
+          </a:lnRef>
+          <a:fillRef idx="1">
+            <a:schemeClr val="accent1"/>
+          </a:fillRef>
+          <a:effectRef idx="0">
+            <a:schemeClr val="accent1"/>
+          </a:effectRef>
+          <a:fontRef idx="minor">
+            <a:schemeClr val="lt1"/>
+          </a:fontRef>
+        </p:style>
+        <p:txBody>
+          <a:bodyPr rtlCol="0" anchor="ctr"/>
+          <a:p>
+            <a:pPr algn="ctr"/>
+            <a:endParaRPr lang="en-US"/>
+          </a:p>
+        </p:txBody>
+      </p:sp>
+      <p:cxnSp>
+        <p:nvCxnSpPr>
+          <p:cNvPr id="7" name="Straight Arrow Connector 6"/>
+          <p:cNvCxnSpPr/>
+          <p:nvPr/>
+        </p:nvCxnSpPr>
+        <p:spPr>
+          <a:xfrm>
+            <a:off x="3385820" y="1784985"/>
+            <a:ext cx="0" cy="474980"/>
+          </a:xfrm>
+          <a:prstGeom prst="straightConnector1">
+            <a:avLst/>
+          </a:prstGeom>
+          <a:ln w="28575">
+            <a:solidFill>
+              <a:schemeClr val="tx1"/>
+            </a:solidFill>
+            <a:tailEnd type="arrow"/>
+          </a:ln>
+        </p:spPr>
+        <p:style>
+          <a:lnRef idx="1">
+            <a:schemeClr val="accent1"/>
+          </a:lnRef>
+          <a:fillRef idx="0">
+            <a:schemeClr val="accent1"/>
+          </a:fillRef>
+          <a:effectRef idx="0">
+            <a:schemeClr val="accent1"/>
+          </a:effectRef>
+          <a:fontRef idx="minor">
+            <a:schemeClr val="tx1"/>
+          </a:fontRef>
+        </p:style>
+      </p:cxnSp>
+      <p:sp>
+        <p:nvSpPr>
+          <p:cNvPr id="8" name="Text Box 7"/>
+          <p:cNvSpPr txBox="true"/>
+          <p:nvPr/>
+        </p:nvSpPr>
+        <p:spPr>
+          <a:xfrm>
+            <a:off x="3163570" y="2259965"/>
+            <a:ext cx="1396365" cy="275590"/>
+          </a:xfrm>
+          <a:prstGeom prst="rect">
+            <a:avLst/>
+          </a:prstGeom>
+          <a:noFill/>
+        </p:spPr>
+        <p:txBody>
+          <a:bodyPr wrap="square" rtlCol="0">
+            <a:spAutoFit/>
+          </a:bodyPr>
+          <a:p>
+            <a:r>
+              <a:rPr lang="zh-CN" altLang="en-US" sz="1200" b="1" u="sng"/>
+              <a:t>解释器参数</a:t>
+            </a:r>
+            <a:endParaRPr lang="zh-CN" altLang="en-US" sz="1200" b="1" u="sng"/>
+          </a:p>
+        </p:txBody>
+      </p:sp>
+    </p:spTree>
+  </p:cSld>
+  <p:clrMapOvr>
+    <a:masterClrMapping/>
+  </p:clrMapOvr>
+</p:sld>
+</file>
+
+<file path=ppt/slides/slide22.xml><?xml version="1.0" encoding="utf-8"?>
+<p:sld xmlns:a="http://schemas.openxmlformats.org/drawingml/2006/main" xmlns:r="http://schemas.openxmlformats.org/officeDocument/2006/relationships" xmlns:p="http://schemas.openxmlformats.org/presentationml/2006/main">
+  <p:cSld>
+    <p:spTree>
+      <p:nvGrpSpPr>
+        <p:cNvPr id="1" name=""/>
+        <p:cNvGrpSpPr/>
+        <p:nvPr/>
+      </p:nvGrpSpPr>
+      <p:grpSpPr/>
+      <p:sp>
+        <p:nvSpPr>
+          <p:cNvPr id="2" name="Text Box 1"/>
+          <p:cNvSpPr txBox="true"/>
+          <p:nvPr/>
+        </p:nvSpPr>
+        <p:spPr>
+          <a:xfrm>
+            <a:off x="52705" y="51435"/>
+            <a:ext cx="4234180" cy="337185"/>
+          </a:xfrm>
+          <a:prstGeom prst="rect">
+            <a:avLst/>
+          </a:prstGeom>
+          <a:noFill/>
+        </p:spPr>
+        <p:txBody>
+          <a:bodyPr wrap="square" rtlCol="0">
+            <a:spAutoFit/>
+          </a:bodyPr>
+          <a:p>
+            <a:r>
+              <a:rPr lang="zh-CN" sz="1600" b="1">
+                <a:effectLst>
+                  <a:outerShdw blurRad="38100" dist="38100" dir="2700000" algn="tl">
+                    <a:srgbClr val="000000">
+                      <a:alpha val="43137"/>
+                    </a:srgbClr>
+                  </a:outerShdw>
+                </a:effectLst>
+              </a:rPr>
+              <a:t>解释器文件</a:t>
+            </a:r>
+            <a:endParaRPr lang="zh-CN" sz="1600" b="1">
+              <a:effectLst>
+                <a:outerShdw blurRad="38100" dist="38100" dir="2700000" algn="tl">
+                  <a:srgbClr val="000000">
+                    <a:alpha val="43137"/>
+                  </a:srgbClr>
+                </a:outerShdw>
+              </a:effectLst>
+            </a:endParaRPr>
+          </a:p>
+        </p:txBody>
+      </p:sp>
+      <p:pic>
+        <p:nvPicPr>
+          <p:cNvPr id="9" name="Picture 8" descr="shell执行命令原理"/>
+          <p:cNvPicPr>
+            <a:picLocks noChangeAspect="true"/>
+          </p:cNvPicPr>
+          <p:nvPr/>
+        </p:nvPicPr>
+        <p:blipFill>
+          <a:blip r:embed="rId1"/>
+          <a:stretch>
+            <a:fillRect/>
+          </a:stretch>
+        </p:blipFill>
+        <p:spPr>
+          <a:xfrm>
+            <a:off x="704850" y="753110"/>
+            <a:ext cx="10058400" cy="5213350"/>
+          </a:xfrm>
+          <a:prstGeom prst="rect">
+            <a:avLst/>
+          </a:prstGeom>
+        </p:spPr>
+      </p:pic>
+    </p:spTree>
+  </p:cSld>
+  <p:clrMapOvr>
+    <a:masterClrMapping/>
+  </p:clrMapOvr>
+</p:sld>
+</file>
+
+<file path=ppt/slides/slide23.xml><?xml version="1.0" encoding="utf-8"?>
+<p:sld xmlns:a="http://schemas.openxmlformats.org/drawingml/2006/main" xmlns:r="http://schemas.openxmlformats.org/officeDocument/2006/relationships" xmlns:p="http://schemas.openxmlformats.org/presentationml/2006/main">
+  <p:cSld>
+    <p:spTree>
+      <p:nvGrpSpPr>
+        <p:cNvPr id="1" name=""/>
+        <p:cNvGrpSpPr/>
+        <p:nvPr/>
+      </p:nvGrpSpPr>
+      <p:grpSpPr/>
+      <p:sp>
+        <p:nvSpPr>
+          <p:cNvPr id="2" name="Text Box 1"/>
+          <p:cNvSpPr txBox="true"/>
+          <p:nvPr/>
+        </p:nvSpPr>
+        <p:spPr>
+          <a:xfrm>
+            <a:off x="52705" y="51435"/>
+            <a:ext cx="4234180" cy="337185"/>
+          </a:xfrm>
+          <a:prstGeom prst="rect">
+            <a:avLst/>
+          </a:prstGeom>
+          <a:noFill/>
+        </p:spPr>
+        <p:txBody>
+          <a:bodyPr wrap="square" rtlCol="0">
+            <a:spAutoFit/>
+          </a:bodyPr>
+          <a:p>
+            <a:r>
+              <a:rPr lang="zh-CN" sz="1600" b="1">
+                <a:effectLst>
+                  <a:outerShdw blurRad="38100" dist="38100" dir="2700000" algn="tl">
+                    <a:srgbClr val="000000">
+                      <a:alpha val="43137"/>
+                    </a:srgbClr>
+                  </a:outerShdw>
+                </a:effectLst>
+              </a:rPr>
+              <a:t>解释器文件</a:t>
+            </a:r>
+            <a:endParaRPr lang="zh-CN" sz="1600" b="1">
+              <a:effectLst>
+                <a:outerShdw blurRad="38100" dist="38100" dir="2700000" algn="tl">
+                  <a:srgbClr val="000000">
+                    <a:alpha val="43137"/>
+                  </a:srgbClr>
+                </a:outerShdw>
+              </a:effectLst>
+            </a:endParaRPr>
+          </a:p>
+        </p:txBody>
+      </p:sp>
+      <p:sp>
+        <p:nvSpPr>
+          <p:cNvPr id="3" name="Rectangle 2"/>
+          <p:cNvSpPr/>
+          <p:nvPr/>
+        </p:nvSpPr>
+        <p:spPr>
+          <a:xfrm>
+            <a:off x="1570355" y="1569085"/>
+            <a:ext cx="914400" cy="215900"/>
+          </a:xfrm>
+          <a:prstGeom prst="rect">
+            <a:avLst/>
+          </a:prstGeom>
+          <a:noFill/>
+          <a:ln w="28575">
+            <a:solidFill>
+              <a:schemeClr val="tx1"/>
+            </a:solidFill>
+          </a:ln>
+          <a:extLst>
+            <a:ext uri="{909E8E84-426E-40DD-AFC4-6F175D3DCCD1}">
+              <a14:hiddenFill xmlns:a14="http://schemas.microsoft.com/office/drawing/2010/main">
+                <a:solidFill>
+                  <a:schemeClr val="accent1"/>
+                </a:solidFill>
+              </a14:hiddenFill>
+            </a:ext>
+          </a:extLst>
+        </p:spPr>
+        <p:style>
+          <a:lnRef idx="2">
+            <a:schemeClr val="accent1">
+              <a:shade val="50000"/>
+            </a:schemeClr>
+          </a:lnRef>
+          <a:fillRef idx="1">
+            <a:schemeClr val="accent1"/>
+          </a:fillRef>
+          <a:effectRef idx="0">
+            <a:schemeClr val="accent1"/>
+          </a:effectRef>
+          <a:fontRef idx="minor">
+            <a:schemeClr val="lt1"/>
+          </a:fontRef>
+        </p:style>
+        <p:txBody>
+          <a:bodyPr rtlCol="0" anchor="ctr"/>
+          <a:p>
+            <a:pPr algn="ctr"/>
+            <a:endParaRPr lang="en-US"/>
+          </a:p>
+        </p:txBody>
+      </p:sp>
+      <p:sp>
+        <p:nvSpPr>
+          <p:cNvPr id="4" name="Text Box 3"/>
+          <p:cNvSpPr txBox="true"/>
+          <p:nvPr/>
+        </p:nvSpPr>
+        <p:spPr>
+          <a:xfrm>
+            <a:off x="1329055" y="2259965"/>
+            <a:ext cx="1396365" cy="275590"/>
+          </a:xfrm>
+          <a:prstGeom prst="rect">
+            <a:avLst/>
+          </a:prstGeom>
+          <a:noFill/>
+        </p:spPr>
+        <p:txBody>
+          <a:bodyPr wrap="square" rtlCol="0">
+            <a:spAutoFit/>
+          </a:bodyPr>
+          <a:p>
+            <a:r>
+              <a:rPr lang="zh-CN" altLang="en-US" sz="1200" b="1" u="sng"/>
+              <a:t>解释器名称</a:t>
+            </a:r>
+            <a:endParaRPr lang="zh-CN" altLang="en-US" sz="1200" b="1" u="sng"/>
+          </a:p>
+        </p:txBody>
+      </p:sp>
+      <p:cxnSp>
+        <p:nvCxnSpPr>
+          <p:cNvPr id="5" name="Straight Arrow Connector 4"/>
+          <p:cNvCxnSpPr>
+            <a:stCxn id="3" idx="2"/>
+            <a:endCxn id="4" idx="0"/>
+          </p:cNvCxnSpPr>
+          <p:nvPr/>
+        </p:nvCxnSpPr>
+        <p:spPr>
+          <a:xfrm>
+            <a:off x="2027555" y="1784985"/>
+            <a:ext cx="0" cy="474980"/>
+          </a:xfrm>
+          <a:prstGeom prst="straightConnector1">
+            <a:avLst/>
+          </a:prstGeom>
+          <a:ln w="28575">
+            <a:solidFill>
+              <a:schemeClr val="tx1"/>
+            </a:solidFill>
+            <a:tailEnd type="arrow"/>
+          </a:ln>
+        </p:spPr>
+        <p:style>
+          <a:lnRef idx="1">
+            <a:schemeClr val="accent1"/>
+          </a:lnRef>
+          <a:fillRef idx="0">
+            <a:schemeClr val="accent1"/>
+          </a:fillRef>
+          <a:effectRef idx="0">
+            <a:schemeClr val="accent1"/>
+          </a:effectRef>
+          <a:fontRef idx="minor">
+            <a:schemeClr val="tx1"/>
+          </a:fontRef>
+        </p:style>
+      </p:cxnSp>
+      <p:sp>
+        <p:nvSpPr>
+          <p:cNvPr id="6" name="Rectangle 5"/>
+          <p:cNvSpPr/>
+          <p:nvPr/>
+        </p:nvSpPr>
+        <p:spPr>
+          <a:xfrm>
+            <a:off x="2484755" y="1569085"/>
+            <a:ext cx="1802130" cy="215900"/>
+          </a:xfrm>
+          <a:prstGeom prst="rect">
+            <a:avLst/>
+          </a:prstGeom>
+          <a:noFill/>
+          <a:ln w="28575">
+            <a:solidFill>
+              <a:schemeClr val="tx1"/>
+            </a:solidFill>
+          </a:ln>
+          <a:extLst>
+            <a:ext uri="{909E8E84-426E-40DD-AFC4-6F175D3DCCD1}">
+              <a14:hiddenFill xmlns:a14="http://schemas.microsoft.com/office/drawing/2010/main">
+                <a:solidFill>
+                  <a:schemeClr val="accent1"/>
+                </a:solidFill>
+              </a14:hiddenFill>
+            </a:ext>
+          </a:extLst>
+        </p:spPr>
+        <p:style>
+          <a:lnRef idx="2">
+            <a:schemeClr val="accent1">
+              <a:shade val="50000"/>
+            </a:schemeClr>
+          </a:lnRef>
+          <a:fillRef idx="1">
+            <a:schemeClr val="accent1"/>
+          </a:fillRef>
+          <a:effectRef idx="0">
+            <a:schemeClr val="accent1"/>
+          </a:effectRef>
+          <a:fontRef idx="minor">
+            <a:schemeClr val="lt1"/>
+          </a:fontRef>
+        </p:style>
+        <p:txBody>
+          <a:bodyPr rtlCol="0" anchor="ctr"/>
+          <a:p>
+            <a:pPr algn="ctr"/>
+            <a:endParaRPr lang="en-US"/>
+          </a:p>
+        </p:txBody>
+      </p:sp>
+      <p:cxnSp>
+        <p:nvCxnSpPr>
+          <p:cNvPr id="7" name="Straight Arrow Connector 6"/>
+          <p:cNvCxnSpPr/>
+          <p:nvPr/>
+        </p:nvCxnSpPr>
+        <p:spPr>
+          <a:xfrm>
+            <a:off x="3385820" y="1784985"/>
+            <a:ext cx="0" cy="474980"/>
+          </a:xfrm>
+          <a:prstGeom prst="straightConnector1">
+            <a:avLst/>
+          </a:prstGeom>
+          <a:ln w="28575">
+            <a:solidFill>
+              <a:schemeClr val="tx1"/>
+            </a:solidFill>
+            <a:tailEnd type="arrow"/>
+          </a:ln>
+        </p:spPr>
+        <p:style>
+          <a:lnRef idx="1">
+            <a:schemeClr val="accent1"/>
+          </a:lnRef>
+          <a:fillRef idx="0">
+            <a:schemeClr val="accent1"/>
+          </a:fillRef>
+          <a:effectRef idx="0">
+            <a:schemeClr val="accent1"/>
+          </a:effectRef>
+          <a:fontRef idx="minor">
+            <a:schemeClr val="tx1"/>
+          </a:fontRef>
+        </p:style>
+      </p:cxnSp>
+      <p:sp>
+        <p:nvSpPr>
+          <p:cNvPr id="8" name="Text Box 7"/>
+          <p:cNvSpPr txBox="true"/>
+          <p:nvPr/>
+        </p:nvSpPr>
+        <p:spPr>
+          <a:xfrm>
+            <a:off x="3163570" y="2259965"/>
+            <a:ext cx="1396365" cy="275590"/>
+          </a:xfrm>
+          <a:prstGeom prst="rect">
+            <a:avLst/>
+          </a:prstGeom>
+          <a:noFill/>
+        </p:spPr>
+        <p:txBody>
+          <a:bodyPr wrap="square" rtlCol="0">
+            <a:spAutoFit/>
+          </a:bodyPr>
+          <a:p>
+            <a:r>
+              <a:rPr lang="zh-CN" altLang="en-US" sz="1200" b="1" u="sng"/>
+              <a:t>解释器参数</a:t>
+            </a:r>
+            <a:endParaRPr lang="zh-CN" altLang="en-US" sz="1200" b="1" u="sng"/>
+          </a:p>
+        </p:txBody>
+      </p:sp>
+      <p:pic>
+        <p:nvPicPr>
+          <p:cNvPr id="12" name="Picture 11"/>
+          <p:cNvPicPr>
+            <a:picLocks noChangeAspect="true"/>
+          </p:cNvPicPr>
+          <p:nvPr/>
+        </p:nvPicPr>
+        <p:blipFill>
+          <a:blip r:embed="rId1"/>
+          <a:stretch>
+            <a:fillRect/>
+          </a:stretch>
+        </p:blipFill>
+        <p:spPr>
+          <a:xfrm>
+            <a:off x="387350" y="4448175"/>
+            <a:ext cx="5419725" cy="1552575"/>
+          </a:xfrm>
+          <a:prstGeom prst="rect">
+            <a:avLst/>
+          </a:prstGeom>
+        </p:spPr>
+      </p:pic>
+      <p:pic>
+        <p:nvPicPr>
+          <p:cNvPr id="13" name="Picture 12"/>
+          <p:cNvPicPr>
+            <a:picLocks noChangeAspect="true"/>
+          </p:cNvPicPr>
+          <p:nvPr/>
+        </p:nvPicPr>
+        <p:blipFill>
+          <a:blip r:embed="rId2"/>
+          <a:stretch>
+            <a:fillRect/>
+          </a:stretch>
+        </p:blipFill>
+        <p:spPr>
+          <a:xfrm>
+            <a:off x="222250" y="833755"/>
+            <a:ext cx="8022590" cy="3268345"/>
+          </a:xfrm>
+          <a:prstGeom prst="rect">
+            <a:avLst/>
+          </a:prstGeom>
+        </p:spPr>
+      </p:pic>
+    </p:spTree>
+  </p:cSld>
+  <p:clrMapOvr>
+    <a:masterClrMapping/>
+  </p:clrMapOvr>
+</p:sld>
+</file>
+
+<file path=ppt/slides/slide24.xml><?xml version="1.0" encoding="utf-8"?>
+<p:sld xmlns:a="http://schemas.openxmlformats.org/drawingml/2006/main" xmlns:r="http://schemas.openxmlformats.org/officeDocument/2006/relationships" xmlns:p="http://schemas.openxmlformats.org/presentationml/2006/main">
+  <p:cSld>
+    <p:spTree>
+      <p:nvGrpSpPr>
+        <p:cNvPr id="1" name=""/>
+        <p:cNvGrpSpPr/>
+        <p:nvPr/>
+      </p:nvGrpSpPr>
+      <p:grpSpPr/>
+      <p:sp>
+        <p:nvSpPr>
+          <p:cNvPr id="2" name="Text Box 1"/>
+          <p:cNvSpPr txBox="true"/>
+          <p:nvPr/>
+        </p:nvSpPr>
+        <p:spPr>
+          <a:xfrm>
+            <a:off x="52705" y="51435"/>
+            <a:ext cx="4234180" cy="337185"/>
+          </a:xfrm>
+          <a:prstGeom prst="rect">
+            <a:avLst/>
+          </a:prstGeom>
+          <a:noFill/>
+        </p:spPr>
+        <p:txBody>
+          <a:bodyPr wrap="square" rtlCol="0">
+            <a:spAutoFit/>
+          </a:bodyPr>
+          <a:p>
+            <a:r>
+              <a:rPr lang="zh-CN" sz="1600" b="1">
+                <a:effectLst>
+                  <a:outerShdw blurRad="38100" dist="38100" dir="2700000" algn="tl">
+                    <a:srgbClr val="000000">
+                      <a:alpha val="43137"/>
+                    </a:srgbClr>
+                  </a:outerShdw>
+                </a:effectLst>
+              </a:rPr>
+              <a:t>解释器文件</a:t>
+            </a:r>
+            <a:endParaRPr lang="zh-CN" sz="1600" b="1">
+              <a:effectLst>
+                <a:outerShdw blurRad="38100" dist="38100" dir="2700000" algn="tl">
+                  <a:srgbClr val="000000">
+                    <a:alpha val="43137"/>
+                  </a:srgbClr>
+                </a:outerShdw>
+              </a:effectLst>
+            </a:endParaRPr>
+          </a:p>
+        </p:txBody>
+      </p:sp>
+      <p:sp>
+        <p:nvSpPr>
+          <p:cNvPr id="10" name="Text Box 9"/>
+          <p:cNvSpPr txBox="true"/>
+          <p:nvPr/>
+        </p:nvSpPr>
+        <p:spPr>
+          <a:xfrm>
+            <a:off x="286385" y="1300480"/>
+            <a:ext cx="11456035" cy="1383665"/>
+          </a:xfrm>
+          <a:prstGeom prst="rect">
+            <a:avLst/>
+          </a:prstGeom>
+          <a:noFill/>
+        </p:spPr>
+        <p:txBody>
+          <a:bodyPr wrap="square" rtlCol="0">
+            <a:spAutoFit/>
+          </a:bodyPr>
+          <a:p>
+            <a:r>
+              <a:rPr lang="zh-CN" altLang="en-US" sz="1400" u="sng">
+                <a:latin typeface="Courier New" panose="02070309020205020404" charset="0"/>
+                <a:cs typeface="Courier New" panose="02070309020205020404" charset="0"/>
+              </a:rPr>
+              <a:t>缺点：解释器文件由内核识别，会造成内核的额外开销</a:t>
+            </a:r>
+            <a:endParaRPr lang="zh-CN" altLang="en-US" sz="1400" u="sng">
+              <a:latin typeface="Courier New" panose="02070309020205020404" charset="0"/>
+              <a:cs typeface="Courier New" panose="02070309020205020404" charset="0"/>
+            </a:endParaRPr>
+          </a:p>
+          <a:p>
+            <a:endParaRPr lang="zh-CN" altLang="en-US" sz="1400" u="sng">
+              <a:latin typeface="Courier New" panose="02070309020205020404" charset="0"/>
+              <a:cs typeface="Courier New" panose="02070309020205020404" charset="0"/>
+            </a:endParaRPr>
+          </a:p>
+          <a:p>
+            <a:r>
+              <a:rPr lang="zh-CN" altLang="en-US" sz="1400" u="sng">
+                <a:latin typeface="Courier New" panose="02070309020205020404" charset="0"/>
+                <a:cs typeface="Courier New" panose="02070309020205020404" charset="0"/>
+              </a:rPr>
+              <a:t>优点：</a:t>
+            </a:r>
+            <a:endParaRPr lang="zh-CN" altLang="en-US" sz="1400" u="sng">
+              <a:latin typeface="Courier New" panose="02070309020205020404" charset="0"/>
+              <a:cs typeface="Courier New" panose="02070309020205020404" charset="0"/>
+            </a:endParaRPr>
+          </a:p>
+          <a:p>
+            <a:r>
+              <a:rPr lang="en-US" altLang="zh-CN" sz="1400" u="sng">
+                <a:latin typeface="Courier New" panose="02070309020205020404" charset="0"/>
+                <a:cs typeface="Courier New" panose="02070309020205020404" charset="0"/>
+              </a:rPr>
+              <a:t>	1. </a:t>
+            </a:r>
+            <a:r>
+              <a:rPr lang="zh-CN" altLang="en-US" sz="1400" u="sng">
+                <a:latin typeface="Courier New" panose="02070309020205020404" charset="0"/>
+                <a:cs typeface="Courier New" panose="02070309020205020404" charset="0"/>
+              </a:rPr>
+              <a:t>解释器文件可以隐藏具体的语言细节，使得语言脚本被视为一个可执行程序</a:t>
+            </a:r>
+            <a:endParaRPr lang="zh-CN" altLang="en-US" sz="1400" u="sng">
+              <a:latin typeface="Courier New" panose="02070309020205020404" charset="0"/>
+              <a:cs typeface="Courier New" panose="02070309020205020404" charset="0"/>
+            </a:endParaRPr>
+          </a:p>
+          <a:p>
+            <a:r>
+              <a:rPr lang="en-US" altLang="zh-CN" sz="1400" u="sng">
+                <a:latin typeface="Courier New" panose="02070309020205020404" charset="0"/>
+                <a:cs typeface="Courier New" panose="02070309020205020404" charset="0"/>
+              </a:rPr>
+              <a:t>	2. </a:t>
+            </a:r>
+            <a:r>
+              <a:rPr lang="zh-CN" altLang="en-US" sz="1400" u="sng">
+                <a:latin typeface="Courier New" panose="02070309020205020404" charset="0"/>
+                <a:cs typeface="Courier New" panose="02070309020205020404" charset="0"/>
+              </a:rPr>
+              <a:t>用一个</a:t>
+            </a:r>
+            <a:r>
+              <a:rPr lang="" altLang="zh-CN" sz="1400" u="sng">
+                <a:latin typeface="Courier New" panose="02070309020205020404" charset="0"/>
+                <a:cs typeface="Courier New" panose="02070309020205020404" charset="0"/>
+              </a:rPr>
+              <a:t>shell</a:t>
+            </a:r>
+            <a:r>
+              <a:rPr lang="zh-CN" altLang="" sz="1400" u="sng">
+                <a:latin typeface="Courier New" panose="02070309020205020404" charset="0"/>
+                <a:cs typeface="Courier New" panose="02070309020205020404" charset="0"/>
+              </a:rPr>
+              <a:t>脚本替代解释器需要更多的开销</a:t>
+            </a:r>
+            <a:endParaRPr lang="zh-CN" altLang="" sz="1400" u="sng">
+              <a:latin typeface="Courier New" panose="02070309020205020404" charset="0"/>
+              <a:cs typeface="Courier New" panose="02070309020205020404" charset="0"/>
+            </a:endParaRPr>
+          </a:p>
+          <a:p>
+            <a:r>
+              <a:rPr lang="en-US" altLang="zh-CN" sz="1400" u="sng">
+                <a:latin typeface="Courier New" panose="02070309020205020404" charset="0"/>
+                <a:cs typeface="Courier New" panose="02070309020205020404" charset="0"/>
+              </a:rPr>
+              <a:t>	3</a:t>
+            </a:r>
+            <a:r>
+              <a:rPr lang="" altLang="en-US" sz="1400" u="sng">
+                <a:latin typeface="Courier New" panose="02070309020205020404" charset="0"/>
+                <a:cs typeface="Courier New" panose="02070309020205020404" charset="0"/>
+              </a:rPr>
+              <a:t>. </a:t>
+            </a:r>
+            <a:r>
+              <a:rPr lang="zh-CN" altLang="" sz="1400" u="sng">
+                <a:latin typeface="Courier New" panose="02070309020205020404" charset="0"/>
+                <a:cs typeface="Courier New" panose="02070309020205020404" charset="0"/>
+              </a:rPr>
+              <a:t>可以使用其他的</a:t>
+            </a:r>
+            <a:r>
+              <a:rPr lang="en-US" altLang="zh-CN" sz="1400" u="sng">
+                <a:latin typeface="Courier New" panose="02070309020205020404" charset="0"/>
+                <a:cs typeface="Courier New" panose="02070309020205020404" charset="0"/>
+              </a:rPr>
+              <a:t>shell</a:t>
+            </a:r>
+            <a:r>
+              <a:rPr lang="zh-CN" altLang="en-US" sz="1400" u="sng">
+                <a:latin typeface="Courier New" panose="02070309020205020404" charset="0"/>
+                <a:cs typeface="Courier New" panose="02070309020205020404" charset="0"/>
+              </a:rPr>
+              <a:t>完成任务</a:t>
+            </a:r>
+            <a:endParaRPr lang="zh-CN" altLang="en-US" sz="1400" u="sng">
+              <a:latin typeface="Courier New" panose="02070309020205020404" charset="0"/>
+              <a:cs typeface="Courier New" panose="02070309020205020404" charset="0"/>
+            </a:endParaRPr>
+          </a:p>
+        </p:txBody>
+      </p:sp>
+    </p:spTree>
+  </p:cSld>
+  <p:clrMapOvr>
+    <a:masterClrMapping/>
+  </p:clrMapOvr>
+</p:sld>
+</file>
+
+<file path=ppt/slides/slide25.xml><?xml version="1.0" encoding="utf-8"?>
+<p:sld xmlns:a="http://schemas.openxmlformats.org/drawingml/2006/main" xmlns:r="http://schemas.openxmlformats.org/officeDocument/2006/relationships" xmlns:p="http://schemas.openxmlformats.org/presentationml/2006/main">
+  <p:cSld>
+    <p:spTree>
+      <p:nvGrpSpPr>
+        <p:cNvPr id="1" name=""/>
+        <p:cNvGrpSpPr/>
+        <p:nvPr/>
+      </p:nvGrpSpPr>
+      <p:grpSpPr/>
+      <p:sp>
+        <p:nvSpPr>
+          <p:cNvPr id="2" name="Text Box 1"/>
+          <p:cNvSpPr txBox="true"/>
+          <p:nvPr/>
+        </p:nvSpPr>
+        <p:spPr>
+          <a:xfrm>
+            <a:off x="52705" y="51435"/>
+            <a:ext cx="4234180" cy="337185"/>
+          </a:xfrm>
+          <a:prstGeom prst="rect">
+            <a:avLst/>
+          </a:prstGeom>
+          <a:noFill/>
+        </p:spPr>
+        <p:txBody>
+          <a:bodyPr wrap="square" rtlCol="0">
+            <a:spAutoFit/>
+          </a:bodyPr>
+          <a:p>
+            <a:r>
+              <a:rPr lang="zh-CN" sz="1600" b="1">
+                <a:effectLst>
+                  <a:outerShdw blurRad="38100" dist="38100" dir="2700000" algn="tl">
+                    <a:srgbClr val="000000">
+                      <a:alpha val="43137"/>
+                    </a:srgbClr>
+                  </a:outerShdw>
+                </a:effectLst>
+              </a:rPr>
+              <a:t>函数</a:t>
+            </a:r>
+            <a:r>
+              <a:rPr lang="" altLang="zh-CN" sz="1600" b="1">
+                <a:effectLst>
+                  <a:outerShdw blurRad="38100" dist="38100" dir="2700000" algn="tl">
+                    <a:srgbClr val="000000">
+                      <a:alpha val="43137"/>
+                    </a:srgbClr>
+                  </a:outerShdw>
+                </a:effectLst>
+              </a:rPr>
+              <a:t>system</a:t>
+            </a:r>
+            <a:endParaRPr lang="" altLang="zh-CN" sz="1600" b="1">
+              <a:effectLst>
+                <a:outerShdw blurRad="38100" dist="38100" dir="2700000" algn="tl">
+                  <a:srgbClr val="000000">
+                    <a:alpha val="43137"/>
+                  </a:srgbClr>
+                </a:outerShdw>
+              </a:effectLst>
+            </a:endParaRPr>
+          </a:p>
+        </p:txBody>
+      </p:sp>
+      <p:sp>
+        <p:nvSpPr>
+          <p:cNvPr id="10" name="Text Box 9"/>
+          <p:cNvSpPr txBox="true"/>
+          <p:nvPr/>
+        </p:nvSpPr>
+        <p:spPr>
+          <a:xfrm>
+            <a:off x="286385" y="1300480"/>
+            <a:ext cx="11456035" cy="1814830"/>
+          </a:xfrm>
+          <a:prstGeom prst="rect">
+            <a:avLst/>
+          </a:prstGeom>
+          <a:noFill/>
+        </p:spPr>
+        <p:txBody>
+          <a:bodyPr wrap="square" rtlCol="0">
+            <a:spAutoFit/>
+          </a:bodyPr>
+          <a:p>
+            <a:r>
+              <a:rPr lang="" altLang="zh-CN" sz="1400" u="sng">
+                <a:latin typeface="Courier New" panose="02070309020205020404" charset="0"/>
+                <a:cs typeface="Courier New" panose="02070309020205020404" charset="0"/>
+              </a:rPr>
+              <a:t>int system(const char *cmdstring)</a:t>
+            </a:r>
+            <a:endParaRPr lang="" altLang="zh-CN" sz="1400" u="sng">
+              <a:latin typeface="Courier New" panose="02070309020205020404" charset="0"/>
+              <a:cs typeface="Courier New" panose="02070309020205020404" charset="0"/>
+            </a:endParaRPr>
+          </a:p>
+          <a:p>
+            <a:r>
+              <a:rPr lang="" altLang="zh-CN" sz="1400" u="sng">
+                <a:latin typeface="Courier New" panose="02070309020205020404" charset="0"/>
+                <a:cs typeface="Courier New" panose="02070309020205020404" charset="0"/>
+              </a:rPr>
+              <a:t>	</a:t>
+            </a:r>
+            <a:endParaRPr lang="" altLang="zh-CN" sz="1400" u="sng">
+              <a:latin typeface="Courier New" panose="02070309020205020404" charset="0"/>
+              <a:cs typeface="Courier New" panose="02070309020205020404" charset="0"/>
+            </a:endParaRPr>
+          </a:p>
+          <a:p>
+            <a:r>
+              <a:rPr lang="" altLang="zh-CN" sz="1400" u="sng">
+                <a:latin typeface="Courier New" panose="02070309020205020404" charset="0"/>
+                <a:cs typeface="Courier New" panose="02070309020205020404" charset="0"/>
+              </a:rPr>
+              <a:t>	if cmdstring is NULL, </a:t>
+            </a:r>
+            <a:r>
+              <a:rPr lang="en-US" altLang="" sz="1400" u="sng">
+                <a:latin typeface="Courier New" panose="02070309020205020404" charset="0"/>
+                <a:cs typeface="Courier New" panose="02070309020205020404" charset="0"/>
+              </a:rPr>
+              <a:t>return</a:t>
+            </a:r>
+            <a:r>
+              <a:rPr lang="" altLang="en-US" sz="1400" u="sng">
+                <a:latin typeface="Courier New" panose="02070309020205020404" charset="0"/>
+                <a:cs typeface="Courier New" panose="02070309020205020404" charset="0"/>
+              </a:rPr>
+              <a:t> !0 when the system function is useful in this system</a:t>
+            </a:r>
+            <a:endParaRPr lang="" altLang="en-US" sz="1400" u="sng">
+              <a:latin typeface="Courier New" panose="02070309020205020404" charset="0"/>
+              <a:cs typeface="Courier New" panose="02070309020205020404" charset="0"/>
+            </a:endParaRPr>
+          </a:p>
+          <a:p>
+            <a:r>
+              <a:rPr lang="" altLang="en-US" sz="1400" u="sng">
+                <a:latin typeface="Courier New" panose="02070309020205020404" charset="0"/>
+                <a:cs typeface="Courier New" panose="02070309020205020404" charset="0"/>
+              </a:rPr>
+              <a:t>	</a:t>
+            </a:r>
+            <a:endParaRPr lang="" altLang="en-US" sz="1400" u="sng">
+              <a:latin typeface="Courier New" panose="02070309020205020404" charset="0"/>
+              <a:cs typeface="Courier New" panose="02070309020205020404" charset="0"/>
+            </a:endParaRPr>
+          </a:p>
+          <a:p>
+            <a:r>
+              <a:rPr lang="" altLang="en-US" sz="1400" u="sng">
+                <a:latin typeface="Courier New" panose="02070309020205020404" charset="0"/>
+                <a:cs typeface="Courier New" panose="02070309020205020404" charset="0"/>
+              </a:rPr>
+              <a:t>	system </a:t>
+            </a:r>
+            <a:r>
+              <a:rPr lang="zh-CN" altLang="" sz="1400" u="sng">
+                <a:latin typeface="Courier New" panose="02070309020205020404" charset="0"/>
+                <a:cs typeface="Courier New" panose="02070309020205020404" charset="0"/>
+              </a:rPr>
+              <a:t>在实现中调用了</a:t>
+            </a:r>
+            <a:r>
+              <a:rPr lang="" altLang="zh-CN" sz="1400" u="sng">
+                <a:latin typeface="Courier New" panose="02070309020205020404" charset="0"/>
+                <a:cs typeface="Courier New" panose="02070309020205020404" charset="0"/>
+              </a:rPr>
+              <a:t>fork, exec, waitpid</a:t>
+            </a:r>
+            <a:r>
+              <a:rPr lang="zh-CN" altLang="" sz="1400" u="sng">
+                <a:latin typeface="Courier New" panose="02070309020205020404" charset="0"/>
+                <a:cs typeface="Courier New" panose="02070309020205020404" charset="0"/>
+              </a:rPr>
+              <a:t>，其返回值如下：</a:t>
+            </a:r>
+            <a:endParaRPr lang="zh-CN" altLang="" sz="1400" u="sng">
+              <a:latin typeface="Courier New" panose="02070309020205020404" charset="0"/>
+              <a:cs typeface="Courier New" panose="02070309020205020404" charset="0"/>
+            </a:endParaRPr>
+          </a:p>
+          <a:p>
+            <a:r>
+              <a:rPr lang="en-US" altLang="zh-CN" sz="1400" u="sng">
+                <a:latin typeface="Courier New" panose="02070309020205020404" charset="0"/>
+                <a:cs typeface="Courier New" panose="02070309020205020404" charset="0"/>
+              </a:rPr>
+              <a:t>	fork</a:t>
+            </a:r>
+            <a:r>
+              <a:rPr lang="zh-CN" altLang="en-US" sz="1400" u="sng">
+                <a:latin typeface="Courier New" panose="02070309020205020404" charset="0"/>
+                <a:cs typeface="Courier New" panose="02070309020205020404" charset="0"/>
+              </a:rPr>
+              <a:t>失败，或者</a:t>
+            </a:r>
+            <a:r>
+              <a:rPr lang="en-US" altLang="zh-CN" sz="1400" u="sng">
+                <a:latin typeface="Courier New" panose="02070309020205020404" charset="0"/>
+                <a:cs typeface="Courier New" panose="02070309020205020404" charset="0"/>
+              </a:rPr>
+              <a:t>waitpid</a:t>
+            </a:r>
+            <a:r>
+              <a:rPr lang="zh-CN" altLang="en-US" sz="1400" u="sng">
+                <a:latin typeface="Courier New" panose="02070309020205020404" charset="0"/>
+                <a:cs typeface="Courier New" panose="02070309020205020404" charset="0"/>
+              </a:rPr>
+              <a:t>返回处</a:t>
+            </a:r>
+            <a:r>
+              <a:rPr lang="en-US" altLang="zh-CN" sz="1400" u="sng">
+                <a:latin typeface="Courier New" panose="02070309020205020404" charset="0"/>
+                <a:cs typeface="Courier New" panose="02070309020205020404" charset="0"/>
+              </a:rPr>
+              <a:t>EINTR</a:t>
+            </a:r>
+            <a:r>
+              <a:rPr lang="zh-CN" altLang="en-US" sz="1400" u="sng">
+                <a:latin typeface="Courier New" panose="02070309020205020404" charset="0"/>
+                <a:cs typeface="Courier New" panose="02070309020205020404" charset="0"/>
+              </a:rPr>
+              <a:t>之外的错误，</a:t>
+            </a:r>
+            <a:r>
+              <a:rPr lang="en-US" altLang="zh-CN" sz="1400" u="sng">
+                <a:latin typeface="Courier New" panose="02070309020205020404" charset="0"/>
+                <a:cs typeface="Courier New" panose="02070309020205020404" charset="0"/>
+              </a:rPr>
+              <a:t>system</a:t>
+            </a:r>
+            <a:r>
+              <a:rPr lang="zh-CN" altLang="en-US" sz="1400" u="sng">
+                <a:latin typeface="Courier New" panose="02070309020205020404" charset="0"/>
+                <a:cs typeface="Courier New" panose="02070309020205020404" charset="0"/>
+              </a:rPr>
+              <a:t>返回</a:t>
+            </a:r>
+            <a:r>
+              <a:rPr lang="en-US" altLang="zh-CN" sz="1400" u="sng">
+                <a:latin typeface="Courier New" panose="02070309020205020404" charset="0"/>
+                <a:cs typeface="Courier New" panose="02070309020205020404" charset="0"/>
+              </a:rPr>
+              <a:t>-1</a:t>
+            </a:r>
+            <a:r>
+              <a:rPr lang="zh-CN" altLang="en-US" sz="1400" u="sng">
+                <a:latin typeface="Courier New" panose="02070309020205020404" charset="0"/>
+                <a:cs typeface="Courier New" panose="02070309020205020404" charset="0"/>
+              </a:rPr>
+              <a:t>，并且设置</a:t>
+            </a:r>
+            <a:r>
+              <a:rPr lang="en-US" altLang="zh-CN" sz="1400" u="sng">
+                <a:latin typeface="Courier New" panose="02070309020205020404" charset="0"/>
+                <a:cs typeface="Courier New" panose="02070309020205020404" charset="0"/>
+              </a:rPr>
+              <a:t>errno</a:t>
+            </a:r>
+            <a:endParaRPr lang="en-US" altLang="zh-CN" sz="1400" u="sng">
+              <a:latin typeface="Courier New" panose="02070309020205020404" charset="0"/>
+              <a:cs typeface="Courier New" panose="02070309020205020404" charset="0"/>
+            </a:endParaRPr>
+          </a:p>
+          <a:p>
+            <a:r>
+              <a:rPr lang="en-US" altLang="zh-CN" sz="1400" u="sng">
+                <a:latin typeface="Courier New" panose="02070309020205020404" charset="0"/>
+                <a:cs typeface="Courier New" panose="02070309020205020404" charset="0"/>
+              </a:rPr>
+              <a:t>	exec</a:t>
+            </a:r>
+            <a:r>
+              <a:rPr lang="zh-CN" altLang="en-US" sz="1400" u="sng">
+                <a:latin typeface="Courier New" panose="02070309020205020404" charset="0"/>
+                <a:cs typeface="Courier New" panose="02070309020205020404" charset="0"/>
+              </a:rPr>
+              <a:t>失败</a:t>
+            </a:r>
+            <a:r>
+              <a:rPr lang="" altLang="zh-CN" sz="1400" u="sng">
+                <a:latin typeface="Courier New" panose="02070309020205020404" charset="0"/>
+                <a:cs typeface="Courier New" panose="02070309020205020404" charset="0"/>
+              </a:rPr>
+              <a:t>(</a:t>
+            </a:r>
+            <a:r>
+              <a:rPr lang="zh-CN" altLang="" sz="1400" u="sng">
+                <a:latin typeface="Courier New" panose="02070309020205020404" charset="0"/>
+                <a:cs typeface="Courier New" panose="02070309020205020404" charset="0"/>
+              </a:rPr>
+              <a:t>该命令不能执行</a:t>
+            </a:r>
+            <a:r>
+              <a:rPr lang="" altLang="zh-CN" sz="1400" u="sng">
+                <a:latin typeface="Courier New" panose="02070309020205020404" charset="0"/>
+                <a:cs typeface="Courier New" panose="02070309020205020404" charset="0"/>
+              </a:rPr>
+              <a:t>)</a:t>
+            </a:r>
+            <a:r>
+              <a:rPr lang="zh-CN" altLang="en-US" sz="1400" u="sng">
+                <a:latin typeface="Courier New" panose="02070309020205020404" charset="0"/>
+                <a:cs typeface="Courier New" panose="02070309020205020404" charset="0"/>
+              </a:rPr>
+              <a:t>，返回值如同</a:t>
+            </a:r>
+            <a:r>
+              <a:rPr lang="en-US" altLang="zh-CN" sz="1400" u="sng">
+                <a:latin typeface="Courier New" panose="02070309020205020404" charset="0"/>
+                <a:cs typeface="Courier New" panose="02070309020205020404" charset="0"/>
+              </a:rPr>
+              <a:t>shell</a:t>
+            </a:r>
+            <a:r>
+              <a:rPr lang="zh-CN" altLang="en-US" sz="1400" u="sng">
+                <a:latin typeface="Courier New" panose="02070309020205020404" charset="0"/>
+                <a:cs typeface="Courier New" panose="02070309020205020404" charset="0"/>
+              </a:rPr>
+              <a:t>执行了</a:t>
+            </a:r>
+            <a:r>
+              <a:rPr lang="" altLang="zh-CN" sz="1400" u="sng">
+                <a:latin typeface="Courier New" panose="02070309020205020404" charset="0"/>
+                <a:cs typeface="Courier New" panose="02070309020205020404" charset="0"/>
+              </a:rPr>
+              <a:t>exit(127)</a:t>
+            </a:r>
+            <a:endParaRPr lang="" altLang="en-US" sz="1400" u="sng">
+              <a:latin typeface="Courier New" panose="02070309020205020404" charset="0"/>
+              <a:cs typeface="Courier New" panose="02070309020205020404" charset="0"/>
+            </a:endParaRPr>
+          </a:p>
+          <a:p>
+            <a:r>
+              <a:rPr lang="en-US" altLang="" sz="1400" u="sng">
+                <a:latin typeface="Courier New" panose="02070309020205020404" charset="0"/>
+                <a:cs typeface="Courier New" panose="02070309020205020404" charset="0"/>
+              </a:rPr>
+              <a:t>	</a:t>
+            </a:r>
+            <a:r>
+              <a:rPr lang="zh-CN" altLang="en-US" sz="1400" u="sng">
+                <a:latin typeface="Courier New" panose="02070309020205020404" charset="0"/>
+                <a:cs typeface="Courier New" panose="02070309020205020404" charset="0"/>
+              </a:rPr>
+              <a:t>成功返回</a:t>
+            </a:r>
+            <a:r>
+              <a:rPr lang="en-US" altLang="zh-CN" sz="1400" u="sng">
+                <a:latin typeface="Courier New" panose="02070309020205020404" charset="0"/>
+                <a:cs typeface="Courier New" panose="02070309020205020404" charset="0"/>
+              </a:rPr>
+              <a:t>shell</a:t>
+            </a:r>
+            <a:r>
+              <a:rPr lang="zh-CN" altLang="en-US" sz="1400" u="sng">
+                <a:latin typeface="Courier New" panose="02070309020205020404" charset="0"/>
+                <a:cs typeface="Courier New" panose="02070309020205020404" charset="0"/>
+              </a:rPr>
+              <a:t>的终止状态</a:t>
+            </a:r>
+            <a:endParaRPr lang="zh-CN" altLang="en-US" sz="1400" u="sng">
+              <a:latin typeface="Courier New" panose="02070309020205020404" charset="0"/>
+              <a:cs typeface="Courier New" panose="02070309020205020404" charset="0"/>
+            </a:endParaRPr>
+          </a:p>
+        </p:txBody>
+      </p:sp>
+      <p:pic>
+        <p:nvPicPr>
+          <p:cNvPr id="3" name="Picture 2"/>
+          <p:cNvPicPr>
+            <a:picLocks noChangeAspect="true"/>
+          </p:cNvPicPr>
+          <p:nvPr/>
+        </p:nvPicPr>
+        <p:blipFill>
+          <a:blip r:embed="rId1"/>
+          <a:stretch>
+            <a:fillRect/>
+          </a:stretch>
+        </p:blipFill>
+        <p:spPr>
+          <a:xfrm>
+            <a:off x="6874510" y="2726690"/>
+            <a:ext cx="3849370" cy="4065270"/>
+          </a:xfrm>
+          <a:prstGeom prst="rect">
+            <a:avLst/>
+          </a:prstGeom>
+        </p:spPr>
+      </p:pic>
+    </p:spTree>
+  </p:cSld>
+  <p:clrMapOvr>
+    <a:masterClrMapping/>
+  </p:clrMapOvr>
+</p:sld>
+</file>
+
+<file path=ppt/slides/slide26.xml><?xml version="1.0" encoding="utf-8"?>
+<p:sld xmlns:a="http://schemas.openxmlformats.org/drawingml/2006/main" xmlns:r="http://schemas.openxmlformats.org/officeDocument/2006/relationships" xmlns:p="http://schemas.openxmlformats.org/presentationml/2006/main">
+  <p:cSld>
+    <p:spTree>
+      <p:nvGrpSpPr>
+        <p:cNvPr id="1" name=""/>
+        <p:cNvGrpSpPr/>
+        <p:nvPr/>
+      </p:nvGrpSpPr>
+      <p:grpSpPr/>
+      <p:sp>
+        <p:nvSpPr>
+          <p:cNvPr id="2" name="Text Box 1"/>
+          <p:cNvSpPr txBox="true"/>
+          <p:nvPr/>
+        </p:nvSpPr>
+        <p:spPr>
+          <a:xfrm>
+            <a:off x="52705" y="51435"/>
+            <a:ext cx="4234180" cy="337185"/>
+          </a:xfrm>
+          <a:prstGeom prst="rect">
+            <a:avLst/>
+          </a:prstGeom>
+          <a:noFill/>
+        </p:spPr>
+        <p:txBody>
+          <a:bodyPr wrap="square" rtlCol="0">
+            <a:spAutoFit/>
+          </a:bodyPr>
+          <a:p>
+            <a:r>
+              <a:rPr lang="zh-CN" sz="1600" b="1">
+                <a:effectLst>
+                  <a:outerShdw blurRad="38100" dist="38100" dir="2700000" algn="tl">
+                    <a:srgbClr val="000000">
+                      <a:alpha val="43137"/>
+                    </a:srgbClr>
+                  </a:outerShdw>
+                </a:effectLst>
+              </a:rPr>
+              <a:t>用户标识</a:t>
+            </a:r>
+            <a:endParaRPr lang="zh-CN" sz="1600" b="1">
+              <a:effectLst>
+                <a:outerShdw blurRad="38100" dist="38100" dir="2700000" algn="tl">
+                  <a:srgbClr val="000000">
+                    <a:alpha val="43137"/>
+                  </a:srgbClr>
+                </a:outerShdw>
+              </a:effectLst>
+            </a:endParaRPr>
+          </a:p>
+        </p:txBody>
+      </p:sp>
+      <p:sp>
+        <p:nvSpPr>
+          <p:cNvPr id="10" name="Text Box 9"/>
+          <p:cNvSpPr txBox="true"/>
+          <p:nvPr/>
+        </p:nvSpPr>
+        <p:spPr>
+          <a:xfrm>
+            <a:off x="528320" y="1257300"/>
+            <a:ext cx="11456035" cy="521970"/>
+          </a:xfrm>
+          <a:prstGeom prst="rect">
+            <a:avLst/>
+          </a:prstGeom>
+          <a:noFill/>
+        </p:spPr>
+        <p:txBody>
+          <a:bodyPr wrap="square" rtlCol="0">
+            <a:spAutoFit/>
+          </a:bodyPr>
+          <a:p>
+            <a:r>
+              <a:rPr lang="en-US" altLang="zh-CN" sz="1400" u="sng">
+                <a:latin typeface="Courier New" panose="02070309020205020404" charset="0"/>
+                <a:cs typeface="Courier New" panose="02070309020205020404" charset="0"/>
+              </a:rPr>
+              <a:t>char</a:t>
+            </a:r>
+            <a:r>
+              <a:rPr lang="" altLang="en-US" sz="1400" u="sng">
+                <a:latin typeface="Courier New" panose="02070309020205020404" charset="0"/>
+                <a:cs typeface="Courier New" panose="02070309020205020404" charset="0"/>
+              </a:rPr>
+              <a:t> *getlogin(void)</a:t>
+            </a:r>
+            <a:endParaRPr lang="" altLang="en-US" sz="1400" u="sng">
+              <a:latin typeface="Courier New" panose="02070309020205020404" charset="0"/>
+              <a:cs typeface="Courier New" panose="02070309020205020404" charset="0"/>
+            </a:endParaRPr>
+          </a:p>
+          <a:p>
+            <a:r>
+              <a:rPr lang="" altLang="en-US" sz="1400" u="sng">
+                <a:latin typeface="Courier New" panose="02070309020205020404" charset="0"/>
+                <a:cs typeface="Courier New" panose="02070309020205020404" charset="0"/>
+              </a:rPr>
+              <a:t>	</a:t>
+            </a:r>
+            <a:r>
+              <a:rPr lang="zh-CN" altLang="" sz="1400" u="sng">
+                <a:latin typeface="Courier New" panose="02070309020205020404" charset="0"/>
+                <a:cs typeface="Courier New" panose="02070309020205020404" charset="0"/>
+              </a:rPr>
+              <a:t>成功，返回指向登录名字符串的指针，出错，返回</a:t>
+            </a:r>
+            <a:r>
+              <a:rPr lang="en-US" altLang="zh-CN" sz="1400" u="sng">
+                <a:latin typeface="Courier New" panose="02070309020205020404" charset="0"/>
+                <a:cs typeface="Courier New" panose="02070309020205020404" charset="0"/>
+              </a:rPr>
+              <a:t>NULL</a:t>
+            </a:r>
+            <a:endParaRPr lang="en-US" altLang="zh-CN" sz="1400" u="sng">
+              <a:latin typeface="Courier New" panose="02070309020205020404" charset="0"/>
+              <a:cs typeface="Courier New" panose="02070309020205020404" charset="0"/>
+            </a:endParaRPr>
+          </a:p>
+        </p:txBody>
+      </p:sp>
+    </p:spTree>
+  </p:cSld>
+  <p:clrMapOvr>
+    <a:masterClrMapping/>
+  </p:clrMapOvr>
+</p:sld>
+</file>
+
+<file path=ppt/slides/slide27.xml><?xml version="1.0" encoding="utf-8"?>
+<p:sld xmlns:a="http://schemas.openxmlformats.org/drawingml/2006/main" xmlns:r="http://schemas.openxmlformats.org/officeDocument/2006/relationships" xmlns:p="http://schemas.openxmlformats.org/presentationml/2006/main">
+  <p:cSld>
+    <p:spTree>
+      <p:nvGrpSpPr>
+        <p:cNvPr id="1" name=""/>
+        <p:cNvGrpSpPr/>
+        <p:nvPr/>
+      </p:nvGrpSpPr>
+      <p:grpSpPr/>
+      <p:sp>
+        <p:nvSpPr>
+          <p:cNvPr id="2" name="Text Box 1"/>
+          <p:cNvSpPr txBox="true"/>
+          <p:nvPr/>
+        </p:nvSpPr>
+        <p:spPr>
+          <a:xfrm>
+            <a:off x="52705" y="51435"/>
+            <a:ext cx="4234180" cy="337185"/>
+          </a:xfrm>
+          <a:prstGeom prst="rect">
+            <a:avLst/>
+          </a:prstGeom>
+          <a:noFill/>
+        </p:spPr>
+        <p:txBody>
+          <a:bodyPr wrap="square" rtlCol="0">
+            <a:spAutoFit/>
+          </a:bodyPr>
+          <a:p>
+            <a:r>
+              <a:rPr lang="zh-CN" sz="1600" b="1">
+                <a:effectLst>
+                  <a:outerShdw blurRad="38100" dist="38100" dir="2700000" algn="tl">
+                    <a:srgbClr val="000000">
+                      <a:alpha val="43137"/>
+                    </a:srgbClr>
+                  </a:outerShdw>
+                </a:effectLst>
+              </a:rPr>
+              <a:t>进程调度</a:t>
+            </a:r>
+            <a:endParaRPr lang="zh-CN" sz="1600" b="1">
+              <a:effectLst>
+                <a:outerShdw blurRad="38100" dist="38100" dir="2700000" algn="tl">
+                  <a:srgbClr val="000000">
+                    <a:alpha val="43137"/>
+                  </a:srgbClr>
+                </a:outerShdw>
+              </a:effectLst>
+            </a:endParaRPr>
+          </a:p>
+        </p:txBody>
+      </p:sp>
+      <p:sp>
+        <p:nvSpPr>
+          <p:cNvPr id="10" name="Text Box 9"/>
+          <p:cNvSpPr txBox="true"/>
+          <p:nvPr/>
+        </p:nvSpPr>
+        <p:spPr>
+          <a:xfrm>
+            <a:off x="528320" y="1257300"/>
+            <a:ext cx="11456035" cy="4184650"/>
+          </a:xfrm>
+          <a:prstGeom prst="rect">
+            <a:avLst/>
+          </a:prstGeom>
+          <a:noFill/>
+        </p:spPr>
+        <p:txBody>
+          <a:bodyPr wrap="square" rtlCol="0">
+            <a:spAutoFit/>
+          </a:bodyPr>
+          <a:p>
+            <a:r>
+              <a:rPr lang="zh-CN" altLang="en-US" sz="1400" u="sng">
+                <a:latin typeface="Courier New" panose="02070309020205020404" charset="0"/>
+                <a:cs typeface="Courier New" panose="02070309020205020404" charset="0"/>
+              </a:rPr>
+              <a:t>友好值：</a:t>
+            </a:r>
+            <a:endParaRPr lang="zh-CN" altLang="en-US" sz="1400" u="sng">
+              <a:latin typeface="Courier New" panose="02070309020205020404" charset="0"/>
+              <a:cs typeface="Courier New" panose="02070309020205020404" charset="0"/>
+            </a:endParaRPr>
+          </a:p>
+          <a:p>
+            <a:r>
+              <a:rPr lang="en-US" altLang="zh-CN" sz="1400" u="sng">
+                <a:latin typeface="Courier New" panose="02070309020205020404" charset="0"/>
+                <a:cs typeface="Courier New" panose="02070309020205020404" charset="0"/>
+              </a:rPr>
+              <a:t>	</a:t>
+            </a:r>
+            <a:r>
+              <a:rPr lang="zh-CN" altLang="en-US" sz="1400" u="sng">
+                <a:latin typeface="Courier New" panose="02070309020205020404" charset="0"/>
+                <a:cs typeface="Courier New" panose="02070309020205020404" charset="0"/>
+              </a:rPr>
+              <a:t>友好值代表一个进程对其他进程的友好程度，友好值越大，代表越能容忍其他进程先抢占</a:t>
+            </a:r>
+            <a:r>
+              <a:rPr lang="en-US" altLang="zh-CN" sz="1400" u="sng">
+                <a:latin typeface="Courier New" panose="02070309020205020404" charset="0"/>
+                <a:cs typeface="Courier New" panose="02070309020205020404" charset="0"/>
+              </a:rPr>
+              <a:t>CPU</a:t>
+            </a:r>
+            <a:r>
+              <a:rPr lang="zh-CN" altLang="en-US" sz="1400" u="sng">
+                <a:latin typeface="Courier New" panose="02070309020205020404" charset="0"/>
+                <a:cs typeface="Courier New" panose="02070309020205020404" charset="0"/>
+              </a:rPr>
+              <a:t>，及本身的优先级越低</a:t>
+            </a:r>
+            <a:endParaRPr lang="zh-CN" altLang="en-US" sz="1400" u="sng">
+              <a:latin typeface="Courier New" panose="02070309020205020404" charset="0"/>
+              <a:cs typeface="Courier New" panose="02070309020205020404" charset="0"/>
+            </a:endParaRPr>
+          </a:p>
+          <a:p>
+            <a:r>
+              <a:rPr lang="en-US" altLang="zh-CN" sz="1400" u="sng">
+                <a:latin typeface="Courier New" panose="02070309020205020404" charset="0"/>
+                <a:cs typeface="Courier New" panose="02070309020205020404" charset="0"/>
+              </a:rPr>
+              <a:t>	</a:t>
+            </a:r>
+            <a:r>
+              <a:rPr lang="zh-CN" altLang="en-US" sz="1400" u="sng">
+                <a:latin typeface="Courier New" panose="02070309020205020404" charset="0"/>
+                <a:cs typeface="Courier New" panose="02070309020205020404" charset="0"/>
+              </a:rPr>
+              <a:t>友好值取值范围</a:t>
+            </a:r>
+            <a:r>
+              <a:rPr lang="" altLang="zh-CN" sz="1400" u="sng">
+                <a:latin typeface="Courier New" panose="02070309020205020404" charset="0"/>
+                <a:cs typeface="Courier New" panose="02070309020205020404" charset="0"/>
+              </a:rPr>
+              <a:t>[-NZERO, NZERO-1], NZERO</a:t>
+            </a:r>
+            <a:r>
+              <a:rPr lang="zh-CN" altLang="" sz="1400" u="sng">
+                <a:latin typeface="Courier New" panose="02070309020205020404" charset="0"/>
+                <a:cs typeface="Courier New" panose="02070309020205020404" charset="0"/>
+              </a:rPr>
+              <a:t>是系统默认的友好值</a:t>
+            </a:r>
+            <a:r>
+              <a:rPr lang="" altLang="zh-CN" sz="1400" u="sng">
+                <a:latin typeface="Courier New" panose="02070309020205020404" charset="0"/>
+                <a:cs typeface="Courier New" panose="02070309020205020404" charset="0"/>
+              </a:rPr>
+              <a:t> </a:t>
+            </a:r>
+            <a:r>
+              <a:rPr lang="zh-CN" altLang="" sz="1400" u="sng">
+                <a:latin typeface="Courier New" panose="02070309020205020404" charset="0"/>
+                <a:cs typeface="Courier New" panose="02070309020205020404" charset="0"/>
+              </a:rPr>
+              <a:t>可以通过</a:t>
+            </a:r>
+            <a:r>
+              <a:rPr lang="" altLang="zh-CN" sz="1400" u="sng">
+                <a:latin typeface="Courier New" panose="02070309020205020404" charset="0"/>
+                <a:cs typeface="Courier New" panose="02070309020205020404" charset="0"/>
+              </a:rPr>
+              <a:t>sysconf(_SC_NZERO)</a:t>
+            </a:r>
+            <a:r>
+              <a:rPr lang="zh-CN" altLang="" sz="1400" u="sng">
+                <a:latin typeface="Courier New" panose="02070309020205020404" charset="0"/>
+                <a:cs typeface="Courier New" panose="02070309020205020404" charset="0"/>
+              </a:rPr>
+              <a:t>获取，</a:t>
+            </a:r>
+            <a:r>
+              <a:rPr lang="en-US" altLang="zh-CN" sz="1400" u="sng">
+                <a:latin typeface="Courier New" panose="02070309020205020404" charset="0"/>
+                <a:cs typeface="Courier New" panose="02070309020205020404" charset="0"/>
+              </a:rPr>
+              <a:t>LINUX</a:t>
+            </a:r>
+            <a:r>
+              <a:rPr lang="zh-CN" altLang="en-US" sz="1400" u="sng">
+                <a:latin typeface="Courier New" panose="02070309020205020404" charset="0"/>
+                <a:cs typeface="Courier New" panose="02070309020205020404" charset="0"/>
+              </a:rPr>
+              <a:t>为</a:t>
+            </a:r>
+            <a:r>
+              <a:rPr lang="en-US" altLang="zh-CN" sz="1400" u="sng">
+                <a:latin typeface="Courier New" panose="02070309020205020404" charset="0"/>
+                <a:cs typeface="Courier New" panose="02070309020205020404" charset="0"/>
+              </a:rPr>
+              <a:t>20</a:t>
+            </a:r>
+            <a:endParaRPr lang="" altLang="zh-CN" sz="1400" u="sng">
+              <a:latin typeface="Courier New" panose="02070309020205020404" charset="0"/>
+              <a:cs typeface="Courier New" panose="02070309020205020404" charset="0"/>
+            </a:endParaRPr>
+          </a:p>
+          <a:p>
+            <a:r>
+              <a:rPr lang="" altLang="zh-CN" sz="1400" u="sng">
+                <a:latin typeface="Courier New" panose="02070309020205020404" charset="0"/>
+                <a:cs typeface="Courier New" panose="02070309020205020404" charset="0"/>
+              </a:rPr>
+              <a:t>	</a:t>
+            </a:r>
+            <a:endParaRPr lang="" altLang="zh-CN" sz="1400" u="sng">
+              <a:latin typeface="Courier New" panose="02070309020205020404" charset="0"/>
+              <a:cs typeface="Courier New" panose="02070309020205020404" charset="0"/>
+            </a:endParaRPr>
+          </a:p>
+          <a:p>
+            <a:endParaRPr lang="en-US" altLang="" sz="1400" u="sng">
+              <a:latin typeface="Courier New" panose="02070309020205020404" charset="0"/>
+              <a:cs typeface="Courier New" panose="02070309020205020404" charset="0"/>
+            </a:endParaRPr>
+          </a:p>
+          <a:p>
+            <a:endParaRPr lang="en-US" altLang="" sz="1400" u="sng">
+              <a:latin typeface="Courier New" panose="02070309020205020404" charset="0"/>
+              <a:cs typeface="Courier New" panose="02070309020205020404" charset="0"/>
+            </a:endParaRPr>
+          </a:p>
+          <a:p>
+            <a:endParaRPr lang="en-US" altLang="" sz="1400" u="sng">
+              <a:latin typeface="Courier New" panose="02070309020205020404" charset="0"/>
+              <a:cs typeface="Courier New" panose="02070309020205020404" charset="0"/>
+            </a:endParaRPr>
+          </a:p>
+          <a:p>
+            <a:r>
+              <a:rPr lang="en-US" altLang="" sz="1400" u="sng">
+                <a:latin typeface="Courier New" panose="02070309020205020404" charset="0"/>
+                <a:cs typeface="Courier New" panose="02070309020205020404" charset="0"/>
+              </a:rPr>
+              <a:t>int</a:t>
+            </a:r>
+            <a:r>
+              <a:rPr lang="" altLang="en-US" sz="1400" u="sng">
+                <a:latin typeface="Courier New" panose="02070309020205020404" charset="0"/>
+                <a:cs typeface="Courier New" panose="02070309020205020404" charset="0"/>
+              </a:rPr>
+              <a:t> nice(int incr); //</a:t>
+            </a:r>
+            <a:r>
+              <a:rPr lang="zh-CN" altLang="" sz="1400" u="sng">
+                <a:latin typeface="Courier New" panose="02070309020205020404" charset="0"/>
+                <a:cs typeface="Courier New" panose="02070309020205020404" charset="0"/>
+              </a:rPr>
+              <a:t>将</a:t>
+            </a:r>
+            <a:r>
+              <a:rPr lang="en-US" altLang="zh-CN" sz="1400" u="sng">
+                <a:latin typeface="Courier New" panose="02070309020205020404" charset="0"/>
+                <a:cs typeface="Courier New" panose="02070309020205020404" charset="0"/>
+              </a:rPr>
+              <a:t>incr</a:t>
+            </a:r>
+            <a:r>
+              <a:rPr lang="zh-CN" altLang="en-US" sz="1400" u="sng">
+                <a:latin typeface="Courier New" panose="02070309020205020404" charset="0"/>
+                <a:cs typeface="Courier New" panose="02070309020205020404" charset="0"/>
+              </a:rPr>
+              <a:t>加在原始的友好值上面</a:t>
+            </a:r>
+            <a:endParaRPr lang="" altLang="en-US" sz="1400" u="sng">
+              <a:latin typeface="Courier New" panose="02070309020205020404" charset="0"/>
+              <a:cs typeface="Courier New" panose="02070309020205020404" charset="0"/>
+            </a:endParaRPr>
+          </a:p>
+          <a:p>
+            <a:r>
+              <a:rPr lang="" altLang="en-US" sz="1400" u="sng">
+                <a:latin typeface="Courier New" panose="02070309020205020404" charset="0"/>
+                <a:cs typeface="Courier New" panose="02070309020205020404" charset="0"/>
+              </a:rPr>
+              <a:t>	</a:t>
+            </a:r>
+            <a:r>
+              <a:rPr lang="zh-CN" altLang="" sz="1400" u="sng">
+                <a:latin typeface="Courier New" panose="02070309020205020404" charset="0"/>
+                <a:cs typeface="Courier New" panose="02070309020205020404" charset="0"/>
+              </a:rPr>
+              <a:t>成功，返回新的友好值，出错，返回</a:t>
+            </a:r>
+            <a:r>
+              <a:rPr lang="" altLang="zh-CN" sz="1400" u="sng">
+                <a:latin typeface="Courier New" panose="02070309020205020404" charset="0"/>
+                <a:cs typeface="Courier New" panose="02070309020205020404" charset="0"/>
+              </a:rPr>
+              <a:t>-1</a:t>
+            </a:r>
+            <a:endParaRPr lang="" altLang="zh-CN" sz="1400" u="sng">
+              <a:latin typeface="Courier New" panose="02070309020205020404" charset="0"/>
+              <a:cs typeface="Courier New" panose="02070309020205020404" charset="0"/>
+            </a:endParaRPr>
+          </a:p>
+          <a:p>
+            <a:endParaRPr lang="" altLang="zh-CN" sz="1400" u="sng">
+              <a:latin typeface="Courier New" panose="02070309020205020404" charset="0"/>
+              <a:cs typeface="Courier New" panose="02070309020205020404" charset="0"/>
+            </a:endParaRPr>
+          </a:p>
+          <a:p>
+            <a:endParaRPr lang="" altLang="zh-CN" sz="1400" u="sng">
+              <a:latin typeface="Courier New" panose="02070309020205020404" charset="0"/>
+              <a:cs typeface="Courier New" panose="02070309020205020404" charset="0"/>
+            </a:endParaRPr>
+          </a:p>
+          <a:p>
+            <a:r>
+              <a:rPr lang="" altLang="zh-CN" sz="1400" u="sng">
+                <a:latin typeface="Courier New" panose="02070309020205020404" charset="0"/>
+                <a:cs typeface="Courier New" panose="02070309020205020404" charset="0"/>
+              </a:rPr>
+              <a:t>int getpriority(int which, id_t who);</a:t>
+            </a:r>
+            <a:endParaRPr lang="" altLang="zh-CN" sz="1400" u="sng">
+              <a:latin typeface="Courier New" panose="02070309020205020404" charset="0"/>
+              <a:cs typeface="Courier New" panose="02070309020205020404" charset="0"/>
+            </a:endParaRPr>
+          </a:p>
+          <a:p>
+            <a:r>
+              <a:rPr lang="" altLang="zh-CN" sz="1400" u="sng">
+                <a:latin typeface="Courier New" panose="02070309020205020404" charset="0"/>
+                <a:cs typeface="Courier New" panose="02070309020205020404" charset="0"/>
+              </a:rPr>
+              <a:t>	</a:t>
+            </a:r>
+            <a:r>
+              <a:rPr lang="zh-CN" altLang="" sz="1400" u="sng">
+                <a:latin typeface="Courier New" panose="02070309020205020404" charset="0"/>
+                <a:cs typeface="Courier New" panose="02070309020205020404" charset="0"/>
+              </a:rPr>
+              <a:t>成功，返回友好值，出错，返回</a:t>
+            </a:r>
+            <a:r>
+              <a:rPr lang="en-US" altLang="zh-CN" sz="1400" u="sng">
+                <a:latin typeface="Courier New" panose="02070309020205020404" charset="0"/>
+                <a:cs typeface="Courier New" panose="02070309020205020404" charset="0"/>
+              </a:rPr>
+              <a:t>-1</a:t>
+            </a:r>
+            <a:endParaRPr lang="" altLang="zh-CN" sz="1400" u="sng">
+              <a:latin typeface="Courier New" panose="02070309020205020404" charset="0"/>
+              <a:cs typeface="Courier New" panose="02070309020205020404" charset="0"/>
+            </a:endParaRPr>
+          </a:p>
+          <a:p>
+            <a:endParaRPr lang="" altLang="zh-CN" sz="1400" u="sng">
+              <a:latin typeface="Courier New" panose="02070309020205020404" charset="0"/>
+              <a:cs typeface="Courier New" panose="02070309020205020404" charset="0"/>
+            </a:endParaRPr>
+          </a:p>
+          <a:p>
+            <a:r>
+              <a:rPr lang="en-US" altLang="" sz="1400" u="sng">
+                <a:latin typeface="Courier New" panose="02070309020205020404" charset="0"/>
+                <a:cs typeface="Courier New" panose="02070309020205020404" charset="0"/>
+              </a:rPr>
+              <a:t>int</a:t>
+            </a:r>
+            <a:r>
+              <a:rPr lang="" altLang="en-US" sz="1400" u="sng">
+                <a:latin typeface="Courier New" panose="02070309020205020404" charset="0"/>
+                <a:cs typeface="Courier New" panose="02070309020205020404" charset="0"/>
+              </a:rPr>
+              <a:t> setpriority(int which, id_t who, int value);</a:t>
+            </a:r>
+            <a:endParaRPr lang="" altLang="en-US" sz="1400" u="sng">
+              <a:latin typeface="Courier New" panose="02070309020205020404" charset="0"/>
+              <a:cs typeface="Courier New" panose="02070309020205020404" charset="0"/>
+            </a:endParaRPr>
+          </a:p>
+          <a:p>
+            <a:r>
+              <a:rPr lang="" altLang="en-US" sz="1400" u="sng">
+                <a:latin typeface="Courier New" panose="02070309020205020404" charset="0"/>
+                <a:cs typeface="Courier New" panose="02070309020205020404" charset="0"/>
+              </a:rPr>
+              <a:t>	</a:t>
+            </a:r>
+            <a:r>
+              <a:rPr lang="zh-CN" altLang="" sz="1400" u="sng">
+                <a:latin typeface="Courier New" panose="02070309020205020404" charset="0"/>
+                <a:cs typeface="Courier New" panose="02070309020205020404" charset="0"/>
+              </a:rPr>
+              <a:t>成功，返回</a:t>
+            </a:r>
+            <a:r>
+              <a:rPr lang="" altLang="zh-CN" sz="1400" u="sng">
+                <a:latin typeface="Courier New" panose="02070309020205020404" charset="0"/>
+                <a:cs typeface="Courier New" panose="02070309020205020404" charset="0"/>
+              </a:rPr>
+              <a:t>0,</a:t>
+            </a:r>
+            <a:r>
+              <a:rPr lang="en-US" altLang="" sz="1400" u="sng">
+                <a:latin typeface="Courier New" panose="02070309020205020404" charset="0"/>
+                <a:cs typeface="Courier New" panose="02070309020205020404" charset="0"/>
+              </a:rPr>
+              <a:t> </a:t>
+            </a:r>
+            <a:r>
+              <a:rPr lang="zh-CN" altLang="" sz="1400" u="sng">
+                <a:latin typeface="Courier New" panose="02070309020205020404" charset="0"/>
+                <a:cs typeface="Courier New" panose="02070309020205020404" charset="0"/>
+              </a:rPr>
+              <a:t>出错，返回</a:t>
+            </a:r>
+            <a:r>
+              <a:rPr lang="en-US" altLang="zh-CN" sz="1400" u="sng">
+                <a:latin typeface="Courier New" panose="02070309020205020404" charset="0"/>
+                <a:cs typeface="Courier New" panose="02070309020205020404" charset="0"/>
+              </a:rPr>
+              <a:t>-1</a:t>
+            </a:r>
+            <a:endParaRPr lang="" altLang="zh-CN" sz="1400" u="sng">
+              <a:latin typeface="Courier New" panose="02070309020205020404" charset="0"/>
+              <a:cs typeface="Courier New" panose="02070309020205020404" charset="0"/>
+            </a:endParaRPr>
+          </a:p>
+          <a:p>
+            <a:endParaRPr lang="" altLang="zh-CN" sz="1400" u="sng">
+              <a:latin typeface="Courier New" panose="02070309020205020404" charset="0"/>
+              <a:cs typeface="Courier New" panose="02070309020205020404" charset="0"/>
+            </a:endParaRPr>
+          </a:p>
+          <a:p>
+            <a:endParaRPr lang="" altLang="zh-CN" sz="1400" u="sng">
+              <a:latin typeface="Courier New" panose="02070309020205020404" charset="0"/>
+              <a:cs typeface="Courier New" panose="02070309020205020404" charset="0"/>
+            </a:endParaRPr>
+          </a:p>
+          <a:p>
+            <a:r>
+              <a:rPr lang="zh-CN" altLang="" sz="1400" u="sng">
+                <a:latin typeface="Courier New" panose="02070309020205020404" charset="0"/>
+                <a:cs typeface="Courier New" panose="02070309020205020404" charset="0"/>
+              </a:rPr>
+              <a:t>友好值在调用</a:t>
+            </a:r>
+            <a:r>
+              <a:rPr lang="en-US" altLang="zh-CN" sz="1400" u="sng">
+                <a:latin typeface="Courier New" panose="02070309020205020404" charset="0"/>
+                <a:cs typeface="Courier New" panose="02070309020205020404" charset="0"/>
+              </a:rPr>
+              <a:t>exec</a:t>
+            </a:r>
+            <a:r>
+              <a:rPr lang="zh-CN" altLang="en-US" sz="1400" u="sng">
+                <a:latin typeface="Courier New" panose="02070309020205020404" charset="0"/>
+                <a:cs typeface="Courier New" panose="02070309020205020404" charset="0"/>
+              </a:rPr>
+              <a:t>后保持，在</a:t>
+            </a:r>
+            <a:r>
+              <a:rPr lang="" altLang="zh-CN" sz="1400" u="sng">
+                <a:latin typeface="Courier New" panose="02070309020205020404" charset="0"/>
+                <a:cs typeface="Courier New" panose="02070309020205020404" charset="0"/>
+              </a:rPr>
+              <a:t>fork</a:t>
+            </a:r>
+            <a:r>
+              <a:rPr lang="zh-CN" altLang="" sz="1400" u="sng">
+                <a:latin typeface="Courier New" panose="02070309020205020404" charset="0"/>
+                <a:cs typeface="Courier New" panose="02070309020205020404" charset="0"/>
+              </a:rPr>
+              <a:t>之后是否保持取决于实现</a:t>
+            </a:r>
+            <a:endParaRPr lang="zh-CN" altLang="" sz="1400" u="sng">
+              <a:latin typeface="Courier New" panose="02070309020205020404" charset="0"/>
+              <a:cs typeface="Courier New" panose="02070309020205020404" charset="0"/>
+            </a:endParaRPr>
+          </a:p>
+        </p:txBody>
+      </p:sp>
+      <p:pic>
+        <p:nvPicPr>
+          <p:cNvPr id="3" name="Picture 2"/>
+          <p:cNvPicPr>
+            <a:picLocks noChangeAspect="true"/>
+          </p:cNvPicPr>
+          <p:nvPr/>
+        </p:nvPicPr>
+        <p:blipFill>
+          <a:blip r:embed="rId1"/>
+          <a:stretch>
+            <a:fillRect/>
+          </a:stretch>
+        </p:blipFill>
+        <p:spPr>
+          <a:xfrm>
+            <a:off x="1559560" y="1972310"/>
+            <a:ext cx="6276975" cy="238125"/>
+          </a:xfrm>
+          <a:prstGeom prst="rect">
+            <a:avLst/>
+          </a:prstGeom>
+        </p:spPr>
+      </p:pic>
+    </p:spTree>
+  </p:cSld>
+  <p:clrMapOvr>
+    <a:masterClrMapping/>
+  </p:clrMapOvr>
+</p:sld>
+</file>
+
+<file path=ppt/slides/slide28.xml><?xml version="1.0" encoding="utf-8"?>
+<p:sld xmlns:a="http://schemas.openxmlformats.org/drawingml/2006/main" xmlns:r="http://schemas.openxmlformats.org/officeDocument/2006/relationships" xmlns:p="http://schemas.openxmlformats.org/presentationml/2006/main">
+  <p:cSld>
+    <p:spTree>
+      <p:nvGrpSpPr>
+        <p:cNvPr id="1" name=""/>
+        <p:cNvGrpSpPr/>
+        <p:nvPr/>
+      </p:nvGrpSpPr>
+      <p:grpSpPr/>
+      <p:sp>
+        <p:nvSpPr>
+          <p:cNvPr id="2" name="Text Box 1"/>
+          <p:cNvSpPr txBox="true"/>
+          <p:nvPr/>
+        </p:nvSpPr>
+        <p:spPr>
+          <a:xfrm>
+            <a:off x="52705" y="51435"/>
+            <a:ext cx="4234180" cy="337185"/>
+          </a:xfrm>
+          <a:prstGeom prst="rect">
+            <a:avLst/>
+          </a:prstGeom>
+          <a:noFill/>
+        </p:spPr>
+        <p:txBody>
+          <a:bodyPr wrap="square" rtlCol="0">
+            <a:spAutoFit/>
+          </a:bodyPr>
+          <a:p>
+            <a:r>
+              <a:rPr lang="zh-CN" sz="1600" b="1">
+                <a:effectLst>
+                  <a:outerShdw blurRad="38100" dist="38100" dir="2700000" algn="tl">
+                    <a:srgbClr val="000000">
+                      <a:alpha val="43137"/>
+                    </a:srgbClr>
+                  </a:outerShdw>
+                </a:effectLst>
+              </a:rPr>
+              <a:t>进程时间</a:t>
+            </a:r>
+            <a:endParaRPr lang="zh-CN" sz="1600" b="1">
+              <a:effectLst>
+                <a:outerShdw blurRad="38100" dist="38100" dir="2700000" algn="tl">
+                  <a:srgbClr val="000000">
+                    <a:alpha val="43137"/>
+                  </a:srgbClr>
+                </a:outerShdw>
+              </a:effectLst>
+            </a:endParaRPr>
+          </a:p>
+        </p:txBody>
+      </p:sp>
+      <p:sp>
+        <p:nvSpPr>
+          <p:cNvPr id="10" name="Text Box 9"/>
+          <p:cNvSpPr txBox="true"/>
+          <p:nvPr/>
+        </p:nvSpPr>
+        <p:spPr>
+          <a:xfrm>
+            <a:off x="528320" y="1257300"/>
+            <a:ext cx="11456035" cy="521970"/>
+          </a:xfrm>
+          <a:prstGeom prst="rect">
+            <a:avLst/>
+          </a:prstGeom>
+          <a:noFill/>
+        </p:spPr>
+        <p:txBody>
+          <a:bodyPr wrap="square" rtlCol="0">
+            <a:spAutoFit/>
+          </a:bodyPr>
+          <a:p>
+            <a:r>
+              <a:rPr lang="en-US" altLang="zh-CN" sz="1400" u="sng">
+                <a:latin typeface="Courier New" panose="02070309020205020404" charset="0"/>
+                <a:cs typeface="Courier New" panose="02070309020205020404" charset="0"/>
+              </a:rPr>
+              <a:t>clock</a:t>
+            </a:r>
+            <a:r>
+              <a:rPr lang="" altLang="en-US" sz="1400" u="sng">
+                <a:latin typeface="Courier New" panose="02070309020205020404" charset="0"/>
+                <a:cs typeface="Courier New" panose="02070309020205020404" charset="0"/>
+              </a:rPr>
+              <a:t>_t times(struct tms *buf); </a:t>
+            </a:r>
+            <a:endParaRPr lang="" altLang="en-US" sz="1400" u="sng">
+              <a:latin typeface="Courier New" panose="02070309020205020404" charset="0"/>
+              <a:cs typeface="Courier New" panose="02070309020205020404" charset="0"/>
+            </a:endParaRPr>
+          </a:p>
+          <a:p>
+            <a:r>
+              <a:rPr lang="" altLang="en-US" sz="1400" u="sng">
+                <a:latin typeface="Courier New" panose="02070309020205020404" charset="0"/>
+                <a:cs typeface="Courier New" panose="02070309020205020404" charset="0"/>
+              </a:rPr>
+              <a:t>	</a:t>
+            </a:r>
+            <a:r>
+              <a:rPr lang="zh-CN" altLang="" sz="1400" u="sng">
+                <a:latin typeface="Courier New" panose="02070309020205020404" charset="0"/>
+                <a:cs typeface="Courier New" panose="02070309020205020404" charset="0"/>
+              </a:rPr>
+              <a:t>成功，返回墙上时钟时间，出错，返回</a:t>
+            </a:r>
+            <a:r>
+              <a:rPr lang="en-US" altLang="zh-CN" sz="1400" u="sng">
+                <a:latin typeface="Courier New" panose="02070309020205020404" charset="0"/>
+                <a:cs typeface="Courier New" panose="02070309020205020404" charset="0"/>
+              </a:rPr>
+              <a:t>-1</a:t>
+            </a:r>
+            <a:endParaRPr lang="en-US" altLang="zh-CN" sz="1400" u="sng">
+              <a:latin typeface="Courier New" panose="02070309020205020404" charset="0"/>
+              <a:cs typeface="Courier New" panose="02070309020205020404" charset="0"/>
+            </a:endParaRPr>
+          </a:p>
+        </p:txBody>
+      </p:sp>
+      <p:pic>
+        <p:nvPicPr>
+          <p:cNvPr id="4" name="Picture 3"/>
+          <p:cNvPicPr>
+            <a:picLocks noChangeAspect="true"/>
+          </p:cNvPicPr>
+          <p:nvPr/>
+        </p:nvPicPr>
+        <p:blipFill>
+          <a:blip r:embed="rId1"/>
+          <a:stretch>
+            <a:fillRect/>
+          </a:stretch>
+        </p:blipFill>
+        <p:spPr>
+          <a:xfrm>
+            <a:off x="698500" y="3396615"/>
+            <a:ext cx="4876800" cy="1238250"/>
           </a:xfrm>
           <a:prstGeom prst="rect">
             <a:avLst/>

--- a/进程控制.pptx
+++ b/进程控制.pptx
@@ -3608,7 +3608,7 @@
               <a:t>进程回收</a:t>
             </a:r>
             <a:r>
-              <a:rPr lang="" altLang="zh-CN" sz="1600" b="1">
+              <a:rPr lang="en-US" altLang="zh-CN" sz="1600" b="1">
                 <a:effectLst>
                   <a:outerShdw blurRad="38100" dist="38100" dir="2700000" algn="tl">
                     <a:srgbClr val="000000">
@@ -3619,7 +3619,7 @@
               </a:rPr>
               <a:t>_wait</a:t>
             </a:r>
-            <a:endParaRPr lang="" altLang="zh-CN" sz="1600" b="1">
+            <a:endParaRPr lang="en-US" altLang="zh-CN" sz="1600" b="1">
               <a:effectLst>
                 <a:outerShdw blurRad="38100" dist="38100" dir="2700000" algn="tl">
                   <a:srgbClr val="000000">
@@ -3653,27 +3653,27 @@
           </a:bodyPr>
           <a:p>
             <a:r>
-              <a:rPr lang="zh-CN" altLang="" sz="1400" u="sng">
+              <a:rPr lang="zh-CN" altLang="en-US" sz="1400" u="sng">
                 <a:latin typeface="Courier New" panose="02070309020205020404" charset="0"/>
                 <a:cs typeface="Courier New" panose="02070309020205020404" charset="0"/>
               </a:rPr>
               <a:t>如何从终止状态</a:t>
             </a:r>
             <a:r>
-              <a:rPr lang="" altLang="zh-CN" sz="1400" u="sng">
+              <a:rPr lang="en-US" altLang="zh-CN" sz="1400" u="sng">
                 <a:latin typeface="Courier New" panose="02070309020205020404" charset="0"/>
                 <a:cs typeface="Courier New" panose="02070309020205020404" charset="0"/>
               </a:rPr>
               <a:t>status</a:t>
             </a:r>
             <a:r>
-              <a:rPr lang="zh-CN" altLang="" sz="1400" u="sng">
+              <a:rPr lang="zh-CN" altLang="en-US" sz="1400" u="sng">
                 <a:latin typeface="Courier New" panose="02070309020205020404" charset="0"/>
                 <a:cs typeface="Courier New" panose="02070309020205020404" charset="0"/>
               </a:rPr>
               <a:t>中获取到所需要的信息？</a:t>
             </a:r>
-            <a:endParaRPr lang="zh-CN" altLang="" sz="1400" u="sng">
+            <a:endParaRPr lang="zh-CN" altLang="en-US" sz="1400" u="sng">
               <a:latin typeface="Courier New" panose="02070309020205020404" charset="0"/>
               <a:cs typeface="Courier New" panose="02070309020205020404" charset="0"/>
             </a:endParaRPr>
@@ -3720,10 +3720,10 @@
               <a:t>wa</a:t>
             </a:r>
             <a:r>
-              <a:rPr lang="" altLang="en-US"/>
+              <a:rPr lang="en-US" altLang="en-US"/>
               <a:t>it(&amp;status)</a:t>
             </a:r>
-            <a:endParaRPr lang="" altLang="en-US"/>
+            <a:endParaRPr lang="en-US" altLang="en-US"/>
           </a:p>
         </p:txBody>
       </p:sp>
@@ -3763,10 +3763,10 @@
           <a:p>
             <a:pPr algn="ctr"/>
             <a:r>
-              <a:rPr lang="" altLang="zh-CN" sz="1200"/>
+              <a:rPr lang="en-US" altLang="zh-CN" sz="1200"/>
               <a:t>WEXITSTATUS(status)</a:t>
             </a:r>
-            <a:endParaRPr lang="" altLang="zh-CN" sz="1200"/>
+            <a:endParaRPr lang="en-US" altLang="zh-CN" sz="1200"/>
           </a:p>
         </p:txBody>
       </p:sp>
@@ -3806,10 +3806,10 @@
           <a:p>
             <a:pPr algn="ctr"/>
             <a:r>
-              <a:rPr lang="" altLang="zh-CN" sz="1400"/>
+              <a:rPr lang="en-US" altLang="zh-CN" sz="1400"/>
               <a:t>WIFEXITED(status)</a:t>
             </a:r>
-            <a:endParaRPr lang="" altLang="zh-CN" sz="1400"/>
+            <a:endParaRPr lang="en-US" altLang="zh-CN" sz="1400"/>
           </a:p>
         </p:txBody>
       </p:sp>
@@ -4043,7 +4043,7 @@
               <a:t>W</a:t>
             </a:r>
             <a:r>
-              <a:rPr lang="" altLang="en-US" sz="1200"/>
+              <a:rPr lang="en-US" altLang="en-US" sz="1200"/>
               <a:t>IFSIGNALED</a:t>
             </a:r>
             <a:r>
@@ -4166,7 +4166,7 @@
           <a:p>
             <a:pPr algn="ctr"/>
             <a:r>
-              <a:rPr lang="" altLang="en-US" sz="1200"/>
+              <a:rPr lang="en-US" altLang="en-US" sz="1200"/>
               <a:t>WTERMSIG</a:t>
             </a:r>
             <a:r>
@@ -4250,7 +4250,7 @@
               <a:t>WI</a:t>
             </a:r>
             <a:r>
-              <a:rPr lang="" altLang="en-US" sz="1200"/>
+              <a:rPr lang="en-US" altLang="en-US" sz="1200"/>
               <a:t>FSTOPPED</a:t>
             </a:r>
             <a:r>
@@ -4377,7 +4377,7 @@
               <a:t>W</a:t>
             </a:r>
             <a:r>
-              <a:rPr lang="" altLang="en-US" sz="1200"/>
+              <a:rPr lang="en-US" altLang="en-US" sz="1200"/>
               <a:t>STOPSIG</a:t>
             </a:r>
             <a:r>
@@ -4462,11 +4462,7 @@
             </a:r>
             <a:r>
               <a:rPr lang="en-US" altLang="en-US" sz="1200"/>
-              <a:t>F</a:t>
-            </a:r>
-            <a:r>
-              <a:rPr lang="" altLang="en-US" sz="1200"/>
-              <a:t>CONTINUED</a:t>
+              <a:t>FCONTINUED</a:t>
             </a:r>
             <a:r>
               <a:rPr lang="en-US" altLang="zh-CN" sz="1200"/>
@@ -4540,7 +4536,7 @@
               <a:t>_wait</a:t>
             </a:r>
             <a:r>
-              <a:rPr lang="" altLang="en-US" sz="1600" b="1">
+              <a:rPr lang="en-US" altLang="en-US" sz="1600" b="1">
                 <a:effectLst>
                   <a:outerShdw blurRad="38100" dist="38100" dir="2700000" algn="tl">
                     <a:srgbClr val="000000">
@@ -4551,7 +4547,7 @@
               </a:rPr>
               <a:t>id</a:t>
             </a:r>
-            <a:endParaRPr lang="" altLang="en-US" sz="1600" b="1">
+            <a:endParaRPr lang="en-US" altLang="en-US" sz="1600" b="1">
               <a:effectLst>
                 <a:outerShdw blurRad="38100" dist="38100" dir="2700000" algn="tl">
                   <a:srgbClr val="000000">
@@ -4562,7 +4558,7 @@
             </a:endParaRPr>
           </a:p>
           <a:p>
-            <a:endParaRPr lang="" altLang="en-US" sz="1600" b="1">
+            <a:endParaRPr lang="en-US" altLang="en-US" sz="1600" b="1">
               <a:effectLst>
                 <a:outerShdw blurRad="38100" dist="38100" dir="2700000" algn="tl">
                   <a:srgbClr val="000000">
@@ -4574,7 +4570,7 @@
           </a:p>
           <a:p>
             <a:r>
-              <a:rPr lang="en-US" altLang="" sz="1600" b="1">
+              <a:rPr lang="en-US" altLang="en-US" sz="1600" b="1">
                 <a:effectLst>
                   <a:outerShdw blurRad="38100" dist="38100" dir="2700000" algn="tl">
                     <a:srgbClr val="000000">
@@ -4631,41 +4627,41 @@
           </a:bodyPr>
           <a:p>
             <a:r>
-              <a:rPr lang="" altLang="en-US" sz="1400" u="sng">
+              <a:rPr lang="en-US" altLang="en-US" sz="1400" u="sng">
                 <a:latin typeface="Courier New" panose="02070309020205020404" charset="0"/>
                 <a:cs typeface="Courier New" panose="02070309020205020404" charset="0"/>
               </a:rPr>
               <a:t>int waitid(idtype_t idype, id_t id, siginfo_t *info, int options)</a:t>
             </a:r>
-            <a:endParaRPr lang="" altLang="en-US" sz="1400" u="sng">
-              <a:latin typeface="Courier New" panose="02070309020205020404" charset="0"/>
-              <a:cs typeface="Courier New" panose="02070309020205020404" charset="0"/>
-            </a:endParaRPr>
-          </a:p>
-          <a:p>
-            <a:r>
-              <a:rPr lang="" altLang="en-US" sz="1400" u="sng">
+            <a:endParaRPr lang="en-US" altLang="en-US" sz="1400" u="sng">
+              <a:latin typeface="Courier New" panose="02070309020205020404" charset="0"/>
+              <a:cs typeface="Courier New" panose="02070309020205020404" charset="0"/>
+            </a:endParaRPr>
+          </a:p>
+          <a:p>
+            <a:r>
+              <a:rPr lang="en-US" altLang="en-US" sz="1400" u="sng">
                 <a:latin typeface="Courier New" panose="02070309020205020404" charset="0"/>
                 <a:cs typeface="Courier New" panose="02070309020205020404" charset="0"/>
               </a:rPr>
               <a:t>	//</a:t>
             </a:r>
             <a:r>
-              <a:rPr lang="zh-CN" altLang="" sz="1400" u="sng">
+              <a:rPr lang="zh-CN" altLang="en-US" sz="1400" u="sng">
                 <a:latin typeface="Courier New" panose="02070309020205020404" charset="0"/>
                 <a:cs typeface="Courier New" panose="02070309020205020404" charset="0"/>
               </a:rPr>
               <a:t>成功，返回</a:t>
             </a:r>
             <a:r>
-              <a:rPr lang="" altLang="zh-CN" sz="1400" u="sng">
+              <a:rPr lang="en-US" altLang="zh-CN" sz="1400" u="sng">
                 <a:latin typeface="Courier New" panose="02070309020205020404" charset="0"/>
                 <a:cs typeface="Courier New" panose="02070309020205020404" charset="0"/>
               </a:rPr>
               <a:t>0,</a:t>
             </a:r>
             <a:r>
-              <a:rPr lang="zh-CN" altLang="" sz="1400" u="sng">
+              <a:rPr lang="zh-CN" altLang="en-US" sz="1400" u="sng">
                 <a:latin typeface="Courier New" panose="02070309020205020404" charset="0"/>
                 <a:cs typeface="Courier New" panose="02070309020205020404" charset="0"/>
               </a:rPr>
@@ -4794,32 +4790,32 @@
           </a:bodyPr>
           <a:p>
             <a:r>
-              <a:rPr lang="" altLang="en-US" sz="1400" u="sng">
+              <a:rPr lang="en-US" altLang="en-US" sz="1400" u="sng">
                 <a:latin typeface="Courier New" panose="02070309020205020404" charset="0"/>
                 <a:cs typeface="Courier New" panose="02070309020205020404" charset="0"/>
               </a:rPr>
               <a:t>pid_t wait3(int *status, int options, struct rusage *rusage);</a:t>
             </a:r>
-            <a:endParaRPr lang="" altLang="en-US" sz="1400" u="sng">
-              <a:latin typeface="Courier New" panose="02070309020205020404" charset="0"/>
-              <a:cs typeface="Courier New" panose="02070309020205020404" charset="0"/>
-            </a:endParaRPr>
-          </a:p>
-          <a:p>
-            <a:endParaRPr lang="" altLang="en-US" sz="1400" u="sng">
-              <a:latin typeface="Courier New" panose="02070309020205020404" charset="0"/>
-              <a:cs typeface="Courier New" panose="02070309020205020404" charset="0"/>
-            </a:endParaRPr>
-          </a:p>
-          <a:p>
-            <a:r>
-              <a:rPr lang="" altLang="en-US" sz="1400" u="sng">
+            <a:endParaRPr lang="en-US" altLang="en-US" sz="1400" u="sng">
+              <a:latin typeface="Courier New" panose="02070309020205020404" charset="0"/>
+              <a:cs typeface="Courier New" panose="02070309020205020404" charset="0"/>
+            </a:endParaRPr>
+          </a:p>
+          <a:p>
+            <a:endParaRPr lang="en-US" altLang="en-US" sz="1400" u="sng">
+              <a:latin typeface="Courier New" panose="02070309020205020404" charset="0"/>
+              <a:cs typeface="Courier New" panose="02070309020205020404" charset="0"/>
+            </a:endParaRPr>
+          </a:p>
+          <a:p>
+            <a:r>
+              <a:rPr lang="en-US" altLang="en-US" sz="1400" u="sng">
                 <a:latin typeface="Courier New" panose="02070309020205020404" charset="0"/>
                 <a:cs typeface="Courier New" panose="02070309020205020404" charset="0"/>
               </a:rPr>
               <a:t>pid_t wait4(pid_t pid, int *status, int options, struct rusage *rusage);</a:t>
             </a:r>
-            <a:endParaRPr lang="" altLang="en-US" sz="1400" u="sng">
+            <a:endParaRPr lang="en-US" altLang="en-US" sz="1400" u="sng">
               <a:latin typeface="Courier New" panose="02070309020205020404" charset="0"/>
               <a:cs typeface="Courier New" panose="02070309020205020404" charset="0"/>
             </a:endParaRPr>
@@ -4839,28 +4835,28 @@
               <a:t>	</a:t>
             </a:r>
             <a:r>
-              <a:rPr lang="" altLang="en-US" sz="1400" u="sng">
+              <a:rPr lang="en-US" altLang="en-US" sz="1400" u="sng">
                 <a:latin typeface="Courier New" panose="02070309020205020404" charset="0"/>
                 <a:cs typeface="Courier New" panose="02070309020205020404" charset="0"/>
               </a:rPr>
               <a:t>//</a:t>
             </a:r>
             <a:r>
-              <a:rPr lang="zh-CN" altLang="" sz="1400" u="sng">
+              <a:rPr lang="zh-CN" altLang="en-US" sz="1400" u="sng">
                 <a:latin typeface="Courier New" panose="02070309020205020404" charset="0"/>
                 <a:cs typeface="Courier New" panose="02070309020205020404" charset="0"/>
               </a:rPr>
               <a:t>成功，返回进程</a:t>
             </a:r>
             <a:r>
-              <a:rPr lang="" altLang="zh-CN" sz="1400" u="sng">
+              <a:rPr lang="en-US" altLang="zh-CN" sz="1400" u="sng">
                 <a:latin typeface="Courier New" panose="02070309020205020404" charset="0"/>
                 <a:cs typeface="Courier New" panose="02070309020205020404" charset="0"/>
               </a:rPr>
               <a:t>id, </a:t>
             </a:r>
             <a:r>
-              <a:rPr lang="zh-CN" altLang="" sz="1400" u="sng">
+              <a:rPr lang="zh-CN" altLang="en-US" sz="1400" u="sng">
                 <a:latin typeface="Courier New" panose="02070309020205020404" charset="0"/>
                 <a:cs typeface="Courier New" panose="02070309020205020404" charset="0"/>
               </a:rPr>
@@ -4881,59 +4877,59 @@
               <a:t>返回</a:t>
             </a:r>
             <a:r>
-              <a:rPr lang="" altLang="zh-CN" sz="1400" u="sng">
+              <a:rPr lang="en-US" altLang="zh-CN" sz="1400" u="sng">
                 <a:latin typeface="Courier New" panose="02070309020205020404" charset="0"/>
                 <a:cs typeface="Courier New" panose="02070309020205020404" charset="0"/>
               </a:rPr>
               <a:t>-1</a:t>
             </a:r>
-            <a:endParaRPr lang="" altLang="zh-CN" sz="1400" u="sng">
-              <a:latin typeface="Courier New" panose="02070309020205020404" charset="0"/>
-              <a:cs typeface="Courier New" panose="02070309020205020404" charset="0"/>
-            </a:endParaRPr>
-          </a:p>
-          <a:p>
-            <a:endParaRPr lang="" altLang="zh-CN" sz="1400" u="sng">
-              <a:latin typeface="Courier New" panose="02070309020205020404" charset="0"/>
-              <a:cs typeface="Courier New" panose="02070309020205020404" charset="0"/>
-            </a:endParaRPr>
-          </a:p>
-          <a:p>
-            <a:endParaRPr lang="" altLang="zh-CN" sz="1400" u="sng">
-              <a:latin typeface="Courier New" panose="02070309020205020404" charset="0"/>
-              <a:cs typeface="Courier New" panose="02070309020205020404" charset="0"/>
-            </a:endParaRPr>
-          </a:p>
-          <a:p>
-            <a:r>
-              <a:rPr lang="" altLang="zh-CN" sz="1400" u="sng">
+            <a:endParaRPr lang="en-US" altLang="zh-CN" sz="1400" u="sng">
+              <a:latin typeface="Courier New" panose="02070309020205020404" charset="0"/>
+              <a:cs typeface="Courier New" panose="02070309020205020404" charset="0"/>
+            </a:endParaRPr>
+          </a:p>
+          <a:p>
+            <a:endParaRPr lang="en-US" altLang="zh-CN" sz="1400" u="sng">
+              <a:latin typeface="Courier New" panose="02070309020205020404" charset="0"/>
+              <a:cs typeface="Courier New" panose="02070309020205020404" charset="0"/>
+            </a:endParaRPr>
+          </a:p>
+          <a:p>
+            <a:endParaRPr lang="en-US" altLang="zh-CN" sz="1400" u="sng">
+              <a:latin typeface="Courier New" panose="02070309020205020404" charset="0"/>
+              <a:cs typeface="Courier New" panose="02070309020205020404" charset="0"/>
+            </a:endParaRPr>
+          </a:p>
+          <a:p>
+            <a:r>
+              <a:rPr lang="en-US" altLang="zh-CN" sz="1400" u="sng">
                 <a:latin typeface="Courier New" panose="02070309020205020404" charset="0"/>
                 <a:cs typeface="Courier New" panose="02070309020205020404" charset="0"/>
               </a:rPr>
               <a:t>	</a:t>
             </a:r>
             <a:r>
-              <a:rPr lang="zh-CN" altLang="" sz="1400" u="sng">
+              <a:rPr lang="zh-CN" altLang="en-US" sz="1400" u="sng">
                 <a:latin typeface="Courier New" panose="02070309020205020404" charset="0"/>
                 <a:cs typeface="Courier New" panose="02070309020205020404" charset="0"/>
               </a:rPr>
               <a:t>允许返回终止进程的资源统计信息，例如</a:t>
             </a:r>
             <a:r>
-              <a:rPr lang="" altLang="zh-CN" sz="1400" u="sng">
+              <a:rPr lang="en-US" altLang="zh-CN" sz="1400" u="sng">
                 <a:latin typeface="Courier New" panose="02070309020205020404" charset="0"/>
                 <a:cs typeface="Courier New" panose="02070309020205020404" charset="0"/>
               </a:rPr>
               <a:t>cpu</a:t>
             </a:r>
             <a:r>
-              <a:rPr lang="zh-CN" altLang="" sz="1400" u="sng">
+              <a:rPr lang="zh-CN" altLang="en-US" sz="1400" u="sng">
                 <a:latin typeface="Courier New" panose="02070309020205020404" charset="0"/>
                 <a:cs typeface="Courier New" panose="02070309020205020404" charset="0"/>
               </a:rPr>
               <a:t>时间分布，缺页次数，接收到信号的次数等等</a:t>
             </a:r>
-            <a:endParaRPr lang="zh-CN" altLang="" sz="1400" u="sng">
+            <a:endParaRPr lang="zh-CN" altLang="en-US" sz="1400" u="sng">
               <a:latin typeface="Courier New" panose="02070309020205020404" charset="0"/>
               <a:cs typeface="Courier New" panose="02070309020205020404" charset="0"/>
             </a:endParaRPr>
@@ -5153,7 +5149,7 @@
           </a:bodyPr>
           <a:p>
             <a:r>
-              <a:rPr lang="" altLang="zh-CN" sz="1600" b="1">
+              <a:rPr lang="en-US" altLang="zh-CN" sz="1600" b="1">
                 <a:effectLst>
                   <a:outerShdw blurRad="38100" dist="38100" dir="2700000" algn="tl">
                     <a:srgbClr val="000000">
@@ -5165,7 +5161,7 @@
               <a:t>exec</a:t>
             </a:r>
             <a:r>
-              <a:rPr lang="zh-CN" altLang="" sz="1600" b="1">
+              <a:rPr lang="zh-CN" altLang="en-US" sz="1600" b="1">
                 <a:effectLst>
                   <a:outerShdw blurRad="38100" dist="38100" dir="2700000" algn="tl">
                     <a:srgbClr val="000000">
@@ -5176,7 +5172,7 @@
               </a:rPr>
               <a:t>函数簇</a:t>
             </a:r>
-            <a:endParaRPr lang="zh-CN" altLang="" sz="1600" b="1">
+            <a:endParaRPr lang="zh-CN" altLang="en-US" sz="1600" b="1">
               <a:effectLst>
                 <a:outerShdw blurRad="38100" dist="38100" dir="2700000" algn="tl">
                   <a:srgbClr val="000000">
@@ -5234,52 +5230,52 @@
           </a:bodyPr>
           <a:p>
             <a:r>
-              <a:rPr lang="" altLang="zh-CN" sz="1400" u="sng">
+              <a:rPr lang="en-US" altLang="zh-CN" sz="1400" u="sng">
                 <a:latin typeface="Courier New" panose="02070309020205020404" charset="0"/>
                 <a:cs typeface="Courier New" panose="02070309020205020404" charset="0"/>
               </a:rPr>
               <a:t>l</a:t>
             </a:r>
             <a:r>
-              <a:rPr lang="zh-CN" altLang="" sz="1400" u="sng">
+              <a:rPr lang="zh-CN" altLang="en-US" sz="1400" u="sng">
                 <a:latin typeface="Courier New" panose="02070309020205020404" charset="0"/>
                 <a:cs typeface="Courier New" panose="02070309020205020404" charset="0"/>
               </a:rPr>
               <a:t>代表参数以可变参数的方式传入</a:t>
             </a:r>
-            <a:endParaRPr lang="zh-CN" altLang="" sz="1400" u="sng">
-              <a:latin typeface="Courier New" panose="02070309020205020404" charset="0"/>
-              <a:cs typeface="Courier New" panose="02070309020205020404" charset="0"/>
-            </a:endParaRPr>
-          </a:p>
-          <a:p>
-            <a:endParaRPr lang="zh-CN" altLang="" sz="1400" u="sng">
-              <a:latin typeface="Courier New" panose="02070309020205020404" charset="0"/>
-              <a:cs typeface="Courier New" panose="02070309020205020404" charset="0"/>
-            </a:endParaRPr>
-          </a:p>
-          <a:p>
-            <a:r>
-              <a:rPr lang="" altLang="zh-CN" sz="1400" u="sng">
+            <a:endParaRPr lang="zh-CN" altLang="en-US" sz="1400" u="sng">
+              <a:latin typeface="Courier New" panose="02070309020205020404" charset="0"/>
+              <a:cs typeface="Courier New" panose="02070309020205020404" charset="0"/>
+            </a:endParaRPr>
+          </a:p>
+          <a:p>
+            <a:endParaRPr lang="zh-CN" altLang="en-US" sz="1400" u="sng">
+              <a:latin typeface="Courier New" panose="02070309020205020404" charset="0"/>
+              <a:cs typeface="Courier New" panose="02070309020205020404" charset="0"/>
+            </a:endParaRPr>
+          </a:p>
+          <a:p>
+            <a:r>
+              <a:rPr lang="en-US" altLang="zh-CN" sz="1400" u="sng">
                 <a:latin typeface="Courier New" panose="02070309020205020404" charset="0"/>
                 <a:cs typeface="Courier New" panose="02070309020205020404" charset="0"/>
               </a:rPr>
               <a:t>v</a:t>
             </a:r>
             <a:r>
-              <a:rPr lang="zh-CN" altLang="" sz="1400" u="sng">
+              <a:rPr lang="zh-CN" altLang="en-US" sz="1400" u="sng">
                 <a:latin typeface="Courier New" panose="02070309020205020404" charset="0"/>
                 <a:cs typeface="Courier New" panose="02070309020205020404" charset="0"/>
               </a:rPr>
               <a:t>代表参数以一个指针数组传入</a:t>
             </a:r>
-            <a:endParaRPr lang="zh-CN" altLang="" sz="1400" u="sng">
-              <a:latin typeface="Courier New" panose="02070309020205020404" charset="0"/>
-              <a:cs typeface="Courier New" panose="02070309020205020404" charset="0"/>
-            </a:endParaRPr>
-          </a:p>
-          <a:p>
-            <a:endParaRPr lang="zh-CN" altLang="" sz="1400" u="sng">
+            <a:endParaRPr lang="zh-CN" altLang="en-US" sz="1400" u="sng">
+              <a:latin typeface="Courier New" panose="02070309020205020404" charset="0"/>
+              <a:cs typeface="Courier New" panose="02070309020205020404" charset="0"/>
+            </a:endParaRPr>
+          </a:p>
+          <a:p>
+            <a:endParaRPr lang="zh-CN" altLang="en-US" sz="1400" u="sng">
               <a:latin typeface="Courier New" panose="02070309020205020404" charset="0"/>
               <a:cs typeface="Courier New" panose="02070309020205020404" charset="0"/>
             </a:endParaRPr>
@@ -5300,26 +5296,26 @@
               <a:t>代表可执行文件直接指定名称也可以，这时候会从</a:t>
             </a:r>
             <a:r>
-              <a:rPr lang="" altLang="zh-CN" sz="1400" u="sng">
+              <a:rPr lang="en-US" altLang="zh-CN" sz="1400" u="sng">
                 <a:latin typeface="Courier New" panose="02070309020205020404" charset="0"/>
                 <a:cs typeface="Courier New" panose="02070309020205020404" charset="0"/>
               </a:rPr>
               <a:t>PATH</a:t>
             </a:r>
             <a:r>
-              <a:rPr lang="zh-CN" altLang="" sz="1400" u="sng">
+              <a:rPr lang="zh-CN" altLang="en-US" sz="1400" u="sng">
                 <a:latin typeface="Courier New" panose="02070309020205020404" charset="0"/>
                 <a:cs typeface="Courier New" panose="02070309020205020404" charset="0"/>
               </a:rPr>
               <a:t>中寻找</a:t>
             </a:r>
-            <a:endParaRPr lang="zh-CN" altLang="" sz="1400" u="sng">
-              <a:latin typeface="Courier New" panose="02070309020205020404" charset="0"/>
-              <a:cs typeface="Courier New" panose="02070309020205020404" charset="0"/>
-            </a:endParaRPr>
-          </a:p>
-          <a:p>
-            <a:endParaRPr lang="zh-CN" altLang="" sz="1400" u="sng">
+            <a:endParaRPr lang="zh-CN" altLang="en-US" sz="1400" u="sng">
+              <a:latin typeface="Courier New" panose="02070309020205020404" charset="0"/>
+              <a:cs typeface="Courier New" panose="02070309020205020404" charset="0"/>
+            </a:endParaRPr>
+          </a:p>
+          <a:p>
+            <a:endParaRPr lang="zh-CN" altLang="en-US" sz="1400" u="sng">
               <a:latin typeface="Courier New" panose="02070309020205020404" charset="0"/>
               <a:cs typeface="Courier New" panose="02070309020205020404" charset="0"/>
             </a:endParaRPr>
@@ -5358,7 +5354,7 @@
           </a:p>
           <a:p>
             <a:r>
-              <a:rPr lang="zh-CN" altLang="" sz="1400" u="sng">
+              <a:rPr lang="zh-CN" altLang="en-US" sz="1400" u="sng">
                 <a:latin typeface="Courier New" panose="02070309020205020404" charset="0"/>
                 <a:cs typeface="Courier New" panose="02070309020205020404" charset="0"/>
               </a:rPr>
@@ -5372,49 +5368,49 @@
               <a:t>exec</a:t>
             </a:r>
             <a:r>
-              <a:rPr lang="zh-CN" altLang="" sz="1400" u="sng">
+              <a:rPr lang="zh-CN" altLang="en-US" sz="1400" u="sng">
                 <a:latin typeface="Courier New" panose="02070309020205020404" charset="0"/>
                 <a:cs typeface="Courier New" panose="02070309020205020404" charset="0"/>
               </a:rPr>
               <a:t>找到了一个可执行文件，但是该文件不是由连接编译器产生的机器可执行文件，则认为该文件是一个</a:t>
             </a:r>
             <a:r>
-              <a:rPr lang="" altLang="zh-CN" sz="1400" u="sng">
+              <a:rPr lang="en-US" altLang="zh-CN" sz="1400" u="sng">
                 <a:latin typeface="Courier New" panose="02070309020205020404" charset="0"/>
                 <a:cs typeface="Courier New" panose="02070309020205020404" charset="0"/>
               </a:rPr>
               <a:t>shell</a:t>
             </a:r>
             <a:r>
-              <a:rPr lang="zh-CN" altLang="" sz="1400" u="sng">
+              <a:rPr lang="zh-CN" altLang="en-US" sz="1400" u="sng">
                 <a:latin typeface="Courier New" panose="02070309020205020404" charset="0"/>
                 <a:cs typeface="Courier New" panose="02070309020205020404" charset="0"/>
               </a:rPr>
               <a:t>脚本，试着调用</a:t>
             </a:r>
             <a:r>
-              <a:rPr lang="" altLang="zh-CN" sz="1400" u="sng">
+              <a:rPr lang="en-US" altLang="zh-CN" sz="1400" u="sng">
                 <a:latin typeface="Courier New" panose="02070309020205020404" charset="0"/>
                 <a:cs typeface="Courier New" panose="02070309020205020404" charset="0"/>
               </a:rPr>
               <a:t>/bin/sh, </a:t>
             </a:r>
             <a:r>
-              <a:rPr lang="zh-CN" altLang="" sz="1400" u="sng">
+              <a:rPr lang="zh-CN" altLang="en-US" sz="1400" u="sng">
                 <a:latin typeface="Courier New" panose="02070309020205020404" charset="0"/>
                 <a:cs typeface="Courier New" panose="02070309020205020404" charset="0"/>
               </a:rPr>
               <a:t>并将</a:t>
             </a:r>
             <a:r>
-              <a:rPr lang="" altLang="zh-CN" sz="1400" u="sng">
+              <a:rPr lang="en-US" altLang="zh-CN" sz="1400" u="sng">
                 <a:latin typeface="Courier New" panose="02070309020205020404" charset="0"/>
                 <a:cs typeface="Courier New" panose="02070309020205020404" charset="0"/>
               </a:rPr>
               <a:t>filename</a:t>
             </a:r>
             <a:r>
-              <a:rPr lang="zh-CN" altLang="" sz="1400" u="sng">
+              <a:rPr lang="zh-CN" altLang="en-US" sz="1400" u="sng">
                 <a:latin typeface="Courier New" panose="02070309020205020404" charset="0"/>
                 <a:cs typeface="Courier New" panose="02070309020205020404" charset="0"/>
               </a:rPr>
@@ -5592,7 +5588,7 @@
               <a:t>文件描述符状态</a:t>
             </a:r>
             <a:r>
-              <a:rPr lang="" altLang="zh-CN" sz="1600" b="1">
+              <a:rPr lang="en-US" altLang="zh-CN" sz="1600" b="1">
                 <a:effectLst>
                   <a:outerShdw blurRad="38100" dist="38100" dir="2700000" algn="tl">
                     <a:srgbClr val="000000">
@@ -5603,7 +5599,7 @@
               </a:rPr>
               <a:t>close-on-exec</a:t>
             </a:r>
-            <a:endParaRPr lang="" altLang="zh-CN" sz="1600" b="1">
+            <a:endParaRPr lang="en-US" altLang="zh-CN" sz="1600" b="1">
               <a:effectLst>
                 <a:outerShdw blurRad="38100" dist="38100" dir="2700000" algn="tl">
                   <a:srgbClr val="000000">
@@ -5637,35 +5633,28 @@
           </a:bodyPr>
           <a:p>
             <a:r>
-              <a:rPr lang="zh-CN" altLang="" sz="1400" u="sng">
+              <a:rPr lang="zh-CN" altLang="en-US" sz="1400" u="sng">
                 <a:latin typeface="Courier New" panose="02070309020205020404" charset="0"/>
                 <a:cs typeface="Courier New" panose="02070309020205020404" charset="0"/>
               </a:rPr>
               <a:t>如果设置了</a:t>
             </a:r>
             <a:r>
-              <a:rPr lang="" altLang="zh-CN" sz="1400" u="sng">
+              <a:rPr lang="en-US" altLang="zh-CN" sz="1400" u="sng">
                 <a:latin typeface="Courier New" panose="02070309020205020404" charset="0"/>
                 <a:cs typeface="Courier New" panose="02070309020205020404" charset="0"/>
               </a:rPr>
               <a:t>close</a:t>
             </a:r>
             <a:r>
-              <a:rPr lang="en-US" altLang="" sz="1400" u="sng">
-                <a:latin typeface="Courier New" panose="02070309020205020404" charset="0"/>
-                <a:cs typeface="Courier New" panose="02070309020205020404" charset="0"/>
-              </a:rPr>
-              <a:t>-on</a:t>
-            </a:r>
-            <a:r>
-              <a:rPr lang="" altLang="en-US" sz="1400" u="sng">
-                <a:latin typeface="Courier New" panose="02070309020205020404" charset="0"/>
-                <a:cs typeface="Courier New" panose="02070309020205020404" charset="0"/>
-              </a:rPr>
-              <a:t>-exev</a:t>
-            </a:r>
-            <a:r>
-              <a:rPr lang="zh-CN" altLang="" sz="1400" u="sng">
+              <a:rPr lang="en-US" altLang="en-US" sz="1400" u="sng">
+                <a:latin typeface="Courier New" panose="02070309020205020404" charset="0"/>
+                <a:cs typeface="Courier New" panose="02070309020205020404" charset="0"/>
+              </a:rPr>
+              <a:t>-on-exev</a:t>
+            </a:r>
+            <a:r>
+              <a:rPr lang="zh-CN" altLang="en-US" sz="1400" u="sng">
                 <a:latin typeface="Courier New" panose="02070309020205020404" charset="0"/>
                 <a:cs typeface="Courier New" panose="02070309020205020404" charset="0"/>
               </a:rPr>
@@ -5686,33 +5675,33 @@
               <a:t>后，将关闭该文件描述符，否则，不关闭。一般，除非特地使用</a:t>
             </a:r>
             <a:r>
-              <a:rPr lang="" altLang="zh-CN" sz="1400" u="sng">
+              <a:rPr lang="en-US" altLang="zh-CN" sz="1400" u="sng">
                 <a:latin typeface="Courier New" panose="02070309020205020404" charset="0"/>
                 <a:cs typeface="Courier New" panose="02070309020205020404" charset="0"/>
               </a:rPr>
               <a:t>fcntl</a:t>
             </a:r>
             <a:r>
-              <a:rPr lang="zh-CN" altLang="" sz="1400" u="sng">
+              <a:rPr lang="zh-CN" altLang="en-US" sz="1400" u="sng">
                 <a:latin typeface="Courier New" panose="02070309020205020404" charset="0"/>
                 <a:cs typeface="Courier New" panose="02070309020205020404" charset="0"/>
               </a:rPr>
               <a:t>，那么默认的都是不关闭。</a:t>
             </a:r>
-            <a:endParaRPr lang="zh-CN" altLang="" sz="1400" u="sng">
-              <a:latin typeface="Courier New" panose="02070309020205020404" charset="0"/>
-              <a:cs typeface="Courier New" panose="02070309020205020404" charset="0"/>
-            </a:endParaRPr>
-          </a:p>
-          <a:p>
-            <a:endParaRPr lang="zh-CN" altLang="" sz="1400" u="sng">
-              <a:latin typeface="Courier New" panose="02070309020205020404" charset="0"/>
-              <a:cs typeface="Courier New" panose="02070309020205020404" charset="0"/>
-            </a:endParaRPr>
-          </a:p>
-          <a:p>
-            <a:r>
-              <a:rPr lang="zh-CN" altLang="" sz="1400" u="sng">
+            <a:endParaRPr lang="zh-CN" altLang="en-US" sz="1400" u="sng">
+              <a:latin typeface="Courier New" panose="02070309020205020404" charset="0"/>
+              <a:cs typeface="Courier New" panose="02070309020205020404" charset="0"/>
+            </a:endParaRPr>
+          </a:p>
+          <a:p>
+            <a:endParaRPr lang="zh-CN" altLang="en-US" sz="1400" u="sng">
+              <a:latin typeface="Courier New" panose="02070309020205020404" charset="0"/>
+              <a:cs typeface="Courier New" panose="02070309020205020404" charset="0"/>
+            </a:endParaRPr>
+          </a:p>
+          <a:p>
+            <a:r>
+              <a:rPr lang="zh-CN" altLang="en-US" sz="1400" u="sng">
                 <a:latin typeface="Courier New" panose="02070309020205020404" charset="0"/>
                 <a:cs typeface="Courier New" panose="02070309020205020404" charset="0"/>
               </a:rPr>
@@ -5733,14 +5722,14 @@
               <a:t>前后实际用户</a:t>
             </a:r>
             <a:r>
-              <a:rPr lang="" altLang="zh-CN" sz="1400" u="sng">
+              <a:rPr lang="en-US" altLang="zh-CN" sz="1400" u="sng">
                 <a:latin typeface="Courier New" panose="02070309020205020404" charset="0"/>
                 <a:cs typeface="Courier New" panose="02070309020205020404" charset="0"/>
               </a:rPr>
               <a:t>id</a:t>
             </a:r>
             <a:r>
-              <a:rPr lang="zh-CN" altLang="" sz="1400" u="sng">
+              <a:rPr lang="zh-CN" altLang="en-US" sz="1400" u="sng">
                 <a:latin typeface="Courier New" panose="02070309020205020404" charset="0"/>
                 <a:cs typeface="Courier New" panose="02070309020205020404" charset="0"/>
               </a:rPr>
@@ -5831,10 +5820,10 @@
           <a:p>
             <a:pPr algn="ctr"/>
             <a:r>
-              <a:rPr lang="" altLang="en-US"/>
+              <a:rPr lang="en-US" altLang="en-US"/>
               <a:t>execlp</a:t>
             </a:r>
-            <a:endParaRPr lang="" altLang="en-US"/>
+            <a:endParaRPr lang="en-US" altLang="en-US"/>
           </a:p>
         </p:txBody>
       </p:sp>
@@ -5875,15 +5864,7 @@
             <a:pPr algn="ctr"/>
             <a:r>
               <a:rPr lang="en-US" altLang="en-US"/>
-              <a:t>exec</a:t>
-            </a:r>
-            <a:r>
-              <a:rPr lang="" altLang="en-US"/>
-              <a:t>v</a:t>
-            </a:r>
-            <a:r>
-              <a:rPr lang="en-US" altLang="en-US"/>
-              <a:t>p</a:t>
+              <a:t>execvp</a:t>
             </a:r>
             <a:endParaRPr lang="en-US" altLang="en-US"/>
           </a:p>
@@ -5969,13 +5950,9 @@
             <a:pPr algn="ctr"/>
             <a:r>
               <a:rPr lang="en-US" altLang="en-US"/>
-              <a:t>exec</a:t>
-            </a:r>
-            <a:r>
-              <a:rPr lang="" altLang="en-US"/>
-              <a:t>v</a:t>
-            </a:r>
-            <a:endParaRPr lang="" altLang="en-US"/>
+              <a:t>execv</a:t>
+            </a:r>
+            <a:endParaRPr lang="en-US" altLang="en-US"/>
           </a:p>
         </p:txBody>
       </p:sp>
@@ -6016,13 +5993,9 @@
             <a:pPr algn="ctr"/>
             <a:r>
               <a:rPr lang="en-US" altLang="en-US"/>
-              <a:t>execl</a:t>
-            </a:r>
-            <a:r>
-              <a:rPr lang="" altLang="en-US"/>
-              <a:t>e</a:t>
-            </a:r>
-            <a:endParaRPr lang="" altLang="en-US"/>
+              <a:t>execle</a:t>
+            </a:r>
+            <a:endParaRPr lang="en-US" altLang="en-US"/>
           </a:p>
         </p:txBody>
       </p:sp>
@@ -6063,21 +6036,17 @@
             <a:pPr algn="ctr"/>
             <a:r>
               <a:rPr lang="en-US" altLang="en-US"/>
-              <a:t>exec</a:t>
-            </a:r>
-            <a:r>
-              <a:rPr lang="" altLang="en-US"/>
-              <a:t>ve</a:t>
-            </a:r>
-            <a:endParaRPr lang="" altLang="en-US"/>
+              <a:t>execve</a:t>
+            </a:r>
+            <a:endParaRPr lang="en-US" altLang="en-US"/>
           </a:p>
           <a:p>
             <a:pPr algn="ctr"/>
             <a:r>
-              <a:rPr lang="zh-CN" altLang=""/>
+              <a:rPr lang="zh-CN" altLang="en-US"/>
               <a:t>系统调用</a:t>
             </a:r>
-            <a:endParaRPr lang="zh-CN" altLang=""/>
+            <a:endParaRPr lang="zh-CN" altLang="en-US"/>
           </a:p>
         </p:txBody>
       </p:sp>
@@ -6117,10 +6086,10 @@
           <a:p>
             <a:pPr algn="ctr"/>
             <a:r>
-              <a:rPr lang="" altLang="en-US"/>
+              <a:rPr lang="en-US" altLang="en-US"/>
               <a:t>fexecve</a:t>
             </a:r>
-            <a:endParaRPr lang="" altLang="en-US"/>
+            <a:endParaRPr lang="en-US" altLang="en-US"/>
           </a:p>
         </p:txBody>
       </p:sp>
@@ -6182,20 +6151,20 @@
           </a:bodyPr>
           <a:p>
             <a:r>
-              <a:rPr lang="zh-CN" altLang="" sz="1200">
+              <a:rPr lang="zh-CN" altLang="en-US" sz="1200">
                 <a:latin typeface="Courier New" panose="02070309020205020404" charset="0"/>
                 <a:cs typeface="Courier New" panose="02070309020205020404" charset="0"/>
               </a:rPr>
               <a:t>建立</a:t>
             </a:r>
             <a:r>
-              <a:rPr lang="" altLang="zh-CN" sz="1200">
+              <a:rPr lang="en-US" altLang="zh-CN" sz="1200">
                 <a:latin typeface="Courier New" panose="02070309020205020404" charset="0"/>
                 <a:cs typeface="Courier New" panose="02070309020205020404" charset="0"/>
               </a:rPr>
               <a:t>argv</a:t>
             </a:r>
-            <a:endParaRPr lang="" altLang="zh-CN" sz="1200">
+            <a:endParaRPr lang="en-US" altLang="zh-CN" sz="1200">
               <a:latin typeface="Courier New" panose="02070309020205020404" charset="0"/>
               <a:cs typeface="Courier New" panose="02070309020205020404" charset="0"/>
             </a:endParaRPr>
@@ -6257,27 +6226,27 @@
           </a:bodyPr>
           <a:p>
             <a:r>
-              <a:rPr lang="zh-CN" altLang="" sz="1200">
+              <a:rPr lang="zh-CN" altLang="en-US" sz="1200">
                 <a:latin typeface="Courier New" panose="02070309020205020404" charset="0"/>
                 <a:cs typeface="Courier New" panose="02070309020205020404" charset="0"/>
               </a:rPr>
               <a:t>尝试</a:t>
             </a:r>
             <a:r>
-              <a:rPr lang="" altLang="zh-CN" sz="1200">
+              <a:rPr lang="en-US" altLang="zh-CN" sz="1200">
                 <a:latin typeface="Courier New" panose="02070309020205020404" charset="0"/>
                 <a:cs typeface="Courier New" panose="02070309020205020404" charset="0"/>
               </a:rPr>
               <a:t>PATH</a:t>
             </a:r>
             <a:r>
-              <a:rPr lang="zh-CN" altLang="" sz="1200">
+              <a:rPr lang="zh-CN" altLang="en-US" sz="1200">
                 <a:latin typeface="Courier New" panose="02070309020205020404" charset="0"/>
                 <a:cs typeface="Courier New" panose="02070309020205020404" charset="0"/>
               </a:rPr>
               <a:t>前缀</a:t>
             </a:r>
-            <a:endParaRPr lang="zh-CN" altLang="" sz="1200">
+            <a:endParaRPr lang="zh-CN" altLang="en-US" sz="1200">
               <a:latin typeface="Courier New" panose="02070309020205020404" charset="0"/>
               <a:cs typeface="Courier New" panose="02070309020205020404" charset="0"/>
             </a:endParaRPr>
@@ -6425,13 +6394,13 @@
               <a:t>使用</a:t>
             </a:r>
             <a:r>
-              <a:rPr lang="" altLang="zh-CN" sz="1200">
+              <a:rPr lang="en-US" altLang="zh-CN" sz="1200">
                 <a:latin typeface="Courier New" panose="02070309020205020404" charset="0"/>
                 <a:cs typeface="Courier New" panose="02070309020205020404" charset="0"/>
               </a:rPr>
               <a:t>environ</a:t>
             </a:r>
-            <a:endParaRPr lang="" altLang="zh-CN" sz="1200">
+            <a:endParaRPr lang="en-US" altLang="zh-CN" sz="1200">
               <a:latin typeface="Courier New" panose="02070309020205020404" charset="0"/>
               <a:cs typeface="Courier New" panose="02070309020205020404" charset="0"/>
             </a:endParaRPr>
@@ -6571,13 +6540,13 @@
           </a:bodyPr>
           <a:p>
             <a:r>
-              <a:rPr lang="" sz="1200">
+              <a:rPr lang="en-US" sz="1200">
                 <a:latin typeface="Courier New" panose="02070309020205020404" charset="0"/>
                 <a:cs typeface="Courier New" panose="02070309020205020404" charset="0"/>
               </a:rPr>
               <a:t>build path from /proc/self/fd alias</a:t>
             </a:r>
-            <a:endParaRPr lang="" sz="1200">
+            <a:endParaRPr lang="en-US" sz="1200">
               <a:latin typeface="Courier New" panose="02070309020205020404" charset="0"/>
               <a:cs typeface="Courier New" panose="02070309020205020404" charset="0"/>
             </a:endParaRPr>
@@ -6624,7 +6593,7 @@
           </a:bodyPr>
           <a:p>
             <a:r>
-              <a:rPr lang="zh-CN" altLang="" sz="1600" b="1">
+              <a:rPr lang="zh-CN" altLang="en-US" sz="1600" b="1">
                 <a:effectLst>
                   <a:outerShdw blurRad="38100" dist="38100" dir="2700000" algn="tl">
                     <a:srgbClr val="000000">
@@ -6636,7 +6605,7 @@
               <a:t>更改用户</a:t>
             </a:r>
             <a:r>
-              <a:rPr lang="" altLang="zh-CN" sz="1600" b="1">
+              <a:rPr lang="en-US" altLang="zh-CN" sz="1600" b="1">
                 <a:effectLst>
                   <a:outerShdw blurRad="38100" dist="38100" dir="2700000" algn="tl">
                     <a:srgbClr val="000000">
@@ -6648,7 +6617,7 @@
               <a:t>id</a:t>
             </a:r>
             <a:r>
-              <a:rPr lang="zh-CN" altLang="" sz="1600" b="1">
+              <a:rPr lang="zh-CN" altLang="en-US" sz="1600" b="1">
                 <a:effectLst>
                   <a:outerShdw blurRad="38100" dist="38100" dir="2700000" algn="tl">
                     <a:srgbClr val="000000">
@@ -6660,7 +6629,7 @@
               <a:t>和更改组</a:t>
             </a:r>
             <a:r>
-              <a:rPr lang="" altLang="zh-CN" sz="1600" b="1">
+              <a:rPr lang="en-US" altLang="zh-CN" sz="1600" b="1">
                 <a:effectLst>
                   <a:outerShdw blurRad="38100" dist="38100" dir="2700000" algn="tl">
                     <a:srgbClr val="000000">
@@ -6671,7 +6640,7 @@
               </a:rPr>
               <a:t>id</a:t>
             </a:r>
-            <a:endParaRPr lang="" altLang="zh-CN" sz="1600" b="1">
+            <a:endParaRPr lang="en-US" altLang="zh-CN" sz="1600" b="1">
               <a:effectLst>
                 <a:outerShdw blurRad="38100" dist="38100" dir="2700000" algn="tl">
                   <a:srgbClr val="000000">
@@ -6705,7 +6674,7 @@
           </a:bodyPr>
           <a:p>
             <a:r>
-              <a:rPr lang="zh-CN" altLang="" sz="1400" u="sng">
+              <a:rPr lang="zh-CN" altLang="en-US" sz="1400" u="sng">
                 <a:latin typeface="Courier New" panose="02070309020205020404" charset="0"/>
                 <a:cs typeface="Courier New" panose="02070309020205020404" charset="0"/>
               </a:rPr>
@@ -6904,52 +6873,52 @@
           </a:p>
           <a:p>
             <a:r>
-              <a:rPr lang="" altLang="en-US" sz="1400" u="sng">
+              <a:rPr lang="en-US" altLang="en-US" sz="1400" u="sng">
                 <a:latin typeface="Courier New" panose="02070309020205020404" charset="0"/>
                 <a:cs typeface="Courier New" panose="02070309020205020404" charset="0"/>
               </a:rPr>
               <a:t>int setuid(uid_t uid);</a:t>
             </a:r>
-            <a:endParaRPr lang="" altLang="en-US" sz="1400" u="sng">
-              <a:latin typeface="Courier New" panose="02070309020205020404" charset="0"/>
-              <a:cs typeface="Courier New" panose="02070309020205020404" charset="0"/>
-            </a:endParaRPr>
-          </a:p>
-          <a:p>
-            <a:endParaRPr lang="" altLang="en-US" sz="1400" u="sng">
-              <a:latin typeface="Courier New" panose="02070309020205020404" charset="0"/>
-              <a:cs typeface="Courier New" panose="02070309020205020404" charset="0"/>
-            </a:endParaRPr>
-          </a:p>
-          <a:p>
-            <a:r>
-              <a:rPr lang="" altLang="en-US" sz="1400" u="sng">
+            <a:endParaRPr lang="en-US" altLang="en-US" sz="1400" u="sng">
+              <a:latin typeface="Courier New" panose="02070309020205020404" charset="0"/>
+              <a:cs typeface="Courier New" panose="02070309020205020404" charset="0"/>
+            </a:endParaRPr>
+          </a:p>
+          <a:p>
+            <a:endParaRPr lang="en-US" altLang="en-US" sz="1400" u="sng">
+              <a:latin typeface="Courier New" panose="02070309020205020404" charset="0"/>
+              <a:cs typeface="Courier New" panose="02070309020205020404" charset="0"/>
+            </a:endParaRPr>
+          </a:p>
+          <a:p>
+            <a:r>
+              <a:rPr lang="en-US" altLang="en-US" sz="1400" u="sng">
                 <a:latin typeface="Courier New" panose="02070309020205020404" charset="0"/>
                 <a:cs typeface="Courier New" panose="02070309020205020404" charset="0"/>
               </a:rPr>
               <a:t>int setgid(gid_t gid);</a:t>
             </a:r>
-            <a:endParaRPr lang="" altLang="en-US" sz="1400" u="sng">
-              <a:latin typeface="Courier New" panose="02070309020205020404" charset="0"/>
-              <a:cs typeface="Courier New" panose="02070309020205020404" charset="0"/>
-            </a:endParaRPr>
-          </a:p>
-          <a:p>
-            <a:endParaRPr lang="" altLang="en-US" sz="1400" u="sng">
-              <a:latin typeface="Courier New" panose="02070309020205020404" charset="0"/>
-              <a:cs typeface="Courier New" panose="02070309020205020404" charset="0"/>
-            </a:endParaRPr>
-          </a:p>
-          <a:p>
-            <a:r>
-              <a:rPr lang="" altLang="zh-CN" sz="1400" u="sng">
+            <a:endParaRPr lang="en-US" altLang="en-US" sz="1400" u="sng">
+              <a:latin typeface="Courier New" panose="02070309020205020404" charset="0"/>
+              <a:cs typeface="Courier New" panose="02070309020205020404" charset="0"/>
+            </a:endParaRPr>
+          </a:p>
+          <a:p>
+            <a:endParaRPr lang="en-US" altLang="en-US" sz="1400" u="sng">
+              <a:latin typeface="Courier New" panose="02070309020205020404" charset="0"/>
+              <a:cs typeface="Courier New" panose="02070309020205020404" charset="0"/>
+            </a:endParaRPr>
+          </a:p>
+          <a:p>
+            <a:r>
+              <a:rPr lang="en-US" altLang="zh-CN" sz="1400" u="sng">
                 <a:latin typeface="Courier New" panose="02070309020205020404" charset="0"/>
                 <a:cs typeface="Courier New" panose="02070309020205020404" charset="0"/>
               </a:rPr>
               <a:t>//</a:t>
             </a:r>
             <a:r>
-              <a:rPr lang="zh-CN" altLang="" sz="1400" u="sng">
+              <a:rPr lang="zh-CN" altLang="en-US" sz="1400" u="sng">
                 <a:latin typeface="Courier New" panose="02070309020205020404" charset="0"/>
                 <a:cs typeface="Courier New" panose="02070309020205020404" charset="0"/>
               </a:rPr>
@@ -6998,38 +6967,38 @@
               <a:t>，出错，返回</a:t>
             </a:r>
             <a:r>
-              <a:rPr lang="" altLang="zh-CN" sz="1400" u="sng">
+              <a:rPr lang="en-US" altLang="zh-CN" sz="1400" u="sng">
                 <a:latin typeface="Courier New" panose="02070309020205020404" charset="0"/>
                 <a:cs typeface="Courier New" panose="02070309020205020404" charset="0"/>
               </a:rPr>
               <a:t>-1</a:t>
             </a:r>
-            <a:endParaRPr lang="" altLang="zh-CN" sz="1400" u="sng">
-              <a:latin typeface="Courier New" panose="02070309020205020404" charset="0"/>
-              <a:cs typeface="Courier New" panose="02070309020205020404" charset="0"/>
-            </a:endParaRPr>
-          </a:p>
-          <a:p>
-            <a:endParaRPr lang="" altLang="zh-CN" sz="1400" u="sng">
-              <a:latin typeface="Courier New" panose="02070309020205020404" charset="0"/>
-              <a:cs typeface="Courier New" panose="02070309020205020404" charset="0"/>
-            </a:endParaRPr>
-          </a:p>
-          <a:p>
-            <a:endParaRPr lang="" altLang="zh-CN" sz="1400" u="sng">
-              <a:latin typeface="Courier New" panose="02070309020205020404" charset="0"/>
-              <a:cs typeface="Courier New" panose="02070309020205020404" charset="0"/>
-            </a:endParaRPr>
-          </a:p>
-          <a:p>
-            <a:r>
-              <a:rPr lang="zh-CN" altLang="" sz="1400" u="sng">
+            <a:endParaRPr lang="en-US" altLang="zh-CN" sz="1400" u="sng">
+              <a:latin typeface="Courier New" panose="02070309020205020404" charset="0"/>
+              <a:cs typeface="Courier New" panose="02070309020205020404" charset="0"/>
+            </a:endParaRPr>
+          </a:p>
+          <a:p>
+            <a:endParaRPr lang="en-US" altLang="zh-CN" sz="1400" u="sng">
+              <a:latin typeface="Courier New" panose="02070309020205020404" charset="0"/>
+              <a:cs typeface="Courier New" panose="02070309020205020404" charset="0"/>
+            </a:endParaRPr>
+          </a:p>
+          <a:p>
+            <a:endParaRPr lang="en-US" altLang="zh-CN" sz="1400" u="sng">
+              <a:latin typeface="Courier New" panose="02070309020205020404" charset="0"/>
+              <a:cs typeface="Courier New" panose="02070309020205020404" charset="0"/>
+            </a:endParaRPr>
+          </a:p>
+          <a:p>
+            <a:r>
+              <a:rPr lang="zh-CN" altLang="en-US" sz="1400" u="sng">
                 <a:latin typeface="Courier New" panose="02070309020205020404" charset="0"/>
                 <a:cs typeface="Courier New" panose="02070309020205020404" charset="0"/>
               </a:rPr>
               <a:t>注意：</a:t>
             </a:r>
-            <a:endParaRPr lang="zh-CN" altLang="" sz="1400" u="sng">
+            <a:endParaRPr lang="zh-CN" altLang="en-US" sz="1400" u="sng">
               <a:latin typeface="Courier New" panose="02070309020205020404" charset="0"/>
               <a:cs typeface="Courier New" panose="02070309020205020404" charset="0"/>
             </a:endParaRPr>
@@ -7057,42 +7026,42 @@
               <a:t>set</a:t>
             </a:r>
             <a:r>
-              <a:rPr lang="" altLang="en-US" sz="1400" u="sng">
+              <a:rPr lang="en-US" altLang="en-US" sz="1400" u="sng">
                 <a:latin typeface="Courier New" panose="02070309020205020404" charset="0"/>
                 <a:cs typeface="Courier New" panose="02070309020205020404" charset="0"/>
               </a:rPr>
               <a:t>uid</a:t>
             </a:r>
             <a:r>
-              <a:rPr lang="zh-CN" altLang="" sz="1400" u="sng">
+              <a:rPr lang="zh-CN" altLang="en-US" sz="1400" u="sng">
                 <a:latin typeface="Courier New" panose="02070309020205020404" charset="0"/>
                 <a:cs typeface="Courier New" panose="02070309020205020404" charset="0"/>
               </a:rPr>
               <a:t>将实际用户</a:t>
             </a:r>
             <a:r>
-              <a:rPr lang="" altLang="zh-CN" sz="1400" u="sng">
+              <a:rPr lang="en-US" altLang="zh-CN" sz="1400" u="sng">
                 <a:latin typeface="Courier New" panose="02070309020205020404" charset="0"/>
                 <a:cs typeface="Courier New" panose="02070309020205020404" charset="0"/>
               </a:rPr>
               <a:t>id,</a:t>
             </a:r>
             <a:r>
-              <a:rPr lang="zh-CN" altLang="" sz="1400" u="sng">
+              <a:rPr lang="zh-CN" altLang="en-US" sz="1400" u="sng">
                 <a:latin typeface="Courier New" panose="02070309020205020404" charset="0"/>
                 <a:cs typeface="Courier New" panose="02070309020205020404" charset="0"/>
               </a:rPr>
               <a:t>有效用户</a:t>
             </a:r>
             <a:r>
-              <a:rPr lang="" altLang="zh-CN" sz="1400" u="sng">
+              <a:rPr lang="en-US" altLang="zh-CN" sz="1400" u="sng">
                 <a:latin typeface="Courier New" panose="02070309020205020404" charset="0"/>
                 <a:cs typeface="Courier New" panose="02070309020205020404" charset="0"/>
               </a:rPr>
               <a:t>id</a:t>
             </a:r>
             <a:r>
-              <a:rPr lang="zh-CN" altLang="" sz="1400" u="sng">
+              <a:rPr lang="zh-CN" altLang="en-US" sz="1400" u="sng">
                 <a:latin typeface="Courier New" panose="02070309020205020404" charset="0"/>
                 <a:cs typeface="Courier New" panose="02070309020205020404" charset="0"/>
               </a:rPr>
@@ -7113,27 +7082,27 @@
               <a:t>设置为</a:t>
             </a:r>
             <a:r>
-              <a:rPr lang="" altLang="zh-CN" sz="1400" u="sng">
+              <a:rPr lang="en-US" altLang="zh-CN" sz="1400" u="sng">
                 <a:latin typeface="Courier New" panose="02070309020205020404" charset="0"/>
                 <a:cs typeface="Courier New" panose="02070309020205020404" charset="0"/>
               </a:rPr>
               <a:t>uid</a:t>
             </a:r>
-            <a:endParaRPr lang="" altLang="zh-CN" sz="1400" u="sng">
-              <a:latin typeface="Courier New" panose="02070309020205020404" charset="0"/>
-              <a:cs typeface="Courier New" panose="02070309020205020404" charset="0"/>
-            </a:endParaRPr>
-          </a:p>
-          <a:p>
-            <a:r>
-              <a:rPr lang="" altLang="zh-CN" sz="1400" u="sng">
+            <a:endParaRPr lang="en-US" altLang="zh-CN" sz="1400" u="sng">
+              <a:latin typeface="Courier New" panose="02070309020205020404" charset="0"/>
+              <a:cs typeface="Courier New" panose="02070309020205020404" charset="0"/>
+            </a:endParaRPr>
+          </a:p>
+          <a:p>
+            <a:r>
+              <a:rPr lang="en-US" altLang="zh-CN" sz="1400" u="sng">
                 <a:latin typeface="Courier New" panose="02070309020205020404" charset="0"/>
                 <a:cs typeface="Courier New" panose="02070309020205020404" charset="0"/>
               </a:rPr>
               <a:t>	</a:t>
             </a:r>
             <a:r>
-              <a:rPr lang="zh-CN" altLang="" sz="1400" u="sng">
+              <a:rPr lang="zh-CN" altLang="en-US" sz="1400" u="sng">
                 <a:latin typeface="Courier New" panose="02070309020205020404" charset="0"/>
                 <a:cs typeface="Courier New" panose="02070309020205020404" charset="0"/>
               </a:rPr>
@@ -7443,96 +7412,26 @@
                 <a:latin typeface="Courier New" panose="02070309020205020404" charset="0"/>
                 <a:cs typeface="Courier New" panose="02070309020205020404" charset="0"/>
               </a:rPr>
-              <a:t>int setreuid(uid_t </a:t>
-            </a:r>
-            <a:r>
-              <a:rPr lang="" altLang="en-US" sz="1400" u="sng">
-                <a:latin typeface="Courier New" panose="02070309020205020404" charset="0"/>
-                <a:cs typeface="Courier New" panose="02070309020205020404" charset="0"/>
-              </a:rPr>
-              <a:t>r</a:t>
-            </a:r>
+              <a:t>int setreuid(uid_t ruid, uid_t euid);</a:t>
+            </a:r>
+            <a:endParaRPr lang="en-US" altLang="en-US" sz="1400" u="sng">
+              <a:latin typeface="Courier New" panose="02070309020205020404" charset="0"/>
+              <a:cs typeface="Courier New" panose="02070309020205020404" charset="0"/>
+            </a:endParaRPr>
+          </a:p>
+          <a:p>
+            <a:endParaRPr lang="en-US" altLang="en-US" sz="1400" u="sng">
+              <a:latin typeface="Courier New" panose="02070309020205020404" charset="0"/>
+              <a:cs typeface="Courier New" panose="02070309020205020404" charset="0"/>
+            </a:endParaRPr>
+          </a:p>
+          <a:p>
             <a:r>
               <a:rPr lang="en-US" altLang="en-US" sz="1400" u="sng">
                 <a:latin typeface="Courier New" panose="02070309020205020404" charset="0"/>
                 <a:cs typeface="Courier New" panose="02070309020205020404" charset="0"/>
               </a:rPr>
-              <a:t>uid</a:t>
-            </a:r>
-            <a:r>
-              <a:rPr lang="" altLang="en-US" sz="1400" u="sng">
-                <a:latin typeface="Courier New" panose="02070309020205020404" charset="0"/>
-                <a:cs typeface="Courier New" panose="02070309020205020404" charset="0"/>
-              </a:rPr>
-              <a:t>, uid_t euid</a:t>
-            </a:r>
-            <a:r>
-              <a:rPr lang="en-US" altLang="en-US" sz="1400" u="sng">
-                <a:latin typeface="Courier New" panose="02070309020205020404" charset="0"/>
-                <a:cs typeface="Courier New" panose="02070309020205020404" charset="0"/>
-              </a:rPr>
-              <a:t>);</a:t>
-            </a:r>
-            <a:endParaRPr lang="en-US" altLang="en-US" sz="1400" u="sng">
-              <a:latin typeface="Courier New" panose="02070309020205020404" charset="0"/>
-              <a:cs typeface="Courier New" panose="02070309020205020404" charset="0"/>
-            </a:endParaRPr>
-          </a:p>
-          <a:p>
-            <a:endParaRPr lang="en-US" altLang="en-US" sz="1400" u="sng">
-              <a:latin typeface="Courier New" panose="02070309020205020404" charset="0"/>
-              <a:cs typeface="Courier New" panose="02070309020205020404" charset="0"/>
-            </a:endParaRPr>
-          </a:p>
-          <a:p>
-            <a:r>
-              <a:rPr lang="en-US" altLang="en-US" sz="1400" u="sng">
-                <a:latin typeface="Courier New" panose="02070309020205020404" charset="0"/>
-                <a:cs typeface="Courier New" panose="02070309020205020404" charset="0"/>
-              </a:rPr>
-              <a:t>int set</a:t>
-            </a:r>
-            <a:r>
-              <a:rPr lang="" altLang="en-US" sz="1400" u="sng">
-                <a:latin typeface="Courier New" panose="02070309020205020404" charset="0"/>
-                <a:cs typeface="Courier New" panose="02070309020205020404" charset="0"/>
-              </a:rPr>
-              <a:t>re</a:t>
-            </a:r>
-            <a:r>
-              <a:rPr lang="en-US" altLang="en-US" sz="1400" u="sng">
-                <a:latin typeface="Courier New" panose="02070309020205020404" charset="0"/>
-                <a:cs typeface="Courier New" panose="02070309020205020404" charset="0"/>
-              </a:rPr>
-              <a:t>gid(gid_t </a:t>
-            </a:r>
-            <a:r>
-              <a:rPr lang="" altLang="en-US" sz="1400" u="sng">
-                <a:latin typeface="Courier New" panose="02070309020205020404" charset="0"/>
-                <a:cs typeface="Courier New" panose="02070309020205020404" charset="0"/>
-              </a:rPr>
-              <a:t>r</a:t>
-            </a:r>
-            <a:r>
-              <a:rPr lang="en-US" altLang="en-US" sz="1400" u="sng">
-                <a:latin typeface="Courier New" panose="02070309020205020404" charset="0"/>
-                <a:cs typeface="Courier New" panose="02070309020205020404" charset="0"/>
-              </a:rPr>
-              <a:t>gid</a:t>
-            </a:r>
-            <a:r>
-              <a:rPr lang="" altLang="en-US" sz="1400" u="sng">
-                <a:latin typeface="Courier New" panose="02070309020205020404" charset="0"/>
-                <a:cs typeface="Courier New" panose="02070309020205020404" charset="0"/>
-              </a:rPr>
-              <a:t>, gid_t egid</a:t>
-            </a:r>
-            <a:r>
-              <a:rPr lang="en-US" altLang="en-US" sz="1400" u="sng">
-                <a:latin typeface="Courier New" panose="02070309020205020404" charset="0"/>
-                <a:cs typeface="Courier New" panose="02070309020205020404" charset="0"/>
-              </a:rPr>
-              <a:t>);</a:t>
+              <a:t>int setregid(gid_t rgid, gid_t egid);</a:t>
             </a:r>
             <a:endParaRPr lang="en-US" altLang="en-US" sz="1400" u="sng">
               <a:latin typeface="Courier New" panose="02070309020205020404" charset="0"/>
@@ -7875,21 +7774,7 @@
                 <a:latin typeface="Courier New" panose="02070309020205020404" charset="0"/>
                 <a:cs typeface="Courier New" panose="02070309020205020404" charset="0"/>
               </a:rPr>
-              <a:t>int</a:t>
-            </a:r>
-            <a:r>
-              <a:rPr lang="" altLang="en-US" sz="1400" u="sng">
-                <a:latin typeface="Courier New" panose="02070309020205020404" charset="0"/>
-                <a:cs typeface="Courier New" panose="02070309020205020404" charset="0"/>
-              </a:rPr>
-              <a:t> seteuid(uid_t uid)</a:t>
-            </a:r>
-            <a:r>
-              <a:rPr lang="en-US" altLang="en-US" sz="1400" u="sng">
-                <a:latin typeface="Courier New" panose="02070309020205020404" charset="0"/>
-                <a:cs typeface="Courier New" panose="02070309020205020404" charset="0"/>
-              </a:rPr>
-              <a:t>;</a:t>
+              <a:t>int seteuid(uid_t uid);</a:t>
             </a:r>
             <a:endParaRPr lang="en-US" altLang="en-US" sz="1400" u="sng">
               <a:latin typeface="Courier New" panose="02070309020205020404" charset="0"/>
@@ -8639,50 +8524,50 @@
               <a:t>	</a:t>
             </a:r>
             <a:r>
-              <a:rPr lang="" altLang="en-US" sz="1400" u="sng">
+              <a:rPr lang="en-US" altLang="en-US" sz="1400" u="sng">
                 <a:latin typeface="Courier New" panose="02070309020205020404" charset="0"/>
                 <a:cs typeface="Courier New" panose="02070309020205020404" charset="0"/>
               </a:rPr>
               <a:t>#! pathname[option-argument]</a:t>
             </a:r>
-            <a:endParaRPr lang="" altLang="en-US" sz="1400" u="sng">
-              <a:latin typeface="Courier New" panose="02070309020205020404" charset="0"/>
-              <a:cs typeface="Courier New" panose="02070309020205020404" charset="0"/>
-            </a:endParaRPr>
-          </a:p>
-          <a:p>
-            <a:endParaRPr lang="" altLang="en-US" sz="1400" u="sng">
-              <a:latin typeface="Courier New" panose="02070309020205020404" charset="0"/>
-              <a:cs typeface="Courier New" panose="02070309020205020404" charset="0"/>
-            </a:endParaRPr>
-          </a:p>
-          <a:p>
-            <a:endParaRPr lang="" altLang="en-US" sz="1400" u="sng">
-              <a:latin typeface="Courier New" panose="02070309020205020404" charset="0"/>
-              <a:cs typeface="Courier New" panose="02070309020205020404" charset="0"/>
-            </a:endParaRPr>
-          </a:p>
-          <a:p>
-            <a:endParaRPr lang="" altLang="en-US" sz="1400" u="sng">
-              <a:latin typeface="Courier New" panose="02070309020205020404" charset="0"/>
-              <a:cs typeface="Courier New" panose="02070309020205020404" charset="0"/>
-            </a:endParaRPr>
-          </a:p>
-          <a:p>
-            <a:endParaRPr lang="" altLang="en-US" sz="1400" u="sng">
-              <a:latin typeface="Courier New" panose="02070309020205020404" charset="0"/>
-              <a:cs typeface="Courier New" panose="02070309020205020404" charset="0"/>
-            </a:endParaRPr>
-          </a:p>
-          <a:p>
-            <a:endParaRPr lang="" altLang="en-US" sz="1400" u="sng">
-              <a:latin typeface="Courier New" panose="02070309020205020404" charset="0"/>
-              <a:cs typeface="Courier New" panose="02070309020205020404" charset="0"/>
-            </a:endParaRPr>
-          </a:p>
-          <a:p>
-            <a:r>
-              <a:rPr lang="zh-CN" altLang="" sz="1400" u="sng">
+            <a:endParaRPr lang="en-US" altLang="en-US" sz="1400" u="sng">
+              <a:latin typeface="Courier New" panose="02070309020205020404" charset="0"/>
+              <a:cs typeface="Courier New" panose="02070309020205020404" charset="0"/>
+            </a:endParaRPr>
+          </a:p>
+          <a:p>
+            <a:endParaRPr lang="en-US" altLang="en-US" sz="1400" u="sng">
+              <a:latin typeface="Courier New" panose="02070309020205020404" charset="0"/>
+              <a:cs typeface="Courier New" panose="02070309020205020404" charset="0"/>
+            </a:endParaRPr>
+          </a:p>
+          <a:p>
+            <a:endParaRPr lang="en-US" altLang="en-US" sz="1400" u="sng">
+              <a:latin typeface="Courier New" panose="02070309020205020404" charset="0"/>
+              <a:cs typeface="Courier New" panose="02070309020205020404" charset="0"/>
+            </a:endParaRPr>
+          </a:p>
+          <a:p>
+            <a:endParaRPr lang="en-US" altLang="en-US" sz="1400" u="sng">
+              <a:latin typeface="Courier New" panose="02070309020205020404" charset="0"/>
+              <a:cs typeface="Courier New" panose="02070309020205020404" charset="0"/>
+            </a:endParaRPr>
+          </a:p>
+          <a:p>
+            <a:endParaRPr lang="en-US" altLang="en-US" sz="1400" u="sng">
+              <a:latin typeface="Courier New" panose="02070309020205020404" charset="0"/>
+              <a:cs typeface="Courier New" panose="02070309020205020404" charset="0"/>
+            </a:endParaRPr>
+          </a:p>
+          <a:p>
+            <a:endParaRPr lang="en-US" altLang="en-US" sz="1400" u="sng">
+              <a:latin typeface="Courier New" panose="02070309020205020404" charset="0"/>
+              <a:cs typeface="Courier New" panose="02070309020205020404" charset="0"/>
+            </a:endParaRPr>
+          </a:p>
+          <a:p>
+            <a:r>
+              <a:rPr lang="zh-CN" altLang="en-US" sz="1400" u="sng">
                 <a:latin typeface="Courier New" panose="02070309020205020404" charset="0"/>
                 <a:cs typeface="Courier New" panose="02070309020205020404" charset="0"/>
               </a:rPr>
@@ -8721,7 +8606,7 @@
           </a:p>
           <a:p>
             <a:r>
-              <a:rPr lang="zh-CN" altLang="" sz="1400" u="sng">
+              <a:rPr lang="zh-CN" altLang="en-US" sz="1400" u="sng">
                 <a:latin typeface="Courier New" panose="02070309020205020404" charset="0"/>
                 <a:cs typeface="Courier New" panose="02070309020205020404" charset="0"/>
               </a:rPr>
@@ -8816,28 +8701,28 @@
               <a:t>调用解释器后，将解释器文件的路径作为</a:t>
             </a:r>
             <a:r>
-              <a:rPr lang="" altLang="zh-CN" sz="1400" u="sng">
+              <a:rPr lang="en-US" altLang="zh-CN" sz="1400" u="sng">
                 <a:latin typeface="Courier New" panose="02070309020205020404" charset="0"/>
                 <a:cs typeface="Courier New" panose="02070309020205020404" charset="0"/>
               </a:rPr>
               <a:t>argv[</a:t>
             </a:r>
             <a:r>
-              <a:rPr lang="en-US" altLang="" sz="1400" u="sng">
+              <a:rPr lang="en-US" altLang="en-US" sz="1400" u="sng">
                 <a:latin typeface="Courier New" panose="02070309020205020404" charset="0"/>
                 <a:cs typeface="Courier New" panose="02070309020205020404" charset="0"/>
               </a:rPr>
               <a:t>2</a:t>
             </a:r>
             <a:r>
-              <a:rPr lang="" altLang="zh-CN" sz="1400" u="sng">
+              <a:rPr lang="en-US" altLang="zh-CN" sz="1400" u="sng">
                 <a:latin typeface="Courier New" panose="02070309020205020404" charset="0"/>
                 <a:cs typeface="Courier New" panose="02070309020205020404" charset="0"/>
               </a:rPr>
               <a:t>], </a:t>
             </a:r>
             <a:r>
-              <a:rPr lang="zh-CN" altLang="" sz="1400" u="sng">
+              <a:rPr lang="zh-CN" altLang="en-US" sz="1400" u="sng">
                 <a:latin typeface="Courier New" panose="02070309020205020404" charset="0"/>
                 <a:cs typeface="Courier New" panose="02070309020205020404" charset="0"/>
               </a:rPr>
@@ -8851,14 +8736,14 @@
               <a:t>argv</a:t>
             </a:r>
             <a:r>
-              <a:rPr lang="" altLang="en-US" sz="1400" u="sng">
+              <a:rPr lang="en-US" altLang="en-US" sz="1400" u="sng">
                 <a:latin typeface="Courier New" panose="02070309020205020404" charset="0"/>
                 <a:cs typeface="Courier New" panose="02070309020205020404" charset="0"/>
               </a:rPr>
               <a:t>[1], </a:t>
             </a:r>
             <a:r>
-              <a:rPr lang="zh-CN" altLang="" sz="1400" u="sng">
+              <a:rPr lang="zh-CN" altLang="en-US" sz="1400" u="sng">
                 <a:latin typeface="Courier New" panose="02070309020205020404" charset="0"/>
                 <a:cs typeface="Courier New" panose="02070309020205020404" charset="0"/>
               </a:rPr>
@@ -8886,14 +8771,14 @@
               <a:t>argv</a:t>
             </a:r>
             <a:r>
-              <a:rPr lang="" altLang="en-US" sz="1400" u="sng">
+              <a:rPr lang="en-US" altLang="en-US" sz="1400" u="sng">
                 <a:latin typeface="Courier New" panose="02070309020205020404" charset="0"/>
                 <a:cs typeface="Courier New" panose="02070309020205020404" charset="0"/>
               </a:rPr>
               <a:t>[2+]</a:t>
             </a:r>
             <a:r>
-              <a:rPr lang="zh-CN" altLang="" sz="1400" u="sng">
+              <a:rPr lang="zh-CN" altLang="en-US" sz="1400" u="sng">
                 <a:latin typeface="Courier New" panose="02070309020205020404" charset="0"/>
                 <a:cs typeface="Courier New" panose="02070309020205020404" charset="0"/>
               </a:rPr>
@@ -8907,7 +8792,7 @@
               <a:t>argv</a:t>
             </a:r>
             <a:r>
-              <a:rPr lang="" altLang="en-US" sz="1400" u="sng">
+              <a:rPr lang="en-US" altLang="en-US" sz="1400" u="sng">
                 <a:latin typeface="Courier New" panose="02070309020205020404" charset="0"/>
                 <a:cs typeface="Courier New" panose="02070309020205020404" charset="0"/>
               </a:rPr>
@@ -8922,13 +8807,13 @@
               <a:t>和一般的调用保持一致</a:t>
             </a:r>
             <a:r>
-              <a:rPr lang="zh-CN" altLang="" sz="1400" u="sng">
+              <a:rPr lang="zh-CN" altLang="en-US" sz="1400" u="sng">
                 <a:latin typeface="Courier New" panose="02070309020205020404" charset="0"/>
                 <a:cs typeface="Courier New" panose="02070309020205020404" charset="0"/>
               </a:rPr>
               <a:t>是解释器（可执行二进制文件）路径。</a:t>
             </a:r>
-            <a:endParaRPr lang="zh-CN" altLang="" sz="1400" u="sng">
+            <a:endParaRPr lang="zh-CN" altLang="en-US" sz="1400" u="sng">
               <a:latin typeface="Courier New" panose="02070309020205020404" charset="0"/>
               <a:cs typeface="Courier New" panose="02070309020205020404" charset="0"/>
             </a:endParaRPr>
@@ -9766,20 +9651,20 @@
               <a:t>用一个</a:t>
             </a:r>
             <a:r>
-              <a:rPr lang="" altLang="zh-CN" sz="1400" u="sng">
+              <a:rPr lang="en-US" altLang="zh-CN" sz="1400" u="sng">
                 <a:latin typeface="Courier New" panose="02070309020205020404" charset="0"/>
                 <a:cs typeface="Courier New" panose="02070309020205020404" charset="0"/>
               </a:rPr>
               <a:t>shell</a:t>
             </a:r>
             <a:r>
-              <a:rPr lang="zh-CN" altLang="" sz="1400" u="sng">
+              <a:rPr lang="zh-CN" altLang="en-US" sz="1400" u="sng">
                 <a:latin typeface="Courier New" panose="02070309020205020404" charset="0"/>
                 <a:cs typeface="Courier New" panose="02070309020205020404" charset="0"/>
               </a:rPr>
               <a:t>脚本替代解释器需要更多的开销</a:t>
             </a:r>
-            <a:endParaRPr lang="zh-CN" altLang="" sz="1400" u="sng">
+            <a:endParaRPr lang="zh-CN" altLang="en-US" sz="1400" u="sng">
               <a:latin typeface="Courier New" panose="02070309020205020404" charset="0"/>
               <a:cs typeface="Courier New" panose="02070309020205020404" charset="0"/>
             </a:endParaRPr>
@@ -9793,14 +9678,14 @@
               <a:t>	3</a:t>
             </a:r>
             <a:r>
-              <a:rPr lang="" altLang="en-US" sz="1400" u="sng">
+              <a:rPr lang="en-US" altLang="en-US" sz="1400" u="sng">
                 <a:latin typeface="Courier New" panose="02070309020205020404" charset="0"/>
                 <a:cs typeface="Courier New" panose="02070309020205020404" charset="0"/>
               </a:rPr>
               <a:t>. </a:t>
             </a:r>
             <a:r>
-              <a:rPr lang="zh-CN" altLang="" sz="1400" u="sng">
+              <a:rPr lang="zh-CN" altLang="en-US" sz="1400" u="sng">
                 <a:latin typeface="Courier New" panose="02070309020205020404" charset="0"/>
                 <a:cs typeface="Courier New" panose="02070309020205020404" charset="0"/>
               </a:rPr>
@@ -9879,7 +9764,7 @@
               <a:t>函数</a:t>
             </a:r>
             <a:r>
-              <a:rPr lang="" altLang="zh-CN" sz="1600" b="1">
+              <a:rPr lang="en-US" altLang="zh-CN" sz="1600" b="1">
                 <a:effectLst>
                   <a:outerShdw blurRad="38100" dist="38100" dir="2700000" algn="tl">
                     <a:srgbClr val="000000">
@@ -9890,7 +9775,7 @@
               </a:rPr>
               <a:t>system</a:t>
             </a:r>
-            <a:endParaRPr lang="" altLang="zh-CN" sz="1600" b="1">
+            <a:endParaRPr lang="en-US" altLang="zh-CN" sz="1600" b="1">
               <a:effectLst>
                 <a:outerShdw blurRad="38100" dist="38100" dir="2700000" algn="tl">
                   <a:srgbClr val="000000">
@@ -9924,100 +9809,93 @@
           </a:bodyPr>
           <a:p>
             <a:r>
-              <a:rPr lang="" altLang="zh-CN" sz="1400" u="sng">
+              <a:rPr lang="en-US" altLang="zh-CN" sz="1400" u="sng">
                 <a:latin typeface="Courier New" panose="02070309020205020404" charset="0"/>
                 <a:cs typeface="Courier New" panose="02070309020205020404" charset="0"/>
               </a:rPr>
               <a:t>int system(const char *cmdstring)</a:t>
             </a:r>
-            <a:endParaRPr lang="" altLang="zh-CN" sz="1400" u="sng">
-              <a:latin typeface="Courier New" panose="02070309020205020404" charset="0"/>
-              <a:cs typeface="Courier New" panose="02070309020205020404" charset="0"/>
-            </a:endParaRPr>
-          </a:p>
-          <a:p>
-            <a:r>
-              <a:rPr lang="" altLang="zh-CN" sz="1400" u="sng">
+            <a:endParaRPr lang="en-US" altLang="zh-CN" sz="1400" u="sng">
+              <a:latin typeface="Courier New" panose="02070309020205020404" charset="0"/>
+              <a:cs typeface="Courier New" panose="02070309020205020404" charset="0"/>
+            </a:endParaRPr>
+          </a:p>
+          <a:p>
+            <a:r>
+              <a:rPr lang="en-US" altLang="zh-CN" sz="1400" u="sng">
                 <a:latin typeface="Courier New" panose="02070309020205020404" charset="0"/>
                 <a:cs typeface="Courier New" panose="02070309020205020404" charset="0"/>
               </a:rPr>
               <a:t>	</a:t>
             </a:r>
-            <a:endParaRPr lang="" altLang="zh-CN" sz="1400" u="sng">
-              <a:latin typeface="Courier New" panose="02070309020205020404" charset="0"/>
-              <a:cs typeface="Courier New" panose="02070309020205020404" charset="0"/>
-            </a:endParaRPr>
-          </a:p>
-          <a:p>
-            <a:r>
-              <a:rPr lang="" altLang="zh-CN" sz="1400" u="sng">
+            <a:endParaRPr lang="en-US" altLang="zh-CN" sz="1400" u="sng">
+              <a:latin typeface="Courier New" panose="02070309020205020404" charset="0"/>
+              <a:cs typeface="Courier New" panose="02070309020205020404" charset="0"/>
+            </a:endParaRPr>
+          </a:p>
+          <a:p>
+            <a:r>
+              <a:rPr lang="en-US" altLang="zh-CN" sz="1400" u="sng">
                 <a:latin typeface="Courier New" panose="02070309020205020404" charset="0"/>
                 <a:cs typeface="Courier New" panose="02070309020205020404" charset="0"/>
               </a:rPr>
               <a:t>	if cmdstring is NULL, </a:t>
             </a:r>
             <a:r>
-              <a:rPr lang="en-US" altLang="" sz="1400" u="sng">
-                <a:latin typeface="Courier New" panose="02070309020205020404" charset="0"/>
-                <a:cs typeface="Courier New" panose="02070309020205020404" charset="0"/>
-              </a:rPr>
-              <a:t>return</a:t>
-            </a:r>
-            <a:r>
-              <a:rPr lang="" altLang="en-US" sz="1400" u="sng">
-                <a:latin typeface="Courier New" panose="02070309020205020404" charset="0"/>
-                <a:cs typeface="Courier New" panose="02070309020205020404" charset="0"/>
-              </a:rPr>
-              <a:t> !0 when the system function is useful in this system</a:t>
-            </a:r>
-            <a:endParaRPr lang="" altLang="en-US" sz="1400" u="sng">
-              <a:latin typeface="Courier New" panose="02070309020205020404" charset="0"/>
-              <a:cs typeface="Courier New" panose="02070309020205020404" charset="0"/>
-            </a:endParaRPr>
-          </a:p>
-          <a:p>
-            <a:r>
-              <a:rPr lang="" altLang="en-US" sz="1400" u="sng">
+              <a:rPr lang="en-US" altLang="en-US" sz="1400" u="sng">
+                <a:latin typeface="Courier New" panose="02070309020205020404" charset="0"/>
+                <a:cs typeface="Courier New" panose="02070309020205020404" charset="0"/>
+              </a:rPr>
+              <a:t>return !0 when the system function is useful in this system</a:t>
+            </a:r>
+            <a:endParaRPr lang="en-US" altLang="en-US" sz="1400" u="sng">
+              <a:latin typeface="Courier New" panose="02070309020205020404" charset="0"/>
+              <a:cs typeface="Courier New" panose="02070309020205020404" charset="0"/>
+            </a:endParaRPr>
+          </a:p>
+          <a:p>
+            <a:r>
+              <a:rPr lang="en-US" altLang="en-US" sz="1400" u="sng">
                 <a:latin typeface="Courier New" panose="02070309020205020404" charset="0"/>
                 <a:cs typeface="Courier New" panose="02070309020205020404" charset="0"/>
               </a:rPr>
               <a:t>	</a:t>
             </a:r>
-            <a:endParaRPr lang="" altLang="en-US" sz="1400" u="sng">
-              <a:latin typeface="Courier New" panose="02070309020205020404" charset="0"/>
-              <a:cs typeface="Courier New" panose="02070309020205020404" charset="0"/>
-            </a:endParaRPr>
-          </a:p>
-          <a:p>
-            <a:r>
-              <a:rPr lang="" altLang="en-US" sz="1400" u="sng">
+            <a:endParaRPr lang="en-US" altLang="en-US" sz="1400" u="sng">
+              <a:latin typeface="Courier New" panose="02070309020205020404" charset="0"/>
+              <a:cs typeface="Courier New" panose="02070309020205020404" charset="0"/>
+            </a:endParaRPr>
+          </a:p>
+          <a:p>
+            <a:r>
+              <a:rPr lang="en-US" altLang="en-US" sz="1400" u="sng">
                 <a:latin typeface="Courier New" panose="02070309020205020404" charset="0"/>
                 <a:cs typeface="Courier New" panose="02070309020205020404" charset="0"/>
               </a:rPr>
               <a:t>	system </a:t>
             </a:r>
             <a:r>
-              <a:rPr lang="zh-CN" altLang="" sz="1400" u="sng">
+              <a:rPr lang="zh-CN" altLang="en-US" sz="1400" u="sng">
                 <a:latin typeface="Courier New" panose="02070309020205020404" charset="0"/>
                 <a:cs typeface="Courier New" panose="02070309020205020404" charset="0"/>
               </a:rPr>
               <a:t>在实现中调用了</a:t>
             </a:r>
             <a:r>
-              <a:rPr lang="" altLang="zh-CN" sz="1400" u="sng">
+              <a:rPr lang="en-US" altLang="zh-CN" sz="1400" u="sng">
                 <a:latin typeface="Courier New" panose="02070309020205020404" charset="0"/>
                 <a:cs typeface="Courier New" panose="02070309020205020404" charset="0"/>
               </a:rPr>
               <a:t>fork, exec, waitpid</a:t>
             </a:r>
             <a:r>
-              <a:rPr lang="zh-CN" altLang="" sz="1400" u="sng">
+              <a:rPr lang="zh-CN" altLang="en-US" sz="1400" u="sng">
                 <a:latin typeface="Courier New" panose="02070309020205020404" charset="0"/>
                 <a:cs typeface="Courier New" panose="02070309020205020404" charset="0"/>
               </a:rPr>
               <a:t>，其返回值如下：</a:t>
             </a:r>
-            <a:endParaRPr lang="zh-CN" altLang="" sz="1400" u="sng">
+            <a:endParaRPr lang="zh-CN" altLang="en-US" sz="1400" u="sng">
               <a:latin typeface="Courier New" panose="02070309020205020404" charset="0"/>
               <a:cs typeface="Courier New" panose="02070309020205020404" charset="0"/>
             </a:endParaRPr>
@@ -10049,7 +9927,7 @@
                 <a:latin typeface="Courier New" panose="02070309020205020404" charset="0"/>
                 <a:cs typeface="Courier New" panose="02070309020205020404" charset="0"/>
               </a:rPr>
-              <a:t>返回处</a:t>
+              <a:t>返回除了</a:t>
             </a:r>
             <a:r>
               <a:rPr lang="en-US" altLang="zh-CN" sz="1400" u="sng">
@@ -10121,21 +9999,21 @@
               <a:t>失败</a:t>
             </a:r>
             <a:r>
-              <a:rPr lang="" altLang="zh-CN" sz="1400" u="sng">
+              <a:rPr lang="en-US" altLang="zh-CN" sz="1400" u="sng">
                 <a:latin typeface="Courier New" panose="02070309020205020404" charset="0"/>
                 <a:cs typeface="Courier New" panose="02070309020205020404" charset="0"/>
               </a:rPr>
               <a:t>(</a:t>
             </a:r>
             <a:r>
-              <a:rPr lang="zh-CN" altLang="" sz="1400" u="sng">
+              <a:rPr lang="zh-CN" altLang="en-US" sz="1400" u="sng">
                 <a:latin typeface="Courier New" panose="02070309020205020404" charset="0"/>
                 <a:cs typeface="Courier New" panose="02070309020205020404" charset="0"/>
               </a:rPr>
               <a:t>该命令不能执行</a:t>
             </a:r>
             <a:r>
-              <a:rPr lang="" altLang="zh-CN" sz="1400" u="sng">
+              <a:rPr lang="en-US" altLang="zh-CN" sz="1400" u="sng">
                 <a:latin typeface="Courier New" panose="02070309020205020404" charset="0"/>
                 <a:cs typeface="Courier New" panose="02070309020205020404" charset="0"/>
               </a:rPr>
@@ -10163,20 +10041,20 @@
               <a:t>执行了</a:t>
             </a:r>
             <a:r>
-              <a:rPr lang="" altLang="zh-CN" sz="1400" u="sng">
+              <a:rPr lang="en-US" altLang="zh-CN" sz="1400" u="sng">
                 <a:latin typeface="Courier New" panose="02070309020205020404" charset="0"/>
                 <a:cs typeface="Courier New" panose="02070309020205020404" charset="0"/>
               </a:rPr>
               <a:t>exit(127)</a:t>
             </a:r>
-            <a:endParaRPr lang="" altLang="en-US" sz="1400" u="sng">
-              <a:latin typeface="Courier New" panose="02070309020205020404" charset="0"/>
-              <a:cs typeface="Courier New" panose="02070309020205020404" charset="0"/>
-            </a:endParaRPr>
-          </a:p>
-          <a:p>
-            <a:r>
-              <a:rPr lang="en-US" altLang="" sz="1400" u="sng">
+            <a:endParaRPr lang="en-US" altLang="en-US" sz="1400" u="sng">
+              <a:latin typeface="Courier New" panose="02070309020205020404" charset="0"/>
+              <a:cs typeface="Courier New" panose="02070309020205020404" charset="0"/>
+            </a:endParaRPr>
+          </a:p>
+          <a:p>
+            <a:r>
+              <a:rPr lang="en-US" altLang="en-US" sz="1400" u="sng">
                 <a:latin typeface="Courier New" panose="02070309020205020404" charset="0"/>
                 <a:cs typeface="Courier New" panose="02070309020205020404" charset="0"/>
               </a:rPr>
@@ -10326,27 +10204,27 @@
               <a:t>char</a:t>
             </a:r>
             <a:r>
-              <a:rPr lang="" altLang="en-US" sz="1400" u="sng">
+              <a:rPr lang="en-US" altLang="en-US" sz="1400" u="sng">
                 <a:latin typeface="Courier New" panose="02070309020205020404" charset="0"/>
                 <a:cs typeface="Courier New" panose="02070309020205020404" charset="0"/>
               </a:rPr>
               <a:t> *getlogin(void)</a:t>
             </a:r>
-            <a:endParaRPr lang="" altLang="en-US" sz="1400" u="sng">
-              <a:latin typeface="Courier New" panose="02070309020205020404" charset="0"/>
-              <a:cs typeface="Courier New" panose="02070309020205020404" charset="0"/>
-            </a:endParaRPr>
-          </a:p>
-          <a:p>
-            <a:r>
-              <a:rPr lang="" altLang="en-US" sz="1400" u="sng">
+            <a:endParaRPr lang="en-US" altLang="en-US" sz="1400" u="sng">
+              <a:latin typeface="Courier New" panose="02070309020205020404" charset="0"/>
+              <a:cs typeface="Courier New" panose="02070309020205020404" charset="0"/>
+            </a:endParaRPr>
+          </a:p>
+          <a:p>
+            <a:r>
+              <a:rPr lang="en-US" altLang="en-US" sz="1400" u="sng">
                 <a:latin typeface="Courier New" panose="02070309020205020404" charset="0"/>
                 <a:cs typeface="Courier New" panose="02070309020205020404" charset="0"/>
               </a:rPr>
               <a:t>	</a:t>
             </a:r>
             <a:r>
-              <a:rPr lang="zh-CN" altLang="" sz="1400" u="sng">
+              <a:rPr lang="zh-CN" altLang="en-US" sz="1400" u="sng">
                 <a:latin typeface="Courier New" panose="02070309020205020404" charset="0"/>
                 <a:cs typeface="Courier New" panose="02070309020205020404" charset="0"/>
               </a:rPr>
@@ -10512,42 +10390,42 @@
               <a:t>友好值取值范围</a:t>
             </a:r>
             <a:r>
-              <a:rPr lang="" altLang="zh-CN" sz="1400" u="sng">
+              <a:rPr lang="en-US" altLang="zh-CN" sz="1400" u="sng">
                 <a:latin typeface="Courier New" panose="02070309020205020404" charset="0"/>
                 <a:cs typeface="Courier New" panose="02070309020205020404" charset="0"/>
               </a:rPr>
               <a:t>[-NZERO, NZERO-1], NZERO</a:t>
             </a:r>
             <a:r>
-              <a:rPr lang="zh-CN" altLang="" sz="1400" u="sng">
+              <a:rPr lang="zh-CN" altLang="en-US" sz="1400" u="sng">
                 <a:latin typeface="Courier New" panose="02070309020205020404" charset="0"/>
                 <a:cs typeface="Courier New" panose="02070309020205020404" charset="0"/>
               </a:rPr>
               <a:t>是系统默认的友好值</a:t>
             </a:r>
             <a:r>
-              <a:rPr lang="" altLang="zh-CN" sz="1400" u="sng">
+              <a:rPr lang="en-US" altLang="zh-CN" sz="1400" u="sng">
                 <a:latin typeface="Courier New" panose="02070309020205020404" charset="0"/>
                 <a:cs typeface="Courier New" panose="02070309020205020404" charset="0"/>
               </a:rPr>
               <a:t> </a:t>
             </a:r>
             <a:r>
-              <a:rPr lang="zh-CN" altLang="" sz="1400" u="sng">
+              <a:rPr lang="zh-CN" altLang="en-US" sz="1400" u="sng">
                 <a:latin typeface="Courier New" panose="02070309020205020404" charset="0"/>
                 <a:cs typeface="Courier New" panose="02070309020205020404" charset="0"/>
               </a:rPr>
               <a:t>可以通过</a:t>
             </a:r>
             <a:r>
-              <a:rPr lang="" altLang="zh-CN" sz="1400" u="sng">
+              <a:rPr lang="en-US" altLang="zh-CN" sz="1400" u="sng">
                 <a:latin typeface="Courier New" panose="02070309020205020404" charset="0"/>
                 <a:cs typeface="Courier New" panose="02070309020205020404" charset="0"/>
               </a:rPr>
               <a:t>sysconf(_SC_NZERO)</a:t>
             </a:r>
             <a:r>
-              <a:rPr lang="zh-CN" altLang="" sz="1400" u="sng">
+              <a:rPr lang="zh-CN" altLang="en-US" sz="1400" u="sng">
                 <a:latin typeface="Courier New" panose="02070309020205020404" charset="0"/>
                 <a:cs typeface="Courier New" panose="02070309020205020404" charset="0"/>
               </a:rPr>
@@ -10574,59 +10452,52 @@
               </a:rPr>
               <a:t>20</a:t>
             </a:r>
-            <a:endParaRPr lang="" altLang="zh-CN" sz="1400" u="sng">
-              <a:latin typeface="Courier New" panose="02070309020205020404" charset="0"/>
-              <a:cs typeface="Courier New" panose="02070309020205020404" charset="0"/>
-            </a:endParaRPr>
-          </a:p>
-          <a:p>
-            <a:r>
-              <a:rPr lang="" altLang="zh-CN" sz="1400" u="sng">
+            <a:endParaRPr lang="en-US" altLang="zh-CN" sz="1400" u="sng">
+              <a:latin typeface="Courier New" panose="02070309020205020404" charset="0"/>
+              <a:cs typeface="Courier New" panose="02070309020205020404" charset="0"/>
+            </a:endParaRPr>
+          </a:p>
+          <a:p>
+            <a:r>
+              <a:rPr lang="en-US" altLang="zh-CN" sz="1400" u="sng">
                 <a:latin typeface="Courier New" panose="02070309020205020404" charset="0"/>
                 <a:cs typeface="Courier New" panose="02070309020205020404" charset="0"/>
               </a:rPr>
               <a:t>	</a:t>
             </a:r>
-            <a:endParaRPr lang="" altLang="zh-CN" sz="1400" u="sng">
-              <a:latin typeface="Courier New" panose="02070309020205020404" charset="0"/>
-              <a:cs typeface="Courier New" panose="02070309020205020404" charset="0"/>
-            </a:endParaRPr>
-          </a:p>
-          <a:p>
-            <a:endParaRPr lang="en-US" altLang="" sz="1400" u="sng">
-              <a:latin typeface="Courier New" panose="02070309020205020404" charset="0"/>
-              <a:cs typeface="Courier New" panose="02070309020205020404" charset="0"/>
-            </a:endParaRPr>
-          </a:p>
-          <a:p>
-            <a:endParaRPr lang="en-US" altLang="" sz="1400" u="sng">
-              <a:latin typeface="Courier New" panose="02070309020205020404" charset="0"/>
-              <a:cs typeface="Courier New" panose="02070309020205020404" charset="0"/>
-            </a:endParaRPr>
-          </a:p>
-          <a:p>
-            <a:endParaRPr lang="en-US" altLang="" sz="1400" u="sng">
-              <a:latin typeface="Courier New" panose="02070309020205020404" charset="0"/>
-              <a:cs typeface="Courier New" panose="02070309020205020404" charset="0"/>
-            </a:endParaRPr>
-          </a:p>
-          <a:p>
-            <a:r>
-              <a:rPr lang="en-US" altLang="" sz="1400" u="sng">
-                <a:latin typeface="Courier New" panose="02070309020205020404" charset="0"/>
-                <a:cs typeface="Courier New" panose="02070309020205020404" charset="0"/>
-              </a:rPr>
-              <a:t>int</a:t>
-            </a:r>
-            <a:r>
-              <a:rPr lang="" altLang="en-US" sz="1400" u="sng">
-                <a:latin typeface="Courier New" panose="02070309020205020404" charset="0"/>
-                <a:cs typeface="Courier New" panose="02070309020205020404" charset="0"/>
-              </a:rPr>
-              <a:t> nice(int incr); //</a:t>
-            </a:r>
-            <a:r>
-              <a:rPr lang="zh-CN" altLang="" sz="1400" u="sng">
+            <a:endParaRPr lang="en-US" altLang="zh-CN" sz="1400" u="sng">
+              <a:latin typeface="Courier New" panose="02070309020205020404" charset="0"/>
+              <a:cs typeface="Courier New" panose="02070309020205020404" charset="0"/>
+            </a:endParaRPr>
+          </a:p>
+          <a:p>
+            <a:endParaRPr lang="en-US" altLang="en-US" sz="1400" u="sng">
+              <a:latin typeface="Courier New" panose="02070309020205020404" charset="0"/>
+              <a:cs typeface="Courier New" panose="02070309020205020404" charset="0"/>
+            </a:endParaRPr>
+          </a:p>
+          <a:p>
+            <a:endParaRPr lang="en-US" altLang="en-US" sz="1400" u="sng">
+              <a:latin typeface="Courier New" panose="02070309020205020404" charset="0"/>
+              <a:cs typeface="Courier New" panose="02070309020205020404" charset="0"/>
+            </a:endParaRPr>
+          </a:p>
+          <a:p>
+            <a:endParaRPr lang="en-US" altLang="en-US" sz="1400" u="sng">
+              <a:latin typeface="Courier New" panose="02070309020205020404" charset="0"/>
+              <a:cs typeface="Courier New" panose="02070309020205020404" charset="0"/>
+            </a:endParaRPr>
+          </a:p>
+          <a:p>
+            <a:r>
+              <a:rPr lang="en-US" altLang="en-US" sz="1400" u="sng">
+                <a:latin typeface="Courier New" panose="02070309020205020404" charset="0"/>
+                <a:cs typeface="Courier New" panose="02070309020205020404" charset="0"/>
+              </a:rPr>
+              <a:t>int nice(int incr); //</a:t>
+            </a:r>
+            <a:r>
+              <a:rPr lang="zh-CN" altLang="en-US" sz="1400" u="sng">
                 <a:latin typeface="Courier New" panose="02070309020205020404" charset="0"/>
                 <a:cs typeface="Courier New" panose="02070309020205020404" charset="0"/>
               </a:rPr>
@@ -10646,73 +10517,73 @@
               </a:rPr>
               <a:t>加在原始的友好值上面</a:t>
             </a:r>
-            <a:endParaRPr lang="" altLang="en-US" sz="1400" u="sng">
-              <a:latin typeface="Courier New" panose="02070309020205020404" charset="0"/>
-              <a:cs typeface="Courier New" panose="02070309020205020404" charset="0"/>
-            </a:endParaRPr>
-          </a:p>
-          <a:p>
-            <a:r>
-              <a:rPr lang="" altLang="en-US" sz="1400" u="sng">
+            <a:endParaRPr lang="en-US" altLang="en-US" sz="1400" u="sng">
+              <a:latin typeface="Courier New" panose="02070309020205020404" charset="0"/>
+              <a:cs typeface="Courier New" panose="02070309020205020404" charset="0"/>
+            </a:endParaRPr>
+          </a:p>
+          <a:p>
+            <a:r>
+              <a:rPr lang="en-US" altLang="en-US" sz="1400" u="sng">
                 <a:latin typeface="Courier New" panose="02070309020205020404" charset="0"/>
                 <a:cs typeface="Courier New" panose="02070309020205020404" charset="0"/>
               </a:rPr>
               <a:t>	</a:t>
             </a:r>
             <a:r>
-              <a:rPr lang="zh-CN" altLang="" sz="1400" u="sng">
+              <a:rPr lang="zh-CN" altLang="en-US" sz="1400" u="sng">
                 <a:latin typeface="Courier New" panose="02070309020205020404" charset="0"/>
                 <a:cs typeface="Courier New" panose="02070309020205020404" charset="0"/>
               </a:rPr>
               <a:t>成功，返回新的友好值，出错，返回</a:t>
             </a:r>
             <a:r>
-              <a:rPr lang="" altLang="zh-CN" sz="1400" u="sng">
+              <a:rPr lang="en-US" altLang="zh-CN" sz="1400" u="sng">
                 <a:latin typeface="Courier New" panose="02070309020205020404" charset="0"/>
                 <a:cs typeface="Courier New" panose="02070309020205020404" charset="0"/>
               </a:rPr>
               <a:t>-1</a:t>
             </a:r>
-            <a:endParaRPr lang="" altLang="zh-CN" sz="1400" u="sng">
-              <a:latin typeface="Courier New" panose="02070309020205020404" charset="0"/>
-              <a:cs typeface="Courier New" panose="02070309020205020404" charset="0"/>
-            </a:endParaRPr>
-          </a:p>
-          <a:p>
-            <a:endParaRPr lang="" altLang="zh-CN" sz="1400" u="sng">
-              <a:latin typeface="Courier New" panose="02070309020205020404" charset="0"/>
-              <a:cs typeface="Courier New" panose="02070309020205020404" charset="0"/>
-            </a:endParaRPr>
-          </a:p>
-          <a:p>
-            <a:endParaRPr lang="" altLang="zh-CN" sz="1400" u="sng">
-              <a:latin typeface="Courier New" panose="02070309020205020404" charset="0"/>
-              <a:cs typeface="Courier New" panose="02070309020205020404" charset="0"/>
-            </a:endParaRPr>
-          </a:p>
-          <a:p>
-            <a:r>
-              <a:rPr lang="" altLang="zh-CN" sz="1400" u="sng">
+            <a:endParaRPr lang="en-US" altLang="zh-CN" sz="1400" u="sng">
+              <a:latin typeface="Courier New" panose="02070309020205020404" charset="0"/>
+              <a:cs typeface="Courier New" panose="02070309020205020404" charset="0"/>
+            </a:endParaRPr>
+          </a:p>
+          <a:p>
+            <a:endParaRPr lang="en-US" altLang="zh-CN" sz="1400" u="sng">
+              <a:latin typeface="Courier New" panose="02070309020205020404" charset="0"/>
+              <a:cs typeface="Courier New" panose="02070309020205020404" charset="0"/>
+            </a:endParaRPr>
+          </a:p>
+          <a:p>
+            <a:endParaRPr lang="en-US" altLang="zh-CN" sz="1400" u="sng">
+              <a:latin typeface="Courier New" panose="02070309020205020404" charset="0"/>
+              <a:cs typeface="Courier New" panose="02070309020205020404" charset="0"/>
+            </a:endParaRPr>
+          </a:p>
+          <a:p>
+            <a:r>
+              <a:rPr lang="en-US" altLang="zh-CN" sz="1400" u="sng">
                 <a:latin typeface="Courier New" panose="02070309020205020404" charset="0"/>
                 <a:cs typeface="Courier New" panose="02070309020205020404" charset="0"/>
               </a:rPr>
               <a:t>int getpriority(int which, id_t who);</a:t>
             </a:r>
-            <a:endParaRPr lang="" altLang="zh-CN" sz="1400" u="sng">
-              <a:latin typeface="Courier New" panose="02070309020205020404" charset="0"/>
-              <a:cs typeface="Courier New" panose="02070309020205020404" charset="0"/>
-            </a:endParaRPr>
-          </a:p>
-          <a:p>
-            <a:r>
-              <a:rPr lang="" altLang="zh-CN" sz="1400" u="sng">
+            <a:endParaRPr lang="en-US" altLang="zh-CN" sz="1400" u="sng">
+              <a:latin typeface="Courier New" panose="02070309020205020404" charset="0"/>
+              <a:cs typeface="Courier New" panose="02070309020205020404" charset="0"/>
+            </a:endParaRPr>
+          </a:p>
+          <a:p>
+            <a:r>
+              <a:rPr lang="en-US" altLang="zh-CN" sz="1400" u="sng">
                 <a:latin typeface="Courier New" panose="02070309020205020404" charset="0"/>
                 <a:cs typeface="Courier New" panose="02070309020205020404" charset="0"/>
               </a:rPr>
               <a:t>	</a:t>
             </a:r>
             <a:r>
-              <a:rPr lang="zh-CN" altLang="" sz="1400" u="sng">
+              <a:rPr lang="zh-CN" altLang="en-US" sz="1400" u="sng">
                 <a:latin typeface="Courier New" panose="02070309020205020404" charset="0"/>
                 <a:cs typeface="Courier New" panose="02070309020205020404" charset="0"/>
               </a:rPr>
@@ -10725,68 +10596,61 @@
               </a:rPr>
               <a:t>-1</a:t>
             </a:r>
-            <a:endParaRPr lang="" altLang="zh-CN" sz="1400" u="sng">
-              <a:latin typeface="Courier New" panose="02070309020205020404" charset="0"/>
-              <a:cs typeface="Courier New" panose="02070309020205020404" charset="0"/>
-            </a:endParaRPr>
-          </a:p>
-          <a:p>
-            <a:endParaRPr lang="" altLang="zh-CN" sz="1400" u="sng">
-              <a:latin typeface="Courier New" panose="02070309020205020404" charset="0"/>
-              <a:cs typeface="Courier New" panose="02070309020205020404" charset="0"/>
-            </a:endParaRPr>
-          </a:p>
-          <a:p>
-            <a:r>
-              <a:rPr lang="en-US" altLang="" sz="1400" u="sng">
-                <a:latin typeface="Courier New" panose="02070309020205020404" charset="0"/>
-                <a:cs typeface="Courier New" panose="02070309020205020404" charset="0"/>
-              </a:rPr>
-              <a:t>int</a:t>
-            </a:r>
-            <a:r>
-              <a:rPr lang="" altLang="en-US" sz="1400" u="sng">
-                <a:latin typeface="Courier New" panose="02070309020205020404" charset="0"/>
-                <a:cs typeface="Courier New" panose="02070309020205020404" charset="0"/>
-              </a:rPr>
-              <a:t> setpriority(int which, id_t who, int value);</a:t>
-            </a:r>
-            <a:endParaRPr lang="" altLang="en-US" sz="1400" u="sng">
-              <a:latin typeface="Courier New" panose="02070309020205020404" charset="0"/>
-              <a:cs typeface="Courier New" panose="02070309020205020404" charset="0"/>
-            </a:endParaRPr>
-          </a:p>
-          <a:p>
-            <a:r>
-              <a:rPr lang="" altLang="en-US" sz="1400" u="sng">
+            <a:endParaRPr lang="en-US" altLang="zh-CN" sz="1400" u="sng">
+              <a:latin typeface="Courier New" panose="02070309020205020404" charset="0"/>
+              <a:cs typeface="Courier New" panose="02070309020205020404" charset="0"/>
+            </a:endParaRPr>
+          </a:p>
+          <a:p>
+            <a:endParaRPr lang="en-US" altLang="zh-CN" sz="1400" u="sng">
+              <a:latin typeface="Courier New" panose="02070309020205020404" charset="0"/>
+              <a:cs typeface="Courier New" panose="02070309020205020404" charset="0"/>
+            </a:endParaRPr>
+          </a:p>
+          <a:p>
+            <a:r>
+              <a:rPr lang="en-US" altLang="en-US" sz="1400" u="sng">
+                <a:latin typeface="Courier New" panose="02070309020205020404" charset="0"/>
+                <a:cs typeface="Courier New" panose="02070309020205020404" charset="0"/>
+              </a:rPr>
+              <a:t>int setpriority(int which, id_t who, int value);</a:t>
+            </a:r>
+            <a:endParaRPr lang="en-US" altLang="en-US" sz="1400" u="sng">
+              <a:latin typeface="Courier New" panose="02070309020205020404" charset="0"/>
+              <a:cs typeface="Courier New" panose="02070309020205020404" charset="0"/>
+            </a:endParaRPr>
+          </a:p>
+          <a:p>
+            <a:r>
+              <a:rPr lang="en-US" altLang="en-US" sz="1400" u="sng">
                 <a:latin typeface="Courier New" panose="02070309020205020404" charset="0"/>
                 <a:cs typeface="Courier New" panose="02070309020205020404" charset="0"/>
               </a:rPr>
               <a:t>	</a:t>
             </a:r>
             <a:r>
-              <a:rPr lang="zh-CN" altLang="" sz="1400" u="sng">
+              <a:rPr lang="zh-CN" altLang="en-US" sz="1400" u="sng">
                 <a:latin typeface="Courier New" panose="02070309020205020404" charset="0"/>
                 <a:cs typeface="Courier New" panose="02070309020205020404" charset="0"/>
               </a:rPr>
               <a:t>成功，返回</a:t>
             </a:r>
             <a:r>
-              <a:rPr lang="" altLang="zh-CN" sz="1400" u="sng">
+              <a:rPr lang="en-US" altLang="zh-CN" sz="1400" u="sng">
                 <a:latin typeface="Courier New" panose="02070309020205020404" charset="0"/>
                 <a:cs typeface="Courier New" panose="02070309020205020404" charset="0"/>
               </a:rPr>
               <a:t>0,</a:t>
             </a:r>
             <a:r>
-              <a:rPr lang="en-US" altLang="" sz="1400" u="sng">
+              <a:rPr lang="en-US" altLang="en-US" sz="1400" u="sng">
                 <a:latin typeface="Courier New" panose="02070309020205020404" charset="0"/>
                 <a:cs typeface="Courier New" panose="02070309020205020404" charset="0"/>
               </a:rPr>
               <a:t> </a:t>
             </a:r>
             <a:r>
-              <a:rPr lang="zh-CN" altLang="" sz="1400" u="sng">
+              <a:rPr lang="zh-CN" altLang="en-US" sz="1400" u="sng">
                 <a:latin typeface="Courier New" panose="02070309020205020404" charset="0"/>
                 <a:cs typeface="Courier New" panose="02070309020205020404" charset="0"/>
               </a:rPr>
@@ -10799,26 +10663,26 @@
               </a:rPr>
               <a:t>-1</a:t>
             </a:r>
-            <a:endParaRPr lang="" altLang="zh-CN" sz="1400" u="sng">
-              <a:latin typeface="Courier New" panose="02070309020205020404" charset="0"/>
-              <a:cs typeface="Courier New" panose="02070309020205020404" charset="0"/>
-            </a:endParaRPr>
-          </a:p>
-          <a:p>
-            <a:endParaRPr lang="" altLang="zh-CN" sz="1400" u="sng">
-              <a:latin typeface="Courier New" panose="02070309020205020404" charset="0"/>
-              <a:cs typeface="Courier New" panose="02070309020205020404" charset="0"/>
-            </a:endParaRPr>
-          </a:p>
-          <a:p>
-            <a:endParaRPr lang="" altLang="zh-CN" sz="1400" u="sng">
-              <a:latin typeface="Courier New" panose="02070309020205020404" charset="0"/>
-              <a:cs typeface="Courier New" panose="02070309020205020404" charset="0"/>
-            </a:endParaRPr>
-          </a:p>
-          <a:p>
-            <a:r>
-              <a:rPr lang="zh-CN" altLang="" sz="1400" u="sng">
+            <a:endParaRPr lang="en-US" altLang="zh-CN" sz="1400" u="sng">
+              <a:latin typeface="Courier New" panose="02070309020205020404" charset="0"/>
+              <a:cs typeface="Courier New" panose="02070309020205020404" charset="0"/>
+            </a:endParaRPr>
+          </a:p>
+          <a:p>
+            <a:endParaRPr lang="en-US" altLang="zh-CN" sz="1400" u="sng">
+              <a:latin typeface="Courier New" panose="02070309020205020404" charset="0"/>
+              <a:cs typeface="Courier New" panose="02070309020205020404" charset="0"/>
+            </a:endParaRPr>
+          </a:p>
+          <a:p>
+            <a:endParaRPr lang="en-US" altLang="zh-CN" sz="1400" u="sng">
+              <a:latin typeface="Courier New" panose="02070309020205020404" charset="0"/>
+              <a:cs typeface="Courier New" panose="02070309020205020404" charset="0"/>
+            </a:endParaRPr>
+          </a:p>
+          <a:p>
+            <a:r>
+              <a:rPr lang="zh-CN" altLang="en-US" sz="1400" u="sng">
                 <a:latin typeface="Courier New" panose="02070309020205020404" charset="0"/>
                 <a:cs typeface="Courier New" panose="02070309020205020404" charset="0"/>
               </a:rPr>
@@ -10839,20 +10703,20 @@
               <a:t>后保持，在</a:t>
             </a:r>
             <a:r>
-              <a:rPr lang="" altLang="zh-CN" sz="1400" u="sng">
+              <a:rPr lang="en-US" altLang="zh-CN" sz="1400" u="sng">
                 <a:latin typeface="Courier New" panose="02070309020205020404" charset="0"/>
                 <a:cs typeface="Courier New" panose="02070309020205020404" charset="0"/>
               </a:rPr>
               <a:t>fork</a:t>
             </a:r>
             <a:r>
-              <a:rPr lang="zh-CN" altLang="" sz="1400" u="sng">
+              <a:rPr lang="zh-CN" altLang="en-US" sz="1400" u="sng">
                 <a:latin typeface="Courier New" panose="02070309020205020404" charset="0"/>
                 <a:cs typeface="Courier New" panose="02070309020205020404" charset="0"/>
               </a:rPr>
               <a:t>之后是否保持取决于实现</a:t>
             </a:r>
-            <a:endParaRPr lang="zh-CN" altLang="" sz="1400" u="sng">
+            <a:endParaRPr lang="zh-CN" altLang="en-US" sz="1400" u="sng">
               <a:latin typeface="Courier New" panose="02070309020205020404" charset="0"/>
               <a:cs typeface="Courier New" panose="02070309020205020404" charset="0"/>
             </a:endParaRPr>
@@ -10975,27 +10839,27 @@
               <a:t>clock</a:t>
             </a:r>
             <a:r>
-              <a:rPr lang="" altLang="en-US" sz="1400" u="sng">
+              <a:rPr lang="en-US" altLang="en-US" sz="1400" u="sng">
                 <a:latin typeface="Courier New" panose="02070309020205020404" charset="0"/>
                 <a:cs typeface="Courier New" panose="02070309020205020404" charset="0"/>
               </a:rPr>
               <a:t>_t times(struct tms *buf); </a:t>
             </a:r>
-            <a:endParaRPr lang="" altLang="en-US" sz="1400" u="sng">
-              <a:latin typeface="Courier New" panose="02070309020205020404" charset="0"/>
-              <a:cs typeface="Courier New" panose="02070309020205020404" charset="0"/>
-            </a:endParaRPr>
-          </a:p>
-          <a:p>
-            <a:r>
-              <a:rPr lang="" altLang="en-US" sz="1400" u="sng">
+            <a:endParaRPr lang="en-US" altLang="en-US" sz="1400" u="sng">
+              <a:latin typeface="Courier New" panose="02070309020205020404" charset="0"/>
+              <a:cs typeface="Courier New" panose="02070309020205020404" charset="0"/>
+            </a:endParaRPr>
+          </a:p>
+          <a:p>
+            <a:r>
+              <a:rPr lang="en-US" altLang="en-US" sz="1400" u="sng">
                 <a:latin typeface="Courier New" panose="02070309020205020404" charset="0"/>
                 <a:cs typeface="Courier New" panose="02070309020205020404" charset="0"/>
               </a:rPr>
               <a:t>	</a:t>
             </a:r>
             <a:r>
-              <a:rPr lang="zh-CN" altLang="" sz="1400" u="sng">
+              <a:rPr lang="zh-CN" altLang="en-US" sz="1400" u="sng">
                 <a:latin typeface="Courier New" panose="02070309020205020404" charset="0"/>
                 <a:cs typeface="Courier New" panose="02070309020205020404" charset="0"/>
               </a:rPr>
@@ -12514,7 +12378,7 @@
           </a:bodyPr>
           <a:p>
             <a:r>
-              <a:rPr lang="zh-CN" altLang="" sz="1600" b="1">
+              <a:rPr lang="zh-CN" altLang="en-US" sz="1600" b="1">
                 <a:effectLst>
                   <a:outerShdw blurRad="38100" dist="38100" dir="2700000" algn="tl">
                     <a:srgbClr val="000000">
@@ -12525,7 +12389,7 @@
               </a:rPr>
               <a:t>进程结束深入再谈</a:t>
             </a:r>
-            <a:endParaRPr lang="zh-CN" altLang="" sz="1600" b="1">
+            <a:endParaRPr lang="zh-CN" altLang="en-US" sz="1600" b="1">
               <a:effectLst>
                 <a:outerShdw blurRad="38100" dist="38100" dir="2700000" algn="tl">
                   <a:srgbClr val="000000">
@@ -12566,171 +12430,252 @@
               <a:t>正常退出：</a:t>
             </a:r>
             <a:r>
-              <a:rPr lang="" altLang="zh-CN" sz="1400" u="sng">
+              <a:rPr lang="en-US" altLang="zh-CN" sz="1400" u="sng">
                 <a:latin typeface="Courier New" panose="02070309020205020404" charset="0"/>
                 <a:cs typeface="Courier New" panose="02070309020205020404" charset="0"/>
               </a:rPr>
               <a:t>1.return</a:t>
             </a:r>
             <a:r>
-              <a:rPr lang="zh-CN" altLang="" sz="1400" u="sng">
+              <a:rPr lang="zh-CN" altLang="en-US" sz="1400" u="sng">
                 <a:latin typeface="Courier New" panose="02070309020205020404" charset="0"/>
                 <a:cs typeface="Courier New" panose="02070309020205020404" charset="0"/>
               </a:rPr>
               <a:t>语句，相当于调用</a:t>
             </a:r>
             <a:r>
-              <a:rPr lang="" altLang="zh-CN" sz="1400" u="sng">
+              <a:rPr lang="en-US" altLang="zh-CN" sz="1400" u="sng">
                 <a:latin typeface="Courier New" panose="02070309020205020404" charset="0"/>
                 <a:cs typeface="Courier New" panose="02070309020205020404" charset="0"/>
               </a:rPr>
               <a:t>exit</a:t>
             </a:r>
-            <a:endParaRPr lang="" altLang="zh-CN" sz="1400" u="sng">
-              <a:latin typeface="Courier New" panose="02070309020205020404" charset="0"/>
-              <a:cs typeface="Courier New" panose="02070309020205020404" charset="0"/>
-            </a:endParaRPr>
-          </a:p>
-          <a:p>
-            <a:r>
-              <a:rPr lang="" altLang="zh-CN" sz="1400" u="sng">
+            <a:endParaRPr lang="en-US" altLang="zh-CN" sz="1400" u="sng">
+              <a:latin typeface="Courier New" panose="02070309020205020404" charset="0"/>
+              <a:cs typeface="Courier New" panose="02070309020205020404" charset="0"/>
+            </a:endParaRPr>
+          </a:p>
+          <a:p>
+            <a:r>
+              <a:rPr lang="en-US" altLang="zh-CN" sz="1400" u="sng">
                 <a:latin typeface="Courier New" panose="02070309020205020404" charset="0"/>
                 <a:cs typeface="Courier New" panose="02070309020205020404" charset="0"/>
               </a:rPr>
               <a:t>	2.exit</a:t>
             </a:r>
             <a:r>
-              <a:rPr lang="zh-CN" altLang="" sz="1400" u="sng">
+              <a:rPr lang="zh-CN" altLang="en-US" sz="1400" u="sng">
                 <a:latin typeface="Courier New" panose="02070309020205020404" charset="0"/>
                 <a:cs typeface="Courier New" panose="02070309020205020404" charset="0"/>
               </a:rPr>
               <a:t>语句，会先调用终止处理程序，然后刷新标准</a:t>
             </a:r>
             <a:r>
-              <a:rPr lang="" altLang="zh-CN" sz="1400" u="sng">
+              <a:rPr lang="en-US" altLang="zh-CN" sz="1400" u="sng">
                 <a:latin typeface="Courier New" panose="02070309020205020404" charset="0"/>
                 <a:cs typeface="Courier New" panose="02070309020205020404" charset="0"/>
               </a:rPr>
               <a:t>io</a:t>
             </a:r>
             <a:r>
-              <a:rPr lang="zh-CN" altLang="" sz="1400" u="sng">
+              <a:rPr lang="zh-CN" altLang="en-US" sz="1400" u="sng">
                 <a:latin typeface="Courier New" panose="02070309020205020404" charset="0"/>
                 <a:cs typeface="Courier New" panose="02070309020205020404" charset="0"/>
               </a:rPr>
               <a:t>缓冲区，一般现代的实现，</a:t>
             </a:r>
             <a:r>
-              <a:rPr lang="" altLang="zh-CN" sz="1400" u="sng">
+              <a:rPr lang="en-US" altLang="zh-CN" sz="1400" u="sng">
                 <a:latin typeface="Courier New" panose="02070309020205020404" charset="0"/>
                 <a:cs typeface="Courier New" panose="02070309020205020404" charset="0"/>
               </a:rPr>
               <a:t>exit</a:t>
             </a:r>
             <a:r>
-              <a:rPr lang="zh-CN" altLang="" sz="1400" u="sng">
+              <a:rPr lang="zh-CN" altLang="en-US" sz="1400" u="sng">
                 <a:latin typeface="Courier New" panose="02070309020205020404" charset="0"/>
                 <a:cs typeface="Courier New" panose="02070309020205020404" charset="0"/>
               </a:rPr>
               <a:t>不再负责</a:t>
             </a:r>
             <a:r>
-              <a:rPr lang="" altLang="zh-CN" sz="1400" u="sng">
+              <a:rPr lang="en-US" altLang="zh-CN" sz="1400" u="sng">
                 <a:latin typeface="Courier New" panose="02070309020205020404" charset="0"/>
                 <a:cs typeface="Courier New" panose="02070309020205020404" charset="0"/>
               </a:rPr>
               <a:t>fclose</a:t>
             </a:r>
-            <a:endParaRPr lang="" altLang="zh-CN" sz="1400" u="sng">
-              <a:latin typeface="Courier New" panose="02070309020205020404" charset="0"/>
-              <a:cs typeface="Courier New" panose="02070309020205020404" charset="0"/>
-            </a:endParaRPr>
-          </a:p>
-          <a:p>
-            <a:r>
-              <a:rPr lang="" altLang="zh-CN" sz="1400" u="sng">
+            <a:endParaRPr lang="en-US" altLang="zh-CN" sz="1400" u="sng">
+              <a:latin typeface="Courier New" panose="02070309020205020404" charset="0"/>
+              <a:cs typeface="Courier New" panose="02070309020205020404" charset="0"/>
+            </a:endParaRPr>
+          </a:p>
+          <a:p>
+            <a:r>
+              <a:rPr lang="en-US" altLang="zh-CN" sz="1400" u="sng">
                 <a:latin typeface="Courier New" panose="02070309020205020404" charset="0"/>
                 <a:cs typeface="Courier New" panose="02070309020205020404" charset="0"/>
               </a:rPr>
               <a:t>	3._exit</a:t>
             </a:r>
             <a:r>
-              <a:rPr lang="zh-CN" altLang="" sz="1400" u="sng">
+              <a:rPr lang="zh-CN" altLang="en-US" sz="1400" u="sng">
                 <a:latin typeface="Courier New" panose="02070309020205020404" charset="0"/>
                 <a:cs typeface="Courier New" panose="02070309020205020404" charset="0"/>
               </a:rPr>
               <a:t>和</a:t>
             </a:r>
             <a:r>
-              <a:rPr lang="" altLang="zh-CN" sz="1400" u="sng">
+              <a:rPr lang="en-US" altLang="zh-CN" sz="1400" u="sng">
                 <a:latin typeface="Courier New" panose="02070309020205020404" charset="0"/>
                 <a:cs typeface="Courier New" panose="02070309020205020404" charset="0"/>
               </a:rPr>
               <a:t>_Exit, </a:t>
             </a:r>
             <a:r>
-              <a:rPr lang="zh-CN" altLang="" sz="1400" u="sng">
+              <a:rPr lang="zh-CN" altLang="en-US" sz="1400" u="sng">
                 <a:latin typeface="Courier New" panose="02070309020205020404" charset="0"/>
                 <a:cs typeface="Courier New" panose="02070309020205020404" charset="0"/>
               </a:rPr>
               <a:t>不调用终止处理程序，不刷新标准</a:t>
             </a:r>
             <a:r>
-              <a:rPr lang="" altLang="zh-CN" sz="1400" u="sng">
+              <a:rPr lang="en-US" altLang="zh-CN" sz="1400" u="sng">
                 <a:latin typeface="Courier New" panose="02070309020205020404" charset="0"/>
                 <a:cs typeface="Courier New" panose="02070309020205020404" charset="0"/>
               </a:rPr>
               <a:t>io</a:t>
             </a:r>
             <a:r>
-              <a:rPr lang="zh-CN" altLang="" sz="1400" u="sng">
+              <a:rPr lang="zh-CN" altLang="en-US" sz="1400" u="sng">
                 <a:latin typeface="Courier New" panose="02070309020205020404" charset="0"/>
                 <a:cs typeface="Courier New" panose="02070309020205020404" charset="0"/>
               </a:rPr>
               <a:t>缓冲区，直接陷入内核</a:t>
             </a:r>
-            <a:endParaRPr lang="zh-CN" altLang="" sz="1400" u="sng">
-              <a:latin typeface="Courier New" panose="02070309020205020404" charset="0"/>
-              <a:cs typeface="Courier New" panose="02070309020205020404" charset="0"/>
-            </a:endParaRPr>
-          </a:p>
-          <a:p>
-            <a:r>
-              <a:rPr lang="en-US" altLang="" sz="1400" u="sng">
+            <a:endParaRPr lang="zh-CN" altLang="en-US" sz="1400" u="sng">
+              <a:latin typeface="Courier New" panose="02070309020205020404" charset="0"/>
+              <a:cs typeface="Courier New" panose="02070309020205020404" charset="0"/>
+            </a:endParaRPr>
+          </a:p>
+          <a:p>
+            <a:r>
+              <a:rPr lang="en-US" altLang="en-US" sz="1400" u="sng">
+                <a:latin typeface="Courier New" panose="02070309020205020404" charset="0"/>
+                <a:cs typeface="Courier New" panose="02070309020205020404" charset="0"/>
+              </a:rPr>
+              <a:t>	4.</a:t>
+            </a:r>
+            <a:r>
+              <a:rPr lang="zh-CN" altLang="en-US" sz="1400" u="sng">
+                <a:latin typeface="Courier New" panose="02070309020205020404" charset="0"/>
+                <a:cs typeface="Courier New" panose="02070309020205020404" charset="0"/>
+              </a:rPr>
+              <a:t>进程的最后一个线程执行</a:t>
+            </a:r>
+            <a:r>
+              <a:rPr lang="en-US" altLang="zh-CN" sz="1400" u="sng">
+                <a:latin typeface="Courier New" panose="02070309020205020404" charset="0"/>
+                <a:cs typeface="Courier New" panose="02070309020205020404" charset="0"/>
+              </a:rPr>
+              <a:t>return, </a:t>
+            </a:r>
+            <a:r>
+              <a:rPr lang="zh-CN" altLang="en-US" sz="1400" u="sng">
+                <a:latin typeface="Courier New" panose="02070309020205020404" charset="0"/>
+                <a:cs typeface="Courier New" panose="02070309020205020404" charset="0"/>
+              </a:rPr>
+              <a:t>但是该返回值不作为进程的返回值，进程以状态０返回</a:t>
+            </a:r>
+            <a:endParaRPr lang="zh-CN" altLang="en-US" sz="1400" u="sng">
+              <a:latin typeface="Courier New" panose="02070309020205020404" charset="0"/>
+              <a:cs typeface="Courier New" panose="02070309020205020404" charset="0"/>
+            </a:endParaRPr>
+          </a:p>
+          <a:p>
+            <a:r>
+              <a:rPr lang="en-US" altLang="zh-CN" sz="1400" u="sng">
                 <a:latin typeface="Courier New" panose="02070309020205020404" charset="0"/>
                 <a:cs typeface="Courier New" panose="02070309020205020404" charset="0"/>
               </a:rPr>
               <a:t>	</a:t>
             </a:r>
             <a:r>
-              <a:rPr lang="" altLang="en-US" sz="1400" u="sng">
-                <a:latin typeface="Courier New" panose="02070309020205020404" charset="0"/>
-                <a:cs typeface="Courier New" panose="02070309020205020404" charset="0"/>
-              </a:rPr>
-              <a:t>4.</a:t>
-            </a:r>
-            <a:r>
-              <a:rPr lang="zh-CN" altLang="" sz="1400" u="sng">
+              <a:rPr lang="en-US" altLang="en-US" sz="1400" u="sng">
+                <a:latin typeface="Courier New" panose="02070309020205020404" charset="0"/>
+                <a:cs typeface="Courier New" panose="02070309020205020404" charset="0"/>
+              </a:rPr>
+              <a:t>5.</a:t>
+            </a:r>
+            <a:r>
+              <a:rPr lang="zh-CN" altLang="en-US" sz="1400" u="sng">
                 <a:latin typeface="Courier New" panose="02070309020205020404" charset="0"/>
                 <a:cs typeface="Courier New" panose="02070309020205020404" charset="0"/>
               </a:rPr>
               <a:t>进程的最后一个线程执行</a:t>
             </a:r>
             <a:r>
-              <a:rPr lang="" altLang="zh-CN" sz="1400" u="sng">
-                <a:latin typeface="Courier New" panose="02070309020205020404" charset="0"/>
-                <a:cs typeface="Courier New" panose="02070309020205020404" charset="0"/>
-              </a:rPr>
-              <a:t>return, </a:t>
-            </a:r>
-            <a:r>
-              <a:rPr lang="zh-CN" altLang="" sz="1400" u="sng">
-                <a:latin typeface="Courier New" panose="02070309020205020404" charset="0"/>
-                <a:cs typeface="Courier New" panose="02070309020205020404" charset="0"/>
-              </a:rPr>
-              <a:t>但是该返回值不作为进程的返回值，进程以状态０返回</a:t>
-            </a:r>
-            <a:endParaRPr lang="zh-CN" altLang="" sz="1400" u="sng">
+              <a:rPr lang="en-US" altLang="zh-CN" sz="1400" u="sng">
+                <a:latin typeface="Courier New" panose="02070309020205020404" charset="0"/>
+                <a:cs typeface="Courier New" panose="02070309020205020404" charset="0"/>
+              </a:rPr>
+              <a:t>pthread_exit, </a:t>
+            </a:r>
+            <a:r>
+              <a:rPr lang="zh-CN" altLang="en-US" sz="1400" u="sng">
+                <a:latin typeface="Courier New" panose="02070309020205020404" charset="0"/>
+                <a:cs typeface="Courier New" panose="02070309020205020404" charset="0"/>
+              </a:rPr>
+              <a:t>同上，返回值不作为进程的返回值，进程以状态</a:t>
+            </a:r>
+            <a:r>
+              <a:rPr lang="en-US" altLang="zh-CN" sz="1400" u="sng">
+                <a:latin typeface="Courier New" panose="02070309020205020404" charset="0"/>
+                <a:cs typeface="Courier New" panose="02070309020205020404" charset="0"/>
+              </a:rPr>
+              <a:t>0</a:t>
+            </a:r>
+            <a:r>
+              <a:rPr lang="zh-CN" altLang="en-US" sz="1400" u="sng">
+                <a:latin typeface="Courier New" panose="02070309020205020404" charset="0"/>
+                <a:cs typeface="Courier New" panose="02070309020205020404" charset="0"/>
+              </a:rPr>
+              <a:t>返回</a:t>
+            </a:r>
+            <a:endParaRPr lang="zh-CN" altLang="en-US" sz="1400" u="sng">
+              <a:latin typeface="Courier New" panose="02070309020205020404" charset="0"/>
+              <a:cs typeface="Courier New" panose="02070309020205020404" charset="0"/>
+            </a:endParaRPr>
+          </a:p>
+          <a:p>
+            <a:endParaRPr lang="zh-CN" altLang="en-US" sz="1400" u="sng">
+              <a:latin typeface="Courier New" panose="02070309020205020404" charset="0"/>
+              <a:cs typeface="Courier New" panose="02070309020205020404" charset="0"/>
+            </a:endParaRPr>
+          </a:p>
+          <a:p>
+            <a:r>
+              <a:rPr lang="zh-CN" altLang="en-US" sz="1400" u="sng">
+                <a:latin typeface="Courier New" panose="02070309020205020404" charset="0"/>
+                <a:cs typeface="Courier New" panose="02070309020205020404" charset="0"/>
+              </a:rPr>
+              <a:t>异常退出：</a:t>
+            </a:r>
+            <a:r>
+              <a:rPr lang="en-US" altLang="zh-CN" sz="1400" u="sng">
+                <a:latin typeface="Courier New" panose="02070309020205020404" charset="0"/>
+                <a:cs typeface="Courier New" panose="02070309020205020404" charset="0"/>
+              </a:rPr>
+              <a:t>1.abort</a:t>
+            </a:r>
+            <a:r>
+              <a:rPr lang="zh-CN" altLang="en-US" sz="1400" u="sng">
+                <a:latin typeface="Courier New" panose="02070309020205020404" charset="0"/>
+                <a:cs typeface="Courier New" panose="02070309020205020404" charset="0"/>
+              </a:rPr>
+              <a:t>调用</a:t>
+            </a:r>
+            <a:endParaRPr lang="zh-CN" altLang="en-US" sz="1400" u="sng">
               <a:latin typeface="Courier New" panose="02070309020205020404" charset="0"/>
               <a:cs typeface="Courier New" panose="02070309020205020404" charset="0"/>
             </a:endParaRPr>
@@ -12744,81 +12689,20 @@
               <a:t>	</a:t>
             </a:r>
             <a:r>
-              <a:rPr lang="" altLang="en-US" sz="1400" u="sng">
-                <a:latin typeface="Courier New" panose="02070309020205020404" charset="0"/>
-                <a:cs typeface="Courier New" panose="02070309020205020404" charset="0"/>
-              </a:rPr>
-              <a:t>5.</a:t>
-            </a:r>
-            <a:r>
-              <a:rPr lang="zh-CN" altLang="" sz="1400" u="sng">
-                <a:latin typeface="Courier New" panose="02070309020205020404" charset="0"/>
-                <a:cs typeface="Courier New" panose="02070309020205020404" charset="0"/>
-              </a:rPr>
-              <a:t>进程的最后一个线程执行</a:t>
-            </a:r>
-            <a:r>
-              <a:rPr lang="" altLang="zh-CN" sz="1400" u="sng">
-                <a:latin typeface="Courier New" panose="02070309020205020404" charset="0"/>
-                <a:cs typeface="Courier New" panose="02070309020205020404" charset="0"/>
-              </a:rPr>
-              <a:t>pthread_exit, </a:t>
-            </a:r>
-            <a:r>
-              <a:rPr lang="zh-CN" altLang="" sz="1400" u="sng">
-                <a:latin typeface="Courier New" panose="02070309020205020404" charset="0"/>
-                <a:cs typeface="Courier New" panose="02070309020205020404" charset="0"/>
-              </a:rPr>
-              <a:t>同上，返回值不作为进程的返回值，进程以状态</a:t>
-            </a:r>
-            <a:r>
-              <a:rPr lang="" altLang="zh-CN" sz="1400" u="sng">
-                <a:latin typeface="Courier New" panose="02070309020205020404" charset="0"/>
-                <a:cs typeface="Courier New" panose="02070309020205020404" charset="0"/>
-              </a:rPr>
-              <a:t>0</a:t>
-            </a:r>
-            <a:r>
-              <a:rPr lang="zh-CN" altLang="" sz="1400" u="sng">
-                <a:latin typeface="Courier New" panose="02070309020205020404" charset="0"/>
-                <a:cs typeface="Courier New" panose="02070309020205020404" charset="0"/>
-              </a:rPr>
-              <a:t>返回</a:t>
-            </a:r>
-            <a:endParaRPr lang="zh-CN" altLang="" sz="1400" u="sng">
-              <a:latin typeface="Courier New" panose="02070309020205020404" charset="0"/>
-              <a:cs typeface="Courier New" panose="02070309020205020404" charset="0"/>
-            </a:endParaRPr>
-          </a:p>
-          <a:p>
-            <a:endParaRPr lang="zh-CN" altLang="" sz="1400" u="sng">
-              <a:latin typeface="Courier New" panose="02070309020205020404" charset="0"/>
-              <a:cs typeface="Courier New" panose="02070309020205020404" charset="0"/>
-            </a:endParaRPr>
-          </a:p>
-          <a:p>
-            <a:r>
-              <a:rPr lang="zh-CN" altLang="" sz="1400" u="sng">
-                <a:latin typeface="Courier New" panose="02070309020205020404" charset="0"/>
-                <a:cs typeface="Courier New" panose="02070309020205020404" charset="0"/>
-              </a:rPr>
-              <a:t>异常退出：</a:t>
-            </a:r>
-            <a:r>
-              <a:rPr lang="" altLang="zh-CN" sz="1400" u="sng">
-                <a:latin typeface="Courier New" panose="02070309020205020404" charset="0"/>
-                <a:cs typeface="Courier New" panose="02070309020205020404" charset="0"/>
-              </a:rPr>
-              <a:t>1.abort</a:t>
-            </a:r>
-            <a:r>
-              <a:rPr lang="zh-CN" altLang="" sz="1400" u="sng">
-                <a:latin typeface="Courier New" panose="02070309020205020404" charset="0"/>
-                <a:cs typeface="Courier New" panose="02070309020205020404" charset="0"/>
-              </a:rPr>
-              <a:t>调用</a:t>
-            </a:r>
-            <a:endParaRPr lang="zh-CN" altLang="" sz="1400" u="sng">
+              <a:rPr lang="en-US" altLang="en-US" sz="1400" u="sng">
+                <a:latin typeface="Courier New" panose="02070309020205020404" charset="0"/>
+                <a:cs typeface="Courier New" panose="02070309020205020404" charset="0"/>
+              </a:rPr>
+              <a:t>2.</a:t>
+            </a:r>
+            <a:r>
+              <a:rPr lang="zh-CN" altLang="en-US" sz="1400" u="sng">
+                <a:latin typeface="Courier New" panose="02070309020205020404" charset="0"/>
+                <a:cs typeface="Courier New" panose="02070309020205020404" charset="0"/>
+              </a:rPr>
+              <a:t>信号</a:t>
+            </a:r>
+            <a:endParaRPr lang="zh-CN" altLang="en-US" sz="1400" u="sng">
               <a:latin typeface="Courier New" panose="02070309020205020404" charset="0"/>
               <a:cs typeface="Courier New" panose="02070309020205020404" charset="0"/>
             </a:endParaRPr>
@@ -12832,20 +12716,59 @@
               <a:t>	</a:t>
             </a:r>
             <a:r>
-              <a:rPr lang="" altLang="en-US" sz="1400" u="sng">
-                <a:latin typeface="Courier New" panose="02070309020205020404" charset="0"/>
-                <a:cs typeface="Courier New" panose="02070309020205020404" charset="0"/>
-              </a:rPr>
-              <a:t>2.</a:t>
-            </a:r>
-            <a:r>
-              <a:rPr lang="zh-CN" altLang="" sz="1400" u="sng">
-                <a:latin typeface="Courier New" panose="02070309020205020404" charset="0"/>
-                <a:cs typeface="Courier New" panose="02070309020205020404" charset="0"/>
-              </a:rPr>
-              <a:t>信号</a:t>
-            </a:r>
-            <a:endParaRPr lang="zh-CN" altLang="" sz="1400" u="sng">
+              <a:rPr lang="en-US" altLang="en-US" sz="1400" u="sng">
+                <a:latin typeface="Courier New" panose="02070309020205020404" charset="0"/>
+                <a:cs typeface="Courier New" panose="02070309020205020404" charset="0"/>
+              </a:rPr>
+              <a:t>3.</a:t>
+            </a:r>
+            <a:r>
+              <a:rPr lang="zh-CN" altLang="en-US" sz="1400" u="sng">
+                <a:latin typeface="Courier New" panose="02070309020205020404" charset="0"/>
+                <a:cs typeface="Courier New" panose="02070309020205020404" charset="0"/>
+              </a:rPr>
+              <a:t>最后一个线程接受</a:t>
+            </a:r>
+            <a:r>
+              <a:rPr lang="en-US" altLang="zh-CN" sz="1400" u="sng">
+                <a:latin typeface="Courier New" panose="02070309020205020404" charset="0"/>
+                <a:cs typeface="Courier New" panose="02070309020205020404" charset="0"/>
+              </a:rPr>
+              <a:t>pthread_cancel</a:t>
+            </a:r>
+            <a:r>
+              <a:rPr lang="zh-CN" altLang="en-US" sz="1400" u="sng">
+                <a:latin typeface="Courier New" panose="02070309020205020404" charset="0"/>
+                <a:cs typeface="Courier New" panose="02070309020205020404" charset="0"/>
+              </a:rPr>
+              <a:t>的请求</a:t>
+            </a:r>
+            <a:endParaRPr lang="zh-CN" altLang="en-US" sz="1400" u="sng">
+              <a:latin typeface="Courier New" panose="02070309020205020404" charset="0"/>
+              <a:cs typeface="Courier New" panose="02070309020205020404" charset="0"/>
+            </a:endParaRPr>
+          </a:p>
+          <a:p>
+            <a:endParaRPr lang="zh-CN" altLang="en-US" sz="1400" u="sng">
+              <a:latin typeface="Courier New" panose="02070309020205020404" charset="0"/>
+              <a:cs typeface="Courier New" panose="02070309020205020404" charset="0"/>
+            </a:endParaRPr>
+          </a:p>
+          <a:p>
+            <a:endParaRPr lang="zh-CN" altLang="en-US" sz="1400" u="sng">
+              <a:latin typeface="Courier New" panose="02070309020205020404" charset="0"/>
+              <a:cs typeface="Courier New" panose="02070309020205020404" charset="0"/>
+            </a:endParaRPr>
+          </a:p>
+          <a:p>
+            <a:r>
+              <a:rPr lang="zh-CN" altLang="en-US" sz="1400" u="sng">
+                <a:latin typeface="Courier New" panose="02070309020205020404" charset="0"/>
+                <a:cs typeface="Courier New" panose="02070309020205020404" charset="0"/>
+              </a:rPr>
+              <a:t>进程终止后，如何通知父进程其如何终止的？</a:t>
+            </a:r>
+            <a:endParaRPr lang="zh-CN" altLang="en-US" sz="1400" u="sng">
               <a:latin typeface="Courier New" panose="02070309020205020404" charset="0"/>
               <a:cs typeface="Courier New" panose="02070309020205020404" charset="0"/>
             </a:endParaRPr>
@@ -12859,79 +12782,13 @@
               <a:t>	</a:t>
             </a:r>
             <a:r>
-              <a:rPr lang="" altLang="en-US" sz="1400" u="sng">
-                <a:latin typeface="Courier New" panose="02070309020205020404" charset="0"/>
-                <a:cs typeface="Courier New" panose="02070309020205020404" charset="0"/>
-              </a:rPr>
-              <a:t>3.</a:t>
-            </a:r>
-            <a:r>
-              <a:rPr lang="zh-CN" altLang="" sz="1400" u="sng">
-                <a:latin typeface="Courier New" panose="02070309020205020404" charset="0"/>
-                <a:cs typeface="Courier New" panose="02070309020205020404" charset="0"/>
-              </a:rPr>
-              <a:t>最后一个线程接受</a:t>
-            </a:r>
-            <a:r>
-              <a:rPr lang="" altLang="zh-CN" sz="1400" u="sng">
-                <a:latin typeface="Courier New" panose="02070309020205020404" charset="0"/>
-                <a:cs typeface="Courier New" panose="02070309020205020404" charset="0"/>
-              </a:rPr>
-              <a:t>pthread_cancel</a:t>
-            </a:r>
-            <a:r>
-              <a:rPr lang="zh-CN" altLang="" sz="1400" u="sng">
-                <a:latin typeface="Courier New" panose="02070309020205020404" charset="0"/>
-                <a:cs typeface="Courier New" panose="02070309020205020404" charset="0"/>
-              </a:rPr>
-              <a:t>的请求</a:t>
-            </a:r>
-            <a:endParaRPr lang="zh-CN" altLang="" sz="1400" u="sng">
-              <a:latin typeface="Courier New" panose="02070309020205020404" charset="0"/>
-              <a:cs typeface="Courier New" panose="02070309020205020404" charset="0"/>
-            </a:endParaRPr>
-          </a:p>
-          <a:p>
-            <a:endParaRPr lang="zh-CN" altLang="" sz="1400" u="sng">
-              <a:latin typeface="Courier New" panose="02070309020205020404" charset="0"/>
-              <a:cs typeface="Courier New" panose="02070309020205020404" charset="0"/>
-            </a:endParaRPr>
-          </a:p>
-          <a:p>
-            <a:endParaRPr lang="zh-CN" altLang="" sz="1400" u="sng">
-              <a:latin typeface="Courier New" panose="02070309020205020404" charset="0"/>
-              <a:cs typeface="Courier New" panose="02070309020205020404" charset="0"/>
-            </a:endParaRPr>
-          </a:p>
-          <a:p>
-            <a:r>
-              <a:rPr lang="zh-CN" altLang="" sz="1400" u="sng">
-                <a:latin typeface="Courier New" panose="02070309020205020404" charset="0"/>
-                <a:cs typeface="Courier New" panose="02070309020205020404" charset="0"/>
-              </a:rPr>
-              <a:t>进程终止后，如何通知父进程其如何终止的？</a:t>
-            </a:r>
-            <a:endParaRPr lang="zh-CN" altLang="" sz="1400" u="sng">
-              <a:latin typeface="Courier New" panose="02070309020205020404" charset="0"/>
-              <a:cs typeface="Courier New" panose="02070309020205020404" charset="0"/>
-            </a:endParaRPr>
-          </a:p>
-          <a:p>
-            <a:r>
-              <a:rPr lang="en-US" altLang="zh-CN" sz="1400" u="sng">
-                <a:latin typeface="Courier New" panose="02070309020205020404" charset="0"/>
-                <a:cs typeface="Courier New" panose="02070309020205020404" charset="0"/>
-              </a:rPr>
-              <a:t>	</a:t>
-            </a:r>
-            <a:r>
               <a:rPr lang="zh-CN" altLang="en-US" sz="1400" u="sng">
                 <a:latin typeface="Courier New" panose="02070309020205020404" charset="0"/>
                 <a:cs typeface="Courier New" panose="02070309020205020404" charset="0"/>
               </a:rPr>
               <a:t>正常退出，内核会把退出状态转化程终止状态，异常退出，内核会依据异常退出的情况生成终止状态</a:t>
             </a:r>
-            <a:endParaRPr lang="zh-CN" altLang="" sz="1400" u="sng">
+            <a:endParaRPr lang="zh-CN" altLang="en-US" sz="1400" u="sng">
               <a:latin typeface="Courier New" panose="02070309020205020404" charset="0"/>
               <a:cs typeface="Courier New" panose="02070309020205020404" charset="0"/>
             </a:endParaRPr>
@@ -13471,127 +13328,127 @@
               <a:t>孤儿进程：父进程先于子进程死亡，　则子进程变为孤儿进程。当一个进程终止的时候，内核会检查所有的活动进程，查看他们是不是属于该即将终止进程的子进程，如果是的话，就把他们的父进程修改为１，即</a:t>
             </a:r>
             <a:r>
-              <a:rPr lang="" altLang="zh-CN" sz="1400" u="sng">
+              <a:rPr lang="en-US" altLang="zh-CN" sz="1400" u="sng">
                 <a:latin typeface="Courier New" panose="02070309020205020404" charset="0"/>
                 <a:cs typeface="Courier New" panose="02070309020205020404" charset="0"/>
               </a:rPr>
               <a:t>init</a:t>
             </a:r>
             <a:r>
-              <a:rPr lang="zh-CN" altLang="" sz="1400" u="sng">
+              <a:rPr lang="zh-CN" altLang="en-US" sz="1400" u="sng">
                 <a:latin typeface="Courier New" panose="02070309020205020404" charset="0"/>
                 <a:cs typeface="Courier New" panose="02070309020205020404" charset="0"/>
               </a:rPr>
               <a:t>进程。</a:t>
             </a:r>
-            <a:endParaRPr lang="zh-CN" altLang="" sz="1400" u="sng">
-              <a:latin typeface="Courier New" panose="02070309020205020404" charset="0"/>
-              <a:cs typeface="Courier New" panose="02070309020205020404" charset="0"/>
-            </a:endParaRPr>
-          </a:p>
-          <a:p>
-            <a:endParaRPr lang="zh-CN" altLang="" sz="1400" u="sng">
-              <a:latin typeface="Courier New" panose="02070309020205020404" charset="0"/>
-              <a:cs typeface="Courier New" panose="02070309020205020404" charset="0"/>
-            </a:endParaRPr>
-          </a:p>
-          <a:p>
-            <a:endParaRPr lang="zh-CN" altLang="" sz="1400" u="sng">
-              <a:latin typeface="Courier New" panose="02070309020205020404" charset="0"/>
-              <a:cs typeface="Courier New" panose="02070309020205020404" charset="0"/>
-            </a:endParaRPr>
-          </a:p>
-          <a:p>
-            <a:endParaRPr lang="zh-CN" altLang="" sz="1400" u="sng">
-              <a:latin typeface="Courier New" panose="02070309020205020404" charset="0"/>
-              <a:cs typeface="Courier New" panose="02070309020205020404" charset="0"/>
-            </a:endParaRPr>
-          </a:p>
-          <a:p>
-            <a:endParaRPr lang="zh-CN" altLang="" sz="1400" u="sng">
-              <a:latin typeface="Courier New" panose="02070309020205020404" charset="0"/>
-              <a:cs typeface="Courier New" panose="02070309020205020404" charset="0"/>
-            </a:endParaRPr>
-          </a:p>
-          <a:p>
-            <a:r>
-              <a:rPr lang="zh-CN" altLang="" sz="1400" u="sng">
+            <a:endParaRPr lang="zh-CN" altLang="en-US" sz="1400" u="sng">
+              <a:latin typeface="Courier New" panose="02070309020205020404" charset="0"/>
+              <a:cs typeface="Courier New" panose="02070309020205020404" charset="0"/>
+            </a:endParaRPr>
+          </a:p>
+          <a:p>
+            <a:endParaRPr lang="zh-CN" altLang="en-US" sz="1400" u="sng">
+              <a:latin typeface="Courier New" panose="02070309020205020404" charset="0"/>
+              <a:cs typeface="Courier New" panose="02070309020205020404" charset="0"/>
+            </a:endParaRPr>
+          </a:p>
+          <a:p>
+            <a:endParaRPr lang="zh-CN" altLang="en-US" sz="1400" u="sng">
+              <a:latin typeface="Courier New" panose="02070309020205020404" charset="0"/>
+              <a:cs typeface="Courier New" panose="02070309020205020404" charset="0"/>
+            </a:endParaRPr>
+          </a:p>
+          <a:p>
+            <a:endParaRPr lang="zh-CN" altLang="en-US" sz="1400" u="sng">
+              <a:latin typeface="Courier New" panose="02070309020205020404" charset="0"/>
+              <a:cs typeface="Courier New" panose="02070309020205020404" charset="0"/>
+            </a:endParaRPr>
+          </a:p>
+          <a:p>
+            <a:endParaRPr lang="zh-CN" altLang="en-US" sz="1400" u="sng">
+              <a:latin typeface="Courier New" panose="02070309020205020404" charset="0"/>
+              <a:cs typeface="Courier New" panose="02070309020205020404" charset="0"/>
+            </a:endParaRPr>
+          </a:p>
+          <a:p>
+            <a:r>
+              <a:rPr lang="zh-CN" altLang="en-US" sz="1400" u="sng">
                 <a:latin typeface="Courier New" panose="02070309020205020404" charset="0"/>
                 <a:cs typeface="Courier New" panose="02070309020205020404" charset="0"/>
               </a:rPr>
               <a:t>僵尸进程：子进程死亡，父进程没有对内核为子进程残留的资源</a:t>
             </a:r>
             <a:r>
-              <a:rPr lang="" altLang="zh-CN" sz="1400" u="sng">
+              <a:rPr lang="en-US" altLang="zh-CN" sz="1400" u="sng">
                 <a:latin typeface="Courier New" panose="02070309020205020404" charset="0"/>
                 <a:cs typeface="Courier New" panose="02070309020205020404" charset="0"/>
               </a:rPr>
               <a:t>[</a:t>
             </a:r>
             <a:r>
-              <a:rPr lang="zh-CN" altLang="" sz="1400" u="sng">
+              <a:rPr lang="zh-CN" altLang="en-US" sz="1400" u="sng">
                 <a:latin typeface="Courier New" panose="02070309020205020404" charset="0"/>
                 <a:cs typeface="Courier New" panose="02070309020205020404" charset="0"/>
               </a:rPr>
               <a:t>终止状态等</a:t>
             </a:r>
             <a:r>
-              <a:rPr lang="" altLang="zh-CN" sz="1400" u="sng">
+              <a:rPr lang="en-US" altLang="zh-CN" sz="1400" u="sng">
                 <a:latin typeface="Courier New" panose="02070309020205020404" charset="0"/>
                 <a:cs typeface="Courier New" panose="02070309020205020404" charset="0"/>
               </a:rPr>
               <a:t>]</a:t>
             </a:r>
             <a:r>
-              <a:rPr lang="zh-CN" altLang="" sz="1400" u="sng">
+              <a:rPr lang="zh-CN" altLang="en-US" sz="1400" u="sng">
                 <a:latin typeface="Courier New" panose="02070309020205020404" charset="0"/>
                 <a:cs typeface="Courier New" panose="02070309020205020404" charset="0"/>
               </a:rPr>
               <a:t>进行回收</a:t>
             </a:r>
             <a:r>
-              <a:rPr lang="" altLang="zh-CN" sz="1400" u="sng">
+              <a:rPr lang="en-US" altLang="zh-CN" sz="1400" u="sng">
                 <a:latin typeface="Courier New" panose="02070309020205020404" charset="0"/>
                 <a:cs typeface="Courier New" panose="02070309020205020404" charset="0"/>
               </a:rPr>
               <a:t>[</a:t>
             </a:r>
             <a:r>
-              <a:rPr lang="zh-CN" altLang="" sz="1400" u="sng">
+              <a:rPr lang="zh-CN" altLang="en-US" sz="1400" u="sng">
                 <a:latin typeface="Courier New" panose="02070309020205020404" charset="0"/>
                 <a:cs typeface="Courier New" panose="02070309020205020404" charset="0"/>
               </a:rPr>
               <a:t>调用</a:t>
             </a:r>
             <a:r>
-              <a:rPr lang="" altLang="zh-CN" sz="1400" u="sng">
+              <a:rPr lang="en-US" altLang="zh-CN" sz="1400" u="sng">
                 <a:latin typeface="Courier New" panose="02070309020205020404" charset="0"/>
                 <a:cs typeface="Courier New" panose="02070309020205020404" charset="0"/>
               </a:rPr>
               <a:t>wait</a:t>
             </a:r>
             <a:r>
-              <a:rPr lang="zh-CN" altLang="" sz="1400" u="sng">
+              <a:rPr lang="zh-CN" altLang="en-US" sz="1400" u="sng">
                 <a:latin typeface="Courier New" panose="02070309020205020404" charset="0"/>
                 <a:cs typeface="Courier New" panose="02070309020205020404" charset="0"/>
               </a:rPr>
               <a:t>簇函数</a:t>
             </a:r>
             <a:r>
-              <a:rPr lang="" altLang="zh-CN" sz="1400" u="sng">
+              <a:rPr lang="en-US" altLang="zh-CN" sz="1400" u="sng">
                 <a:latin typeface="Courier New" panose="02070309020205020404" charset="0"/>
                 <a:cs typeface="Courier New" panose="02070309020205020404" charset="0"/>
               </a:rPr>
               <a:t>]</a:t>
             </a:r>
             <a:r>
-              <a:rPr lang="zh-CN" altLang="" sz="1400" u="sng">
+              <a:rPr lang="zh-CN" altLang="en-US" sz="1400" u="sng">
                 <a:latin typeface="Courier New" panose="02070309020205020404" charset="0"/>
                 <a:cs typeface="Courier New" panose="02070309020205020404" charset="0"/>
               </a:rPr>
               <a:t>，则变为僵尸进程。僵尸状态会跟随父进程结束一块被更高层的进程回收</a:t>
             </a:r>
-            <a:endParaRPr lang="" altLang="zh-CN" sz="1400" u="sng">
+            <a:endParaRPr lang="en-US" altLang="zh-CN" sz="1400" u="sng">
               <a:latin typeface="Courier New" panose="02070309020205020404" charset="0"/>
               <a:cs typeface="Courier New" panose="02070309020205020404" charset="0"/>
             </a:endParaRPr>
@@ -13638,7 +13495,7 @@
           </a:bodyPr>
           <a:p>
             <a:r>
-              <a:rPr lang="zh-CN" altLang="" sz="1600" b="1">
+              <a:rPr lang="zh-CN" altLang="en-US" sz="1600" b="1">
                 <a:effectLst>
                   <a:outerShdw blurRad="38100" dist="38100" dir="2700000" algn="tl">
                     <a:srgbClr val="000000">
@@ -13650,7 +13507,7 @@
               <a:t>进程回收</a:t>
             </a:r>
             <a:r>
-              <a:rPr lang="" altLang="zh-CN" sz="1600" b="1">
+              <a:rPr lang="en-US" altLang="zh-CN" sz="1600" b="1">
                 <a:effectLst>
                   <a:outerShdw blurRad="38100" dist="38100" dir="2700000" algn="tl">
                     <a:srgbClr val="000000">
@@ -13661,7 +13518,7 @@
               </a:rPr>
               <a:t>_wait</a:t>
             </a:r>
-            <a:endParaRPr lang="" altLang="zh-CN" sz="1600" b="1">
+            <a:endParaRPr lang="en-US" altLang="zh-CN" sz="1600" b="1">
               <a:effectLst>
                 <a:outerShdw blurRad="38100" dist="38100" dir="2700000" algn="tl">
                   <a:srgbClr val="000000">
@@ -13702,112 +13559,112 @@
               <a:t>当一个进程结束的时候，会向其父进程发送</a:t>
             </a:r>
             <a:r>
-              <a:rPr lang="" altLang="zh-CN" sz="1400" u="sng">
+              <a:rPr lang="en-US" altLang="zh-CN" sz="1400" u="sng">
                 <a:latin typeface="Courier New" panose="02070309020205020404" charset="0"/>
                 <a:cs typeface="Courier New" panose="02070309020205020404" charset="0"/>
               </a:rPr>
               <a:t>SIGCHLD</a:t>
             </a:r>
             <a:r>
-              <a:rPr lang="zh-CN" altLang="" sz="1400" u="sng">
+              <a:rPr lang="zh-CN" altLang="en-US" sz="1400" u="sng">
                 <a:latin typeface="Courier New" panose="02070309020205020404" charset="0"/>
                 <a:cs typeface="Courier New" panose="02070309020205020404" charset="0"/>
               </a:rPr>
               <a:t>信号，　父进程可以忽略，也可以设置信号处理函数进行捕获，也可以调用</a:t>
             </a:r>
             <a:r>
-              <a:rPr lang="" altLang="zh-CN" sz="1400" u="sng">
+              <a:rPr lang="en-US" altLang="zh-CN" sz="1400" u="sng">
                 <a:latin typeface="Courier New" panose="02070309020205020404" charset="0"/>
                 <a:cs typeface="Courier New" panose="02070309020205020404" charset="0"/>
               </a:rPr>
               <a:t>wait</a:t>
             </a:r>
             <a:r>
-              <a:rPr lang="zh-CN" altLang="" sz="1400" u="sng">
+              <a:rPr lang="zh-CN" altLang="en-US" sz="1400" u="sng">
                 <a:latin typeface="Courier New" panose="02070309020205020404" charset="0"/>
                 <a:cs typeface="Courier New" panose="02070309020205020404" charset="0"/>
               </a:rPr>
               <a:t>函数进行接收</a:t>
             </a:r>
-            <a:endParaRPr lang="zh-CN" altLang="" sz="1400" u="sng">
-              <a:latin typeface="Courier New" panose="02070309020205020404" charset="0"/>
-              <a:cs typeface="Courier New" panose="02070309020205020404" charset="0"/>
-            </a:endParaRPr>
-          </a:p>
-          <a:p>
-            <a:endParaRPr lang="zh-CN" altLang="" sz="1400" u="sng">
-              <a:latin typeface="Courier New" panose="02070309020205020404" charset="0"/>
-              <a:cs typeface="Courier New" panose="02070309020205020404" charset="0"/>
-            </a:endParaRPr>
-          </a:p>
-          <a:p>
-            <a:endParaRPr lang="zh-CN" altLang="" sz="1400" u="sng">
-              <a:latin typeface="Courier New" panose="02070309020205020404" charset="0"/>
-              <a:cs typeface="Courier New" panose="02070309020205020404" charset="0"/>
-            </a:endParaRPr>
-          </a:p>
-          <a:p>
-            <a:r>
-              <a:rPr lang="" altLang="zh-CN" sz="1400" u="sng">
+            <a:endParaRPr lang="zh-CN" altLang="en-US" sz="1400" u="sng">
+              <a:latin typeface="Courier New" panose="02070309020205020404" charset="0"/>
+              <a:cs typeface="Courier New" panose="02070309020205020404" charset="0"/>
+            </a:endParaRPr>
+          </a:p>
+          <a:p>
+            <a:endParaRPr lang="zh-CN" altLang="en-US" sz="1400" u="sng">
+              <a:latin typeface="Courier New" panose="02070309020205020404" charset="0"/>
+              <a:cs typeface="Courier New" panose="02070309020205020404" charset="0"/>
+            </a:endParaRPr>
+          </a:p>
+          <a:p>
+            <a:endParaRPr lang="zh-CN" altLang="en-US" sz="1400" u="sng">
+              <a:latin typeface="Courier New" panose="02070309020205020404" charset="0"/>
+              <a:cs typeface="Courier New" panose="02070309020205020404" charset="0"/>
+            </a:endParaRPr>
+          </a:p>
+          <a:p>
+            <a:r>
+              <a:rPr lang="en-US" altLang="zh-CN" sz="1400" u="sng">
                 <a:latin typeface="Courier New" panose="02070309020205020404" charset="0"/>
                 <a:cs typeface="Courier New" panose="02070309020205020404" charset="0"/>
               </a:rPr>
               <a:t>pid_t wait(int *status);</a:t>
             </a:r>
-            <a:endParaRPr lang="" altLang="zh-CN" sz="1400" u="sng">
-              <a:latin typeface="Courier New" panose="02070309020205020404" charset="0"/>
-              <a:cs typeface="Courier New" panose="02070309020205020404" charset="0"/>
-            </a:endParaRPr>
-          </a:p>
-          <a:p>
-            <a:endParaRPr lang="" altLang="zh-CN" sz="1400" u="sng">
-              <a:latin typeface="Courier New" panose="02070309020205020404" charset="0"/>
-              <a:cs typeface="Courier New" panose="02070309020205020404" charset="0"/>
-            </a:endParaRPr>
-          </a:p>
-          <a:p>
-            <a:r>
-              <a:rPr lang="" altLang="zh-CN" sz="1400" u="sng">
+            <a:endParaRPr lang="en-US" altLang="zh-CN" sz="1400" u="sng">
+              <a:latin typeface="Courier New" panose="02070309020205020404" charset="0"/>
+              <a:cs typeface="Courier New" panose="02070309020205020404" charset="0"/>
+            </a:endParaRPr>
+          </a:p>
+          <a:p>
+            <a:endParaRPr lang="en-US" altLang="zh-CN" sz="1400" u="sng">
+              <a:latin typeface="Courier New" panose="02070309020205020404" charset="0"/>
+              <a:cs typeface="Courier New" panose="02070309020205020404" charset="0"/>
+            </a:endParaRPr>
+          </a:p>
+          <a:p>
+            <a:r>
+              <a:rPr lang="en-US" altLang="zh-CN" sz="1400" u="sng">
                 <a:latin typeface="Courier New" panose="02070309020205020404" charset="0"/>
                 <a:cs typeface="Courier New" panose="02070309020205020404" charset="0"/>
               </a:rPr>
               <a:t>pid_t waitpid(pid_t pid, int *status, int options)</a:t>
             </a:r>
-            <a:endParaRPr lang="" altLang="zh-CN" sz="1400" u="sng">
-              <a:latin typeface="Courier New" panose="02070309020205020404" charset="0"/>
-              <a:cs typeface="Courier New" panose="02070309020205020404" charset="0"/>
-            </a:endParaRPr>
-          </a:p>
-          <a:p>
-            <a:endParaRPr lang="" altLang="zh-CN" sz="1400" u="sng">
-              <a:latin typeface="Courier New" panose="02070309020205020404" charset="0"/>
-              <a:cs typeface="Courier New" panose="02070309020205020404" charset="0"/>
-            </a:endParaRPr>
-          </a:p>
-          <a:p>
-            <a:r>
-              <a:rPr lang="" altLang="zh-CN" sz="1400" u="sng">
+            <a:endParaRPr lang="en-US" altLang="zh-CN" sz="1400" u="sng">
+              <a:latin typeface="Courier New" panose="02070309020205020404" charset="0"/>
+              <a:cs typeface="Courier New" panose="02070309020205020404" charset="0"/>
+            </a:endParaRPr>
+          </a:p>
+          <a:p>
+            <a:endParaRPr lang="en-US" altLang="zh-CN" sz="1400" u="sng">
+              <a:latin typeface="Courier New" panose="02070309020205020404" charset="0"/>
+              <a:cs typeface="Courier New" panose="02070309020205020404" charset="0"/>
+            </a:endParaRPr>
+          </a:p>
+          <a:p>
+            <a:r>
+              <a:rPr lang="en-US" altLang="zh-CN" sz="1400" u="sng">
                 <a:latin typeface="Courier New" panose="02070309020205020404" charset="0"/>
                 <a:cs typeface="Courier New" panose="02070309020205020404" charset="0"/>
               </a:rPr>
               <a:t>	//</a:t>
             </a:r>
             <a:r>
-              <a:rPr lang="zh-CN" altLang="" sz="1400" u="sng">
+              <a:rPr lang="zh-CN" altLang="en-US" sz="1400" u="sng">
                 <a:latin typeface="Courier New" panose="02070309020205020404" charset="0"/>
                 <a:cs typeface="Courier New" panose="02070309020205020404" charset="0"/>
               </a:rPr>
               <a:t>成功，返回回收的子进程</a:t>
             </a:r>
             <a:r>
-              <a:rPr lang="" altLang="zh-CN" sz="1400" u="sng">
+              <a:rPr lang="en-US" altLang="zh-CN" sz="1400" u="sng">
                 <a:latin typeface="Courier New" panose="02070309020205020404" charset="0"/>
                 <a:cs typeface="Courier New" panose="02070309020205020404" charset="0"/>
               </a:rPr>
               <a:t>id,</a:t>
             </a:r>
             <a:r>
-              <a:rPr lang="zh-CN" altLang="" sz="1400" u="sng">
+              <a:rPr lang="zh-CN" altLang="en-US" sz="1400" u="sng">
                 <a:latin typeface="Courier New" panose="02070309020205020404" charset="0"/>
                 <a:cs typeface="Courier New" panose="02070309020205020404" charset="0"/>
               </a:rPr>
@@ -13828,47 +13685,47 @@
               <a:t>或者</a:t>
             </a:r>
             <a:r>
-              <a:rPr lang="" altLang="zh-CN" sz="1400" u="sng">
+              <a:rPr lang="en-US" altLang="zh-CN" sz="1400" u="sng">
                 <a:latin typeface="Courier New" panose="02070309020205020404" charset="0"/>
                 <a:cs typeface="Courier New" panose="02070309020205020404" charset="0"/>
               </a:rPr>
               <a:t>0</a:t>
             </a:r>
-            <a:endParaRPr lang="" altLang="zh-CN" sz="1400" u="sng">
-              <a:latin typeface="Courier New" panose="02070309020205020404" charset="0"/>
-              <a:cs typeface="Courier New" panose="02070309020205020404" charset="0"/>
-            </a:endParaRPr>
-          </a:p>
-          <a:p>
-            <a:endParaRPr lang="" altLang="zh-CN" sz="1400" u="sng">
-              <a:latin typeface="Courier New" panose="02070309020205020404" charset="0"/>
-              <a:cs typeface="Courier New" panose="02070309020205020404" charset="0"/>
-            </a:endParaRPr>
-          </a:p>
-          <a:p>
-            <a:r>
-              <a:rPr lang="" altLang="zh-CN" sz="1400" u="sng">
+            <a:endParaRPr lang="en-US" altLang="zh-CN" sz="1400" u="sng">
+              <a:latin typeface="Courier New" panose="02070309020205020404" charset="0"/>
+              <a:cs typeface="Courier New" panose="02070309020205020404" charset="0"/>
+            </a:endParaRPr>
+          </a:p>
+          <a:p>
+            <a:endParaRPr lang="en-US" altLang="zh-CN" sz="1400" u="sng">
+              <a:latin typeface="Courier New" panose="02070309020205020404" charset="0"/>
+              <a:cs typeface="Courier New" panose="02070309020205020404" charset="0"/>
+            </a:endParaRPr>
+          </a:p>
+          <a:p>
+            <a:r>
+              <a:rPr lang="en-US" altLang="zh-CN" sz="1400" u="sng">
                 <a:latin typeface="Courier New" panose="02070309020205020404" charset="0"/>
                 <a:cs typeface="Courier New" panose="02070309020205020404" charset="0"/>
               </a:rPr>
               <a:t>wait</a:t>
             </a:r>
             <a:r>
-              <a:rPr lang="zh-CN" altLang="" sz="1400" u="sng">
+              <a:rPr lang="zh-CN" altLang="en-US" sz="1400" u="sng">
                 <a:latin typeface="Courier New" panose="02070309020205020404" charset="0"/>
                 <a:cs typeface="Courier New" panose="02070309020205020404" charset="0"/>
               </a:rPr>
               <a:t>：如果有子进程结束后，此时调用</a:t>
             </a:r>
             <a:r>
-              <a:rPr lang="" altLang="zh-CN" sz="1400" u="sng">
+              <a:rPr lang="en-US" altLang="zh-CN" sz="1400" u="sng">
                 <a:latin typeface="Courier New" panose="02070309020205020404" charset="0"/>
                 <a:cs typeface="Courier New" panose="02070309020205020404" charset="0"/>
               </a:rPr>
               <a:t>wait</a:t>
             </a:r>
             <a:r>
-              <a:rPr lang="zh-CN" altLang="" sz="1400" u="sng">
+              <a:rPr lang="zh-CN" altLang="en-US" sz="1400" u="sng">
                 <a:latin typeface="Courier New" panose="02070309020205020404" charset="0"/>
                 <a:cs typeface="Courier New" panose="02070309020205020404" charset="0"/>
               </a:rPr>
@@ -13903,59 +13760,59 @@
               <a:t>将会阻塞等待，如果没有子进程，返回</a:t>
             </a:r>
             <a:r>
-              <a:rPr lang="" altLang="zh-CN" sz="1400" u="sng">
+              <a:rPr lang="en-US" altLang="zh-CN" sz="1400" u="sng">
                 <a:latin typeface="Courier New" panose="02070309020205020404" charset="0"/>
                 <a:cs typeface="Courier New" panose="02070309020205020404" charset="0"/>
               </a:rPr>
               <a:t>-1</a:t>
             </a:r>
-            <a:endParaRPr lang="" altLang="zh-CN" sz="1400" u="sng">
-              <a:latin typeface="Courier New" panose="02070309020205020404" charset="0"/>
-              <a:cs typeface="Courier New" panose="02070309020205020404" charset="0"/>
-            </a:endParaRPr>
-          </a:p>
-          <a:p>
-            <a:r>
-              <a:rPr lang="" altLang="zh-CN" sz="1400" u="sng">
+            <a:endParaRPr lang="en-US" altLang="zh-CN" sz="1400" u="sng">
+              <a:latin typeface="Courier New" panose="02070309020205020404" charset="0"/>
+              <a:cs typeface="Courier New" panose="02070309020205020404" charset="0"/>
+            </a:endParaRPr>
+          </a:p>
+          <a:p>
+            <a:r>
+              <a:rPr lang="en-US" altLang="zh-CN" sz="1400" u="sng">
                 <a:latin typeface="Courier New" panose="02070309020205020404" charset="0"/>
                 <a:cs typeface="Courier New" panose="02070309020205020404" charset="0"/>
               </a:rPr>
               <a:t>     </a:t>
             </a:r>
-            <a:endParaRPr lang="" altLang="zh-CN" sz="1400" u="sng">
-              <a:latin typeface="Courier New" panose="02070309020205020404" charset="0"/>
-              <a:cs typeface="Courier New" panose="02070309020205020404" charset="0"/>
-            </a:endParaRPr>
-          </a:p>
-          <a:p>
-            <a:r>
-              <a:rPr lang="" altLang="zh-CN" sz="1400" u="sng">
+            <a:endParaRPr lang="en-US" altLang="zh-CN" sz="1400" u="sng">
+              <a:latin typeface="Courier New" panose="02070309020205020404" charset="0"/>
+              <a:cs typeface="Courier New" panose="02070309020205020404" charset="0"/>
+            </a:endParaRPr>
+          </a:p>
+          <a:p>
+            <a:r>
+              <a:rPr lang="en-US" altLang="zh-CN" sz="1400" u="sng">
                 <a:latin typeface="Courier New" panose="02070309020205020404" charset="0"/>
                 <a:cs typeface="Courier New" panose="02070309020205020404" charset="0"/>
               </a:rPr>
               <a:t>waitpid:</a:t>
             </a:r>
-            <a:endParaRPr lang="" altLang="zh-CN" sz="1400" u="sng">
-              <a:latin typeface="Courier New" panose="02070309020205020404" charset="0"/>
-              <a:cs typeface="Courier New" panose="02070309020205020404" charset="0"/>
-            </a:endParaRPr>
-          </a:p>
-          <a:p>
-            <a:r>
-              <a:rPr lang="" altLang="zh-CN" sz="1400" u="sng">
+            <a:endParaRPr lang="en-US" altLang="zh-CN" sz="1400" u="sng">
+              <a:latin typeface="Courier New" panose="02070309020205020404" charset="0"/>
+              <a:cs typeface="Courier New" panose="02070309020205020404" charset="0"/>
+            </a:endParaRPr>
+          </a:p>
+          <a:p>
+            <a:r>
+              <a:rPr lang="en-US" altLang="zh-CN" sz="1400" u="sng">
                 <a:latin typeface="Courier New" panose="02070309020205020404" charset="0"/>
                 <a:cs typeface="Courier New" panose="02070309020205020404" charset="0"/>
               </a:rPr>
               <a:t>	pid==-1: </a:t>
             </a:r>
             <a:r>
-              <a:rPr lang="zh-CN" altLang="" sz="1400" u="sng">
+              <a:rPr lang="zh-CN" altLang="en-US" sz="1400" u="sng">
                 <a:latin typeface="Courier New" panose="02070309020205020404" charset="0"/>
                 <a:cs typeface="Courier New" panose="02070309020205020404" charset="0"/>
               </a:rPr>
               <a:t>等待任意子进程</a:t>
             </a:r>
-            <a:endParaRPr lang="zh-CN" altLang="" sz="1400" u="sng">
+            <a:endParaRPr lang="zh-CN" altLang="en-US" sz="1400" u="sng">
               <a:latin typeface="Courier New" panose="02070309020205020404" charset="0"/>
               <a:cs typeface="Courier New" panose="02070309020205020404" charset="0"/>
             </a:endParaRPr>
@@ -13969,14 +13826,14 @@
               <a:t>	pid</a:t>
             </a:r>
             <a:r>
-              <a:rPr lang="" altLang="en-US" sz="1400" u="sng">
+              <a:rPr lang="en-US" altLang="en-US" sz="1400" u="sng">
                 <a:latin typeface="Courier New" panose="02070309020205020404" charset="0"/>
                 <a:cs typeface="Courier New" panose="02070309020205020404" charset="0"/>
               </a:rPr>
               <a:t>&gt;0: </a:t>
             </a:r>
             <a:r>
-              <a:rPr lang="zh-CN" altLang="" sz="1400" u="sng">
+              <a:rPr lang="zh-CN" altLang="en-US" sz="1400" u="sng">
                 <a:latin typeface="Courier New" panose="02070309020205020404" charset="0"/>
                 <a:cs typeface="Courier New" panose="02070309020205020404" charset="0"/>
               </a:rPr>
@@ -14024,14 +13881,14 @@
               <a:t>	</a:t>
             </a:r>
             <a:r>
-              <a:rPr lang="" altLang="en-US" sz="1400" u="sng">
+              <a:rPr lang="en-US" altLang="en-US" sz="1400" u="sng">
                 <a:latin typeface="Courier New" panose="02070309020205020404" charset="0"/>
                 <a:cs typeface="Courier New" panose="02070309020205020404" charset="0"/>
               </a:rPr>
               <a:t>pid==0</a:t>
             </a:r>
             <a:r>
-              <a:rPr lang="zh-CN" altLang="" sz="1400" u="sng">
+              <a:rPr lang="zh-CN" altLang="en-US" sz="1400" u="sng">
                 <a:latin typeface="Courier New" panose="02070309020205020404" charset="0"/>
                 <a:cs typeface="Courier New" panose="02070309020205020404" charset="0"/>
               </a:rPr>
@@ -14079,14 +13936,14 @@
               <a:t>	pid</a:t>
             </a:r>
             <a:r>
-              <a:rPr lang="" altLang="en-US" sz="1400" u="sng">
+              <a:rPr lang="en-US" altLang="en-US" sz="1400" u="sng">
                 <a:latin typeface="Courier New" panose="02070309020205020404" charset="0"/>
                 <a:cs typeface="Courier New" panose="02070309020205020404" charset="0"/>
               </a:rPr>
               <a:t>&lt;-1:</a:t>
             </a:r>
             <a:r>
-              <a:rPr lang="zh-CN" altLang="" sz="1400" u="sng">
+              <a:rPr lang="zh-CN" altLang="en-US" sz="1400" u="sng">
                 <a:latin typeface="Courier New" panose="02070309020205020404" charset="0"/>
                 <a:cs typeface="Courier New" panose="02070309020205020404" charset="0"/>
               </a:rPr>
